--- a/intro.pptx
+++ b/intro.pptx
@@ -11,9 +11,15 @@
     <p:sldId id="259" r:id="rId5"/>
     <p:sldId id="260" r:id="rId6"/>
     <p:sldId id="261" r:id="rId7"/>
-    <p:sldId id="262" r:id="rId8"/>
-    <p:sldId id="263" r:id="rId9"/>
-    <p:sldId id="264" r:id="rId10"/>
+    <p:sldId id="266" r:id="rId8"/>
+    <p:sldId id="267" r:id="rId9"/>
+    <p:sldId id="262" r:id="rId10"/>
+    <p:sldId id="263" r:id="rId11"/>
+    <p:sldId id="264" r:id="rId12"/>
+    <p:sldId id="265" r:id="rId13"/>
+    <p:sldId id="268" r:id="rId14"/>
+    <p:sldId id="269" r:id="rId15"/>
+    <p:sldId id="270" r:id="rId16"/>
   </p:sldIdLst>
   <p:sldSz cx="12192000" cy="6858000"/>
   <p:notesSz cx="6858000" cy="9144000"/>
@@ -112,6 +118,11 @@
       </a:defRPr>
     </a:lvl9pPr>
   </p:defaultTextStyle>
+  <p:extLst>
+    <p:ext uri="{EFAFB233-063F-42B5-8137-9DF3F51BA10A}">
+      <p15:sldGuideLst xmlns:p15="http://schemas.microsoft.com/office/powerpoint/2012/main"/>
+    </p:ext>
+  </p:extLst>
 </p:presentation>
 </file>
 
@@ -8908,7 +8919,7 @@
           <a:p>
             <a:fld id="{6DC1D2EA-4059-4DC5-AD48-8F08A7F9F094}" type="datetimeFigureOut">
               <a:rPr lang="it-IT" smtClean="0"/>
-              <a:t>15/09/2019</a:t>
+              <a:t>16/09/2019</a:t>
             </a:fld>
             <a:endParaRPr lang="it-IT"/>
           </a:p>
@@ -8950,7 +8961,7 @@
           <a:p>
             <a:fld id="{8F60BDDD-A386-40B9-B767-E1D62B82FEA5}" type="slidenum">
               <a:rPr lang="it-IT" smtClean="0"/>
-              <a:t>‹N›</a:t>
+              <a:t>‹#›</a:t>
             </a:fld>
             <a:endParaRPr lang="it-IT"/>
           </a:p>
@@ -9115,7 +9126,7 @@
           <a:p>
             <a:fld id="{6DC1D2EA-4059-4DC5-AD48-8F08A7F9F094}" type="datetimeFigureOut">
               <a:rPr lang="it-IT" smtClean="0"/>
-              <a:t>15/09/2019</a:t>
+              <a:t>16/09/2019</a:t>
             </a:fld>
             <a:endParaRPr lang="it-IT"/>
           </a:p>
@@ -9157,7 +9168,7 @@
           <a:p>
             <a:fld id="{8F60BDDD-A386-40B9-B767-E1D62B82FEA5}" type="slidenum">
               <a:rPr lang="it-IT" smtClean="0"/>
-              <a:t>‹N›</a:t>
+              <a:t>‹#›</a:t>
             </a:fld>
             <a:endParaRPr lang="it-IT"/>
           </a:p>
@@ -9295,7 +9306,7 @@
           <a:p>
             <a:fld id="{6DC1D2EA-4059-4DC5-AD48-8F08A7F9F094}" type="datetimeFigureOut">
               <a:rPr lang="it-IT" smtClean="0"/>
-              <a:t>15/09/2019</a:t>
+              <a:t>16/09/2019</a:t>
             </a:fld>
             <a:endParaRPr lang="it-IT"/>
           </a:p>
@@ -9337,7 +9348,7 @@
           <a:p>
             <a:fld id="{8F60BDDD-A386-40B9-B767-E1D62B82FEA5}" type="slidenum">
               <a:rPr lang="it-IT" smtClean="0"/>
-              <a:t>‹N›</a:t>
+              <a:t>‹#›</a:t>
             </a:fld>
             <a:endParaRPr lang="it-IT"/>
           </a:p>
@@ -9500,7 +9511,7 @@
           <a:p>
             <a:fld id="{6DC1D2EA-4059-4DC5-AD48-8F08A7F9F094}" type="datetimeFigureOut">
               <a:rPr lang="it-IT" smtClean="0"/>
-              <a:t>15/09/2019</a:t>
+              <a:t>16/09/2019</a:t>
             </a:fld>
             <a:endParaRPr lang="it-IT"/>
           </a:p>
@@ -9542,7 +9553,7 @@
           <a:p>
             <a:fld id="{8F60BDDD-A386-40B9-B767-E1D62B82FEA5}" type="slidenum">
               <a:rPr lang="it-IT" smtClean="0"/>
-              <a:t>‹N›</a:t>
+              <a:t>‹#›</a:t>
             </a:fld>
             <a:endParaRPr lang="it-IT"/>
           </a:p>
@@ -18398,7 +18409,7 @@
           <a:p>
             <a:fld id="{6DC1D2EA-4059-4DC5-AD48-8F08A7F9F094}" type="datetimeFigureOut">
               <a:rPr lang="it-IT" smtClean="0"/>
-              <a:t>15/09/2019</a:t>
+              <a:t>16/09/2019</a:t>
             </a:fld>
             <a:endParaRPr lang="it-IT"/>
           </a:p>
@@ -18440,7 +18451,7 @@
           <a:p>
             <a:fld id="{8F60BDDD-A386-40B9-B767-E1D62B82FEA5}" type="slidenum">
               <a:rPr lang="it-IT" smtClean="0"/>
-              <a:t>‹N›</a:t>
+              <a:t>‹#›</a:t>
             </a:fld>
             <a:endParaRPr lang="it-IT"/>
           </a:p>
@@ -18672,7 +18683,7 @@
           <a:p>
             <a:fld id="{6DC1D2EA-4059-4DC5-AD48-8F08A7F9F094}" type="datetimeFigureOut">
               <a:rPr lang="it-IT" smtClean="0"/>
-              <a:t>15/09/2019</a:t>
+              <a:t>16/09/2019</a:t>
             </a:fld>
             <a:endParaRPr lang="it-IT"/>
           </a:p>
@@ -18714,7 +18725,7 @@
           <a:p>
             <a:fld id="{8F60BDDD-A386-40B9-B767-E1D62B82FEA5}" type="slidenum">
               <a:rPr lang="it-IT" smtClean="0"/>
-              <a:t>‹N›</a:t>
+              <a:t>‹#›</a:t>
             </a:fld>
             <a:endParaRPr lang="it-IT"/>
           </a:p>
@@ -19070,7 +19081,7 @@
           <a:p>
             <a:fld id="{6DC1D2EA-4059-4DC5-AD48-8F08A7F9F094}" type="datetimeFigureOut">
               <a:rPr lang="it-IT" smtClean="0"/>
-              <a:t>15/09/2019</a:t>
+              <a:t>16/09/2019</a:t>
             </a:fld>
             <a:endParaRPr lang="it-IT"/>
           </a:p>
@@ -19112,7 +19123,7 @@
           <a:p>
             <a:fld id="{8F60BDDD-A386-40B9-B767-E1D62B82FEA5}" type="slidenum">
               <a:rPr lang="it-IT" smtClean="0"/>
-              <a:t>‹N›</a:t>
+              <a:t>‹#›</a:t>
             </a:fld>
             <a:endParaRPr lang="it-IT"/>
           </a:p>
@@ -19188,7 +19199,7 @@
           <a:p>
             <a:fld id="{6DC1D2EA-4059-4DC5-AD48-8F08A7F9F094}" type="datetimeFigureOut">
               <a:rPr lang="it-IT" smtClean="0"/>
-              <a:t>15/09/2019</a:t>
+              <a:t>16/09/2019</a:t>
             </a:fld>
             <a:endParaRPr lang="it-IT"/>
           </a:p>
@@ -19230,7 +19241,7 @@
           <a:p>
             <a:fld id="{8F60BDDD-A386-40B9-B767-E1D62B82FEA5}" type="slidenum">
               <a:rPr lang="it-IT" smtClean="0"/>
-              <a:t>‹N›</a:t>
+              <a:t>‹#›</a:t>
             </a:fld>
             <a:endParaRPr lang="it-IT"/>
           </a:p>
@@ -19283,7 +19294,7 @@
           <a:p>
             <a:fld id="{6DC1D2EA-4059-4DC5-AD48-8F08A7F9F094}" type="datetimeFigureOut">
               <a:rPr lang="it-IT" smtClean="0"/>
-              <a:t>15/09/2019</a:t>
+              <a:t>16/09/2019</a:t>
             </a:fld>
             <a:endParaRPr lang="it-IT"/>
           </a:p>
@@ -19325,7 +19336,7 @@
           <a:p>
             <a:fld id="{8F60BDDD-A386-40B9-B767-E1D62B82FEA5}" type="slidenum">
               <a:rPr lang="it-IT" smtClean="0"/>
-              <a:t>‹N›</a:t>
+              <a:t>‹#›</a:t>
             </a:fld>
             <a:endParaRPr lang="it-IT"/>
           </a:p>
@@ -19573,7 +19584,7 @@
           <a:p>
             <a:fld id="{6DC1D2EA-4059-4DC5-AD48-8F08A7F9F094}" type="datetimeFigureOut">
               <a:rPr lang="it-IT" smtClean="0"/>
-              <a:t>15/09/2019</a:t>
+              <a:t>16/09/2019</a:t>
             </a:fld>
             <a:endParaRPr lang="it-IT"/>
           </a:p>
@@ -19615,7 +19626,7 @@
           <a:p>
             <a:fld id="{8F60BDDD-A386-40B9-B767-E1D62B82FEA5}" type="slidenum">
               <a:rPr lang="it-IT" smtClean="0"/>
-              <a:t>‹N›</a:t>
+              <a:t>‹#›</a:t>
             </a:fld>
             <a:endParaRPr lang="it-IT"/>
           </a:p>
@@ -19853,7 +19864,7 @@
           <a:p>
             <a:fld id="{6DC1D2EA-4059-4DC5-AD48-8F08A7F9F094}" type="datetimeFigureOut">
               <a:rPr lang="it-IT" smtClean="0"/>
-              <a:t>15/09/2019</a:t>
+              <a:t>16/09/2019</a:t>
             </a:fld>
             <a:endParaRPr lang="it-IT"/>
           </a:p>
@@ -19895,7 +19906,7 @@
           <a:p>
             <a:fld id="{8F60BDDD-A386-40B9-B767-E1D62B82FEA5}" type="slidenum">
               <a:rPr lang="it-IT" smtClean="0"/>
-              <a:t>‹N›</a:t>
+              <a:t>‹#›</a:t>
             </a:fld>
             <a:endParaRPr lang="it-IT"/>
           </a:p>
@@ -20103,7 +20114,7 @@
           <a:p>
             <a:fld id="{6DC1D2EA-4059-4DC5-AD48-8F08A7F9F094}" type="datetimeFigureOut">
               <a:rPr lang="it-IT" smtClean="0"/>
-              <a:t>15/09/2019</a:t>
+              <a:t>16/09/2019</a:t>
             </a:fld>
             <a:endParaRPr lang="it-IT"/>
           </a:p>
@@ -20185,7 +20196,7 @@
           <a:p>
             <a:fld id="{8F60BDDD-A386-40B9-B767-E1D62B82FEA5}" type="slidenum">
               <a:rPr lang="it-IT" smtClean="0"/>
-              <a:t>‹N›</a:t>
+              <a:t>‹#›</a:t>
             </a:fld>
             <a:endParaRPr lang="it-IT"/>
           </a:p>
@@ -20761,6 +20772,888 @@
   </p:cSld>
   <p:clrMapOvr>
     <a:overrideClrMapping bg1="dk1" tx1="lt1" bg2="dk2" tx2="lt2" accent1="accent1" accent2="accent2" accent3="accent3" accent4="accent4" accent5="accent5" accent6="accent6" hlink="hlink" folHlink="folHlink"/>
+  </p:clrMapOvr>
+</p:sld>
+</file>
+
+<file path=ppt/slides/slide10.xml><?xml version="1.0" encoding="utf-8"?>
+<p:sld xmlns:a="http://schemas.openxmlformats.org/drawingml/2006/main" xmlns:r="http://schemas.openxmlformats.org/officeDocument/2006/relationships" xmlns:p="http://schemas.openxmlformats.org/presentationml/2006/main">
+  <p:cSld>
+    <p:spTree>
+      <p:nvGrpSpPr>
+        <p:cNvPr id="1" name=""/>
+        <p:cNvGrpSpPr/>
+        <p:nvPr/>
+      </p:nvGrpSpPr>
+      <p:grpSpPr>
+        <a:xfrm>
+          <a:off x="0" y="0"/>
+          <a:ext cx="0" cy="0"/>
+          <a:chOff x="0" y="0"/>
+          <a:chExt cx="0" cy="0"/>
+        </a:xfrm>
+      </p:grpSpPr>
+      <p:sp>
+        <p:nvSpPr>
+          <p:cNvPr id="2" name="Titolo 1">
+            <a:extLst>
+              <a:ext uri="{FF2B5EF4-FFF2-40B4-BE49-F238E27FC236}">
+                <a16:creationId xmlns:a16="http://schemas.microsoft.com/office/drawing/2014/main" id="{6C75215C-C00F-4683-BEFB-E3B87424FA6E}"/>
+              </a:ext>
+            </a:extLst>
+          </p:cNvPr>
+          <p:cNvSpPr>
+            <a:spLocks noGrp="1"/>
+          </p:cNvSpPr>
+          <p:nvPr>
+            <p:ph type="title"/>
+          </p:nvPr>
+        </p:nvSpPr>
+        <p:spPr/>
+        <p:txBody>
+          <a:bodyPr>
+            <a:normAutofit/>
+          </a:bodyPr>
+          <a:lstStyle/>
+          <a:p>
+            <a:r>
+              <a:rPr lang="it-IT" sz="4000" dirty="0"/>
+              <a:t>How Environment Affects Performance - Runtime</a:t>
+            </a:r>
+          </a:p>
+        </p:txBody>
+      </p:sp>
+      <p:pic>
+        <p:nvPicPr>
+          <p:cNvPr id="4" name="Segnaposto contenuto 3">
+            <a:extLst>
+              <a:ext uri="{FF2B5EF4-FFF2-40B4-BE49-F238E27FC236}">
+                <a16:creationId xmlns:a16="http://schemas.microsoft.com/office/drawing/2014/main" id="{E8739821-66CF-426E-AA74-A7DD9BD80912}"/>
+              </a:ext>
+            </a:extLst>
+          </p:cNvPr>
+          <p:cNvPicPr>
+            <a:picLocks noGrp="1" noChangeAspect="1"/>
+          </p:cNvPicPr>
+          <p:nvPr>
+            <p:ph idx="1"/>
+          </p:nvPr>
+        </p:nvPicPr>
+        <p:blipFill>
+          <a:blip r:embed="rId2"/>
+          <a:stretch>
+            <a:fillRect/>
+          </a:stretch>
+        </p:blipFill>
+        <p:spPr>
+          <a:xfrm>
+            <a:off x="4109720" y="2084832"/>
+            <a:ext cx="7524261" cy="4441011"/>
+          </a:xfrm>
+          <a:prstGeom prst="rect">
+            <a:avLst/>
+          </a:prstGeom>
+        </p:spPr>
+      </p:pic>
+    </p:spTree>
+    <p:extLst>
+      <p:ext uri="{BB962C8B-B14F-4D97-AF65-F5344CB8AC3E}">
+        <p14:creationId xmlns:p14="http://schemas.microsoft.com/office/powerpoint/2010/main" val="359523339"/>
+      </p:ext>
+    </p:extLst>
+  </p:cSld>
+  <p:clrMapOvr>
+    <a:masterClrMapping/>
+  </p:clrMapOvr>
+</p:sld>
+</file>
+
+<file path=ppt/slides/slide11.xml><?xml version="1.0" encoding="utf-8"?>
+<p:sld xmlns:a="http://schemas.openxmlformats.org/drawingml/2006/main" xmlns:r="http://schemas.openxmlformats.org/officeDocument/2006/relationships" xmlns:p="http://schemas.openxmlformats.org/presentationml/2006/main">
+  <p:cSld>
+    <p:spTree>
+      <p:nvGrpSpPr>
+        <p:cNvPr id="1" name=""/>
+        <p:cNvGrpSpPr/>
+        <p:nvPr/>
+      </p:nvGrpSpPr>
+      <p:grpSpPr>
+        <a:xfrm>
+          <a:off x="0" y="0"/>
+          <a:ext cx="0" cy="0"/>
+          <a:chOff x="0" y="0"/>
+          <a:chExt cx="0" cy="0"/>
+        </a:xfrm>
+      </p:grpSpPr>
+      <p:sp>
+        <p:nvSpPr>
+          <p:cNvPr id="2" name="Titolo 1">
+            <a:extLst>
+              <a:ext uri="{FF2B5EF4-FFF2-40B4-BE49-F238E27FC236}">
+                <a16:creationId xmlns:a16="http://schemas.microsoft.com/office/drawing/2014/main" id="{DDAF4B40-DEED-4EEA-A84C-2B32AC9E954B}"/>
+              </a:ext>
+            </a:extLst>
+          </p:cNvPr>
+          <p:cNvSpPr>
+            <a:spLocks noGrp="1"/>
+          </p:cNvSpPr>
+          <p:nvPr>
+            <p:ph type="title"/>
+          </p:nvPr>
+        </p:nvSpPr>
+        <p:spPr>
+          <a:xfrm>
+            <a:off x="1024128" y="585216"/>
+            <a:ext cx="5241205" cy="1499616"/>
+          </a:xfrm>
+        </p:spPr>
+        <p:txBody>
+          <a:bodyPr>
+            <a:noAutofit/>
+          </a:bodyPr>
+          <a:lstStyle/>
+          <a:p>
+            <a:r>
+              <a:rPr lang="it-IT" sz="3200" dirty="0"/>
+              <a:t>How Environment Affects Performance - </a:t>
+            </a:r>
+            <a:r>
+              <a:rPr lang="it-IT" sz="2800" dirty="0"/>
+              <a:t>Compilation</a:t>
+            </a:r>
+          </a:p>
+        </p:txBody>
+      </p:sp>
+      <p:pic>
+        <p:nvPicPr>
+          <p:cNvPr id="4" name="Segnaposto contenuto 3">
+            <a:extLst>
+              <a:ext uri="{FF2B5EF4-FFF2-40B4-BE49-F238E27FC236}">
+                <a16:creationId xmlns:a16="http://schemas.microsoft.com/office/drawing/2014/main" id="{19074DEB-FF61-40CF-B9BC-0FEE82A053E2}"/>
+              </a:ext>
+            </a:extLst>
+          </p:cNvPr>
+          <p:cNvPicPr>
+            <a:picLocks noGrp="1" noChangeAspect="1"/>
+          </p:cNvPicPr>
+          <p:nvPr>
+            <p:ph idx="1"/>
+          </p:nvPr>
+        </p:nvPicPr>
+        <p:blipFill>
+          <a:blip r:embed="rId2"/>
+          <a:stretch>
+            <a:fillRect/>
+          </a:stretch>
+        </p:blipFill>
+        <p:spPr>
+          <a:xfrm>
+            <a:off x="5637670" y="585216"/>
+            <a:ext cx="6066649" cy="5801378"/>
+          </a:xfrm>
+          <a:prstGeom prst="rect">
+            <a:avLst/>
+          </a:prstGeom>
+        </p:spPr>
+      </p:pic>
+      <p:pic>
+        <p:nvPicPr>
+          <p:cNvPr id="5" name="Immagine 4">
+            <a:extLst>
+              <a:ext uri="{FF2B5EF4-FFF2-40B4-BE49-F238E27FC236}">
+                <a16:creationId xmlns:a16="http://schemas.microsoft.com/office/drawing/2014/main" id="{B433107E-618D-4472-AB9D-44BBE35A0F83}"/>
+              </a:ext>
+            </a:extLst>
+          </p:cNvPr>
+          <p:cNvPicPr>
+            <a:picLocks noChangeAspect="1"/>
+          </p:cNvPicPr>
+          <p:nvPr/>
+        </p:nvPicPr>
+        <p:blipFill>
+          <a:blip r:embed="rId3"/>
+          <a:stretch>
+            <a:fillRect/>
+          </a:stretch>
+        </p:blipFill>
+        <p:spPr>
+          <a:xfrm>
+            <a:off x="826874" y="3939069"/>
+            <a:ext cx="4810796" cy="2553056"/>
+          </a:xfrm>
+          <a:prstGeom prst="rect">
+            <a:avLst/>
+          </a:prstGeom>
+        </p:spPr>
+      </p:pic>
+    </p:spTree>
+    <p:extLst>
+      <p:ext uri="{BB962C8B-B14F-4D97-AF65-F5344CB8AC3E}">
+        <p14:creationId xmlns:p14="http://schemas.microsoft.com/office/powerpoint/2010/main" val="3541036980"/>
+      </p:ext>
+    </p:extLst>
+  </p:cSld>
+  <p:clrMapOvr>
+    <a:masterClrMapping/>
+  </p:clrMapOvr>
+</p:sld>
+</file>
+
+<file path=ppt/slides/slide12.xml><?xml version="1.0" encoding="utf-8"?>
+<p:sld xmlns:a="http://schemas.openxmlformats.org/drawingml/2006/main" xmlns:r="http://schemas.openxmlformats.org/officeDocument/2006/relationships" xmlns:p="http://schemas.openxmlformats.org/presentationml/2006/main">
+  <p:cSld>
+    <p:spTree>
+      <p:nvGrpSpPr>
+        <p:cNvPr id="1" name=""/>
+        <p:cNvGrpSpPr/>
+        <p:nvPr/>
+      </p:nvGrpSpPr>
+      <p:grpSpPr>
+        <a:xfrm>
+          <a:off x="0" y="0"/>
+          <a:ext cx="0" cy="0"/>
+          <a:chOff x="0" y="0"/>
+          <a:chExt cx="0" cy="0"/>
+        </a:xfrm>
+      </p:grpSpPr>
+      <p:sp>
+        <p:nvSpPr>
+          <p:cNvPr id="2" name="Titolo 1">
+            <a:extLst>
+              <a:ext uri="{FF2B5EF4-FFF2-40B4-BE49-F238E27FC236}">
+                <a16:creationId xmlns:a16="http://schemas.microsoft.com/office/drawing/2014/main" id="{DDAF4B40-DEED-4EEA-A84C-2B32AC9E954B}"/>
+              </a:ext>
+            </a:extLst>
+          </p:cNvPr>
+          <p:cNvSpPr>
+            <a:spLocks noGrp="1"/>
+          </p:cNvSpPr>
+          <p:nvPr>
+            <p:ph type="title"/>
+          </p:nvPr>
+        </p:nvSpPr>
+        <p:spPr>
+          <a:xfrm>
+            <a:off x="1024129" y="585216"/>
+            <a:ext cx="4287174" cy="1499616"/>
+          </a:xfrm>
+        </p:spPr>
+        <p:txBody>
+          <a:bodyPr>
+            <a:noAutofit/>
+          </a:bodyPr>
+          <a:lstStyle/>
+          <a:p>
+            <a:r>
+              <a:rPr lang="it-IT" sz="3200" dirty="0"/>
+              <a:t>How Environment Affects Performance - </a:t>
+            </a:r>
+            <a:r>
+              <a:rPr lang="it-IT" sz="2800" dirty="0"/>
+              <a:t>External Environment</a:t>
+            </a:r>
+          </a:p>
+        </p:txBody>
+      </p:sp>
+      <p:pic>
+        <p:nvPicPr>
+          <p:cNvPr id="7" name="Content Placeholder 6">
+            <a:extLst>
+              <a:ext uri="{FF2B5EF4-FFF2-40B4-BE49-F238E27FC236}">
+                <a16:creationId xmlns:a16="http://schemas.microsoft.com/office/drawing/2014/main" id="{D7332BE6-CA1F-45D9-A855-BC5429FB89F9}"/>
+              </a:ext>
+            </a:extLst>
+          </p:cNvPr>
+          <p:cNvPicPr>
+            <a:picLocks noGrp="1" noChangeAspect="1"/>
+          </p:cNvPicPr>
+          <p:nvPr>
+            <p:ph idx="1"/>
+          </p:nvPr>
+        </p:nvPicPr>
+        <p:blipFill>
+          <a:blip r:embed="rId2"/>
+          <a:stretch>
+            <a:fillRect/>
+          </a:stretch>
+        </p:blipFill>
+        <p:spPr>
+          <a:xfrm>
+            <a:off x="5833919" y="710119"/>
+            <a:ext cx="2288677" cy="5831078"/>
+          </a:xfrm>
+          <a:prstGeom prst="rect">
+            <a:avLst/>
+          </a:prstGeom>
+        </p:spPr>
+      </p:pic>
+    </p:spTree>
+    <p:extLst>
+      <p:ext uri="{BB962C8B-B14F-4D97-AF65-F5344CB8AC3E}">
+        <p14:creationId xmlns:p14="http://schemas.microsoft.com/office/powerpoint/2010/main" val="1647367335"/>
+      </p:ext>
+    </p:extLst>
+  </p:cSld>
+  <p:clrMapOvr>
+    <a:masterClrMapping/>
+  </p:clrMapOvr>
+</p:sld>
+</file>
+
+<file path=ppt/slides/slide13.xml><?xml version="1.0" encoding="utf-8"?>
+<p:sld xmlns:a="http://schemas.openxmlformats.org/drawingml/2006/main" xmlns:r="http://schemas.openxmlformats.org/officeDocument/2006/relationships" xmlns:p="http://schemas.openxmlformats.org/presentationml/2006/main">
+  <p:cSld>
+    <p:spTree>
+      <p:nvGrpSpPr>
+        <p:cNvPr id="1" name=""/>
+        <p:cNvGrpSpPr/>
+        <p:nvPr/>
+      </p:nvGrpSpPr>
+      <p:grpSpPr>
+        <a:xfrm>
+          <a:off x="0" y="0"/>
+          <a:ext cx="0" cy="0"/>
+          <a:chOff x="0" y="0"/>
+          <a:chExt cx="0" cy="0"/>
+        </a:xfrm>
+      </p:grpSpPr>
+      <p:sp>
+        <p:nvSpPr>
+          <p:cNvPr id="2" name="Title 1">
+            <a:extLst>
+              <a:ext uri="{FF2B5EF4-FFF2-40B4-BE49-F238E27FC236}">
+                <a16:creationId xmlns:a16="http://schemas.microsoft.com/office/drawing/2014/main" id="{E6844893-176E-4344-BBE9-405828FA25EE}"/>
+              </a:ext>
+            </a:extLst>
+          </p:cNvPr>
+          <p:cNvSpPr>
+            <a:spLocks noGrp="1"/>
+          </p:cNvSpPr>
+          <p:nvPr>
+            <p:ph type="title"/>
+          </p:nvPr>
+        </p:nvSpPr>
+        <p:spPr/>
+        <p:txBody>
+          <a:bodyPr>
+            <a:normAutofit/>
+          </a:bodyPr>
+          <a:lstStyle/>
+          <a:p>
+            <a:r>
+              <a:rPr lang="en-US" sz="3600" dirty="0"/>
+              <a:t>Performance Analysis and </a:t>
+            </a:r>
+            <a:br>
+              <a:rPr lang="en-US" sz="3600" dirty="0"/>
+            </a:br>
+            <a:r>
+              <a:rPr lang="en-US" sz="3600" dirty="0"/>
+              <a:t>Performance Testing</a:t>
+            </a:r>
+            <a:endParaRPr lang="it-IT" sz="3600" dirty="0"/>
+          </a:p>
+        </p:txBody>
+      </p:sp>
+      <p:pic>
+        <p:nvPicPr>
+          <p:cNvPr id="4" name="Content Placeholder 3">
+            <a:extLst>
+              <a:ext uri="{FF2B5EF4-FFF2-40B4-BE49-F238E27FC236}">
+                <a16:creationId xmlns:a16="http://schemas.microsoft.com/office/drawing/2014/main" id="{BDDCC7CA-19A6-4B42-B18D-40F93C95C8F9}"/>
+              </a:ext>
+            </a:extLst>
+          </p:cNvPr>
+          <p:cNvPicPr>
+            <a:picLocks noGrp="1" noChangeAspect="1"/>
+          </p:cNvPicPr>
+          <p:nvPr>
+            <p:ph idx="1"/>
+          </p:nvPr>
+        </p:nvPicPr>
+        <p:blipFill>
+          <a:blip r:embed="rId2"/>
+          <a:stretch>
+            <a:fillRect/>
+          </a:stretch>
+        </p:blipFill>
+        <p:spPr>
+          <a:xfrm>
+            <a:off x="8398313" y="153759"/>
+            <a:ext cx="3648584" cy="2362530"/>
+          </a:xfrm>
+          <a:prstGeom prst="rect">
+            <a:avLst/>
+          </a:prstGeom>
+        </p:spPr>
+      </p:pic>
+      <p:sp>
+        <p:nvSpPr>
+          <p:cNvPr id="5" name="TextBox 4">
+            <a:extLst>
+              <a:ext uri="{FF2B5EF4-FFF2-40B4-BE49-F238E27FC236}">
+                <a16:creationId xmlns:a16="http://schemas.microsoft.com/office/drawing/2014/main" id="{C5E45D4F-1585-40EF-A64D-7F55BC6A2EE8}"/>
+              </a:ext>
+            </a:extLst>
+          </p:cNvPr>
+          <p:cNvSpPr txBox="1"/>
+          <p:nvPr/>
+        </p:nvSpPr>
+        <p:spPr>
+          <a:xfrm>
+            <a:off x="496110" y="2266544"/>
+            <a:ext cx="7791855" cy="923330"/>
+          </a:xfrm>
+          <a:prstGeom prst="rect">
+            <a:avLst/>
+          </a:prstGeom>
+          <a:noFill/>
+        </p:spPr>
+        <p:txBody>
+          <a:bodyPr wrap="square" rtlCol="0">
+            <a:spAutoFit/>
+          </a:bodyPr>
+          <a:lstStyle/>
+          <a:p>
+            <a:r>
+              <a:rPr lang="en-US" dirty="0"/>
+              <a:t>Kinds of Benchmarks and Performance Tests</a:t>
+            </a:r>
+          </a:p>
+          <a:p>
+            <a:endParaRPr lang="en-US" dirty="0"/>
+          </a:p>
+          <a:p>
+            <a:endParaRPr lang="it-IT" dirty="0"/>
+          </a:p>
+        </p:txBody>
+      </p:sp>
+      <p:pic>
+        <p:nvPicPr>
+          <p:cNvPr id="6" name="Picture 5">
+            <a:extLst>
+              <a:ext uri="{FF2B5EF4-FFF2-40B4-BE49-F238E27FC236}">
+                <a16:creationId xmlns:a16="http://schemas.microsoft.com/office/drawing/2014/main" id="{D5903305-72E8-4784-B871-BD4D71F44DA9}"/>
+              </a:ext>
+            </a:extLst>
+          </p:cNvPr>
+          <p:cNvPicPr>
+            <a:picLocks noChangeAspect="1"/>
+          </p:cNvPicPr>
+          <p:nvPr/>
+        </p:nvPicPr>
+        <p:blipFill>
+          <a:blip r:embed="rId3"/>
+          <a:stretch>
+            <a:fillRect/>
+          </a:stretch>
+        </p:blipFill>
+        <p:spPr>
+          <a:xfrm>
+            <a:off x="263514" y="2868900"/>
+            <a:ext cx="4991797" cy="3610479"/>
+          </a:xfrm>
+          <a:prstGeom prst="rect">
+            <a:avLst/>
+          </a:prstGeom>
+        </p:spPr>
+      </p:pic>
+      <p:pic>
+        <p:nvPicPr>
+          <p:cNvPr id="7" name="Picture 6">
+            <a:extLst>
+              <a:ext uri="{FF2B5EF4-FFF2-40B4-BE49-F238E27FC236}">
+                <a16:creationId xmlns:a16="http://schemas.microsoft.com/office/drawing/2014/main" id="{EFF363EC-A50E-4DAB-BD61-5045BF03FC9D}"/>
+              </a:ext>
+            </a:extLst>
+          </p:cNvPr>
+          <p:cNvPicPr>
+            <a:picLocks noChangeAspect="1"/>
+          </p:cNvPicPr>
+          <p:nvPr/>
+        </p:nvPicPr>
+        <p:blipFill>
+          <a:blip r:embed="rId4"/>
+          <a:stretch>
+            <a:fillRect/>
+          </a:stretch>
+        </p:blipFill>
+        <p:spPr>
+          <a:xfrm>
+            <a:off x="437742" y="6113903"/>
+            <a:ext cx="4439270" cy="466790"/>
+          </a:xfrm>
+          <a:prstGeom prst="rect">
+            <a:avLst/>
+          </a:prstGeom>
+        </p:spPr>
+      </p:pic>
+      <p:pic>
+        <p:nvPicPr>
+          <p:cNvPr id="8" name="Picture 7">
+            <a:extLst>
+              <a:ext uri="{FF2B5EF4-FFF2-40B4-BE49-F238E27FC236}">
+                <a16:creationId xmlns:a16="http://schemas.microsoft.com/office/drawing/2014/main" id="{AB35A060-6B10-4E5C-8938-C69F98910386}"/>
+              </a:ext>
+            </a:extLst>
+          </p:cNvPr>
+          <p:cNvPicPr>
+            <a:picLocks noChangeAspect="1"/>
+          </p:cNvPicPr>
+          <p:nvPr/>
+        </p:nvPicPr>
+        <p:blipFill>
+          <a:blip r:embed="rId5"/>
+          <a:stretch>
+            <a:fillRect/>
+          </a:stretch>
+        </p:blipFill>
+        <p:spPr>
+          <a:xfrm>
+            <a:off x="5245362" y="2595870"/>
+            <a:ext cx="5344271" cy="1971950"/>
+          </a:xfrm>
+          <a:prstGeom prst="rect">
+            <a:avLst/>
+          </a:prstGeom>
+        </p:spPr>
+      </p:pic>
+    </p:spTree>
+    <p:extLst>
+      <p:ext uri="{BB962C8B-B14F-4D97-AF65-F5344CB8AC3E}">
+        <p14:creationId xmlns:p14="http://schemas.microsoft.com/office/powerpoint/2010/main" val="4011627290"/>
+      </p:ext>
+    </p:extLst>
+  </p:cSld>
+  <p:clrMapOvr>
+    <a:masterClrMapping/>
+  </p:clrMapOvr>
+</p:sld>
+</file>
+
+<file path=ppt/slides/slide14.xml><?xml version="1.0" encoding="utf-8"?>
+<p:sld xmlns:a="http://schemas.openxmlformats.org/drawingml/2006/main" xmlns:r="http://schemas.openxmlformats.org/officeDocument/2006/relationships" xmlns:p="http://schemas.openxmlformats.org/presentationml/2006/main">
+  <p:cSld>
+    <p:spTree>
+      <p:nvGrpSpPr>
+        <p:cNvPr id="1" name=""/>
+        <p:cNvGrpSpPr/>
+        <p:nvPr/>
+      </p:nvGrpSpPr>
+      <p:grpSpPr>
+        <a:xfrm>
+          <a:off x="0" y="0"/>
+          <a:ext cx="0" cy="0"/>
+          <a:chOff x="0" y="0"/>
+          <a:chExt cx="0" cy="0"/>
+        </a:xfrm>
+      </p:grpSpPr>
+      <p:sp>
+        <p:nvSpPr>
+          <p:cNvPr id="2" name="Title 1">
+            <a:extLst>
+              <a:ext uri="{FF2B5EF4-FFF2-40B4-BE49-F238E27FC236}">
+                <a16:creationId xmlns:a16="http://schemas.microsoft.com/office/drawing/2014/main" id="{7A3FD268-544E-41EF-A28A-34D973903317}"/>
+              </a:ext>
+            </a:extLst>
+          </p:cNvPr>
+          <p:cNvSpPr>
+            <a:spLocks noGrp="1"/>
+          </p:cNvSpPr>
+          <p:nvPr>
+            <p:ph type="title"/>
+          </p:nvPr>
+        </p:nvSpPr>
+        <p:spPr/>
+        <p:txBody>
+          <a:bodyPr>
+            <a:normAutofit/>
+          </a:bodyPr>
+          <a:lstStyle/>
+          <a:p>
+            <a:r>
+              <a:rPr lang="en-US" sz="2800" dirty="0"/>
+              <a:t>Kinds of Benchmarks and Performance Tests</a:t>
+            </a:r>
+            <a:br>
+              <a:rPr lang="en-US" sz="2800" dirty="0"/>
+            </a:br>
+            <a:r>
+              <a:rPr lang="en-US" sz="2800" dirty="0"/>
+              <a:t>Latency vs Throughput</a:t>
+            </a:r>
+            <a:endParaRPr lang="it-IT" sz="2800" dirty="0"/>
+          </a:p>
+        </p:txBody>
+      </p:sp>
+      <p:pic>
+        <p:nvPicPr>
+          <p:cNvPr id="4" name="Content Placeholder 3">
+            <a:extLst>
+              <a:ext uri="{FF2B5EF4-FFF2-40B4-BE49-F238E27FC236}">
+                <a16:creationId xmlns:a16="http://schemas.microsoft.com/office/drawing/2014/main" id="{49FC72A1-81D6-41FF-AB39-5B9CB25E55F5}"/>
+              </a:ext>
+            </a:extLst>
+          </p:cNvPr>
+          <p:cNvPicPr>
+            <a:picLocks noGrp="1" noChangeAspect="1"/>
+          </p:cNvPicPr>
+          <p:nvPr>
+            <p:ph idx="1"/>
+          </p:nvPr>
+        </p:nvPicPr>
+        <p:blipFill>
+          <a:blip r:embed="rId2"/>
+          <a:stretch>
+            <a:fillRect/>
+          </a:stretch>
+        </p:blipFill>
+        <p:spPr>
+          <a:xfrm>
+            <a:off x="1365819" y="3257706"/>
+            <a:ext cx="3258005" cy="1267002"/>
+          </a:xfrm>
+          <a:prstGeom prst="rect">
+            <a:avLst/>
+          </a:prstGeom>
+        </p:spPr>
+      </p:pic>
+      <p:pic>
+        <p:nvPicPr>
+          <p:cNvPr id="5" name="Picture 4">
+            <a:extLst>
+              <a:ext uri="{FF2B5EF4-FFF2-40B4-BE49-F238E27FC236}">
+                <a16:creationId xmlns:a16="http://schemas.microsoft.com/office/drawing/2014/main" id="{0CEFDD53-0BCA-4E32-A441-1A035DDD1DCC}"/>
+              </a:ext>
+            </a:extLst>
+          </p:cNvPr>
+          <p:cNvPicPr>
+            <a:picLocks noChangeAspect="1"/>
+          </p:cNvPicPr>
+          <p:nvPr/>
+        </p:nvPicPr>
+        <p:blipFill>
+          <a:blip r:embed="rId3"/>
+          <a:stretch>
+            <a:fillRect/>
+          </a:stretch>
+        </p:blipFill>
+        <p:spPr>
+          <a:xfrm>
+            <a:off x="5743265" y="3257706"/>
+            <a:ext cx="2981741" cy="1667108"/>
+          </a:xfrm>
+          <a:prstGeom prst="rect">
+            <a:avLst/>
+          </a:prstGeom>
+        </p:spPr>
+      </p:pic>
+    </p:spTree>
+    <p:extLst>
+      <p:ext uri="{BB962C8B-B14F-4D97-AF65-F5344CB8AC3E}">
+        <p14:creationId xmlns:p14="http://schemas.microsoft.com/office/powerpoint/2010/main" val="963512938"/>
+      </p:ext>
+    </p:extLst>
+  </p:cSld>
+  <p:clrMapOvr>
+    <a:masterClrMapping/>
+  </p:clrMapOvr>
+</p:sld>
+</file>
+
+<file path=ppt/slides/slide15.xml><?xml version="1.0" encoding="utf-8"?>
+<p:sld xmlns:a="http://schemas.openxmlformats.org/drawingml/2006/main" xmlns:r="http://schemas.openxmlformats.org/officeDocument/2006/relationships" xmlns:p="http://schemas.openxmlformats.org/presentationml/2006/main">
+  <p:cSld>
+    <p:spTree>
+      <p:nvGrpSpPr>
+        <p:cNvPr id="1" name=""/>
+        <p:cNvGrpSpPr/>
+        <p:nvPr/>
+      </p:nvGrpSpPr>
+      <p:grpSpPr>
+        <a:xfrm>
+          <a:off x="0" y="0"/>
+          <a:ext cx="0" cy="0"/>
+          <a:chOff x="0" y="0"/>
+          <a:chExt cx="0" cy="0"/>
+        </a:xfrm>
+      </p:grpSpPr>
+      <p:sp>
+        <p:nvSpPr>
+          <p:cNvPr id="2" name="Title 1">
+            <a:extLst>
+              <a:ext uri="{FF2B5EF4-FFF2-40B4-BE49-F238E27FC236}">
+                <a16:creationId xmlns:a16="http://schemas.microsoft.com/office/drawing/2014/main" id="{C4BF5B44-2DF6-47AD-B377-7344365FEE61}"/>
+              </a:ext>
+            </a:extLst>
+          </p:cNvPr>
+          <p:cNvSpPr>
+            <a:spLocks noGrp="1"/>
+          </p:cNvSpPr>
+          <p:nvPr>
+            <p:ph type="title"/>
+          </p:nvPr>
+        </p:nvSpPr>
+        <p:spPr/>
+        <p:txBody>
+          <a:bodyPr/>
+          <a:lstStyle/>
+          <a:p>
+            <a:r>
+              <a:rPr lang="it-IT" dirty="0"/>
+              <a:t>TOOLS – benchmarkdotnet</a:t>
+            </a:r>
+          </a:p>
+        </p:txBody>
+      </p:sp>
+      <p:pic>
+        <p:nvPicPr>
+          <p:cNvPr id="4" name="Content Placeholder 3">
+            <a:extLst>
+              <a:ext uri="{FF2B5EF4-FFF2-40B4-BE49-F238E27FC236}">
+                <a16:creationId xmlns:a16="http://schemas.microsoft.com/office/drawing/2014/main" id="{F4E37F6A-E104-4D10-B584-42C7143DC585}"/>
+              </a:ext>
+            </a:extLst>
+          </p:cNvPr>
+          <p:cNvPicPr>
+            <a:picLocks noGrp="1" noChangeAspect="1"/>
+          </p:cNvPicPr>
+          <p:nvPr>
+            <p:ph idx="1"/>
+          </p:nvPr>
+        </p:nvPicPr>
+        <p:blipFill>
+          <a:blip r:embed="rId2"/>
+          <a:stretch>
+            <a:fillRect/>
+          </a:stretch>
+        </p:blipFill>
+        <p:spPr>
+          <a:xfrm>
+            <a:off x="7247914" y="170980"/>
+            <a:ext cx="4880723" cy="743118"/>
+          </a:xfrm>
+          <a:prstGeom prst="rect">
+            <a:avLst/>
+          </a:prstGeom>
+        </p:spPr>
+      </p:pic>
+      <p:pic>
+        <p:nvPicPr>
+          <p:cNvPr id="5" name="Picture 4">
+            <a:extLst>
+              <a:ext uri="{FF2B5EF4-FFF2-40B4-BE49-F238E27FC236}">
+                <a16:creationId xmlns:a16="http://schemas.microsoft.com/office/drawing/2014/main" id="{7970CA6F-5F39-47B0-BFF7-329CE174032C}"/>
+              </a:ext>
+            </a:extLst>
+          </p:cNvPr>
+          <p:cNvPicPr>
+            <a:picLocks noChangeAspect="1"/>
+          </p:cNvPicPr>
+          <p:nvPr/>
+        </p:nvPicPr>
+        <p:blipFill>
+          <a:blip r:embed="rId3"/>
+          <a:stretch>
+            <a:fillRect/>
+          </a:stretch>
+        </p:blipFill>
+        <p:spPr>
+          <a:xfrm>
+            <a:off x="7170090" y="914098"/>
+            <a:ext cx="4880723" cy="5982527"/>
+          </a:xfrm>
+          <a:prstGeom prst="rect">
+            <a:avLst/>
+          </a:prstGeom>
+        </p:spPr>
+      </p:pic>
+      <p:sp>
+        <p:nvSpPr>
+          <p:cNvPr id="6" name="TextBox 5">
+            <a:extLst>
+              <a:ext uri="{FF2B5EF4-FFF2-40B4-BE49-F238E27FC236}">
+                <a16:creationId xmlns:a16="http://schemas.microsoft.com/office/drawing/2014/main" id="{A2D97884-5491-4970-B254-2447EDCC4A25}"/>
+              </a:ext>
+            </a:extLst>
+          </p:cNvPr>
+          <p:cNvSpPr txBox="1"/>
+          <p:nvPr/>
+        </p:nvSpPr>
+        <p:spPr>
+          <a:xfrm>
+            <a:off x="758757" y="2393004"/>
+            <a:ext cx="5914417" cy="646331"/>
+          </a:xfrm>
+          <a:prstGeom prst="rect">
+            <a:avLst/>
+          </a:prstGeom>
+          <a:noFill/>
+        </p:spPr>
+        <p:txBody>
+          <a:bodyPr wrap="square" rtlCol="0">
+            <a:spAutoFit/>
+          </a:bodyPr>
+          <a:lstStyle/>
+          <a:p>
+            <a:r>
+              <a:rPr lang="it-IT" dirty="0">
+                <a:hlinkClick r:id="rId4"/>
+              </a:rPr>
+              <a:t>https://github.com/dotnet/benchmarkdotnet</a:t>
+            </a:r>
+            <a:endParaRPr lang="it-IT" dirty="0"/>
+          </a:p>
+          <a:p>
+            <a:r>
+              <a:rPr lang="it-IT" dirty="0">
+                <a:hlinkClick r:id="rId5"/>
+              </a:rPr>
+              <a:t>https://benchmarkdotnet.org/</a:t>
+            </a:r>
+            <a:endParaRPr lang="it-IT" dirty="0"/>
+          </a:p>
+        </p:txBody>
+      </p:sp>
+      <p:pic>
+        <p:nvPicPr>
+          <p:cNvPr id="7" name="Picture 6">
+            <a:extLst>
+              <a:ext uri="{FF2B5EF4-FFF2-40B4-BE49-F238E27FC236}">
+                <a16:creationId xmlns:a16="http://schemas.microsoft.com/office/drawing/2014/main" id="{6A859FA0-DF0C-440C-A02D-7636EDC8DF40}"/>
+              </a:ext>
+            </a:extLst>
+          </p:cNvPr>
+          <p:cNvPicPr>
+            <a:picLocks noChangeAspect="1"/>
+          </p:cNvPicPr>
+          <p:nvPr/>
+        </p:nvPicPr>
+        <p:blipFill>
+          <a:blip r:embed="rId6"/>
+          <a:stretch>
+            <a:fillRect/>
+          </a:stretch>
+        </p:blipFill>
+        <p:spPr>
+          <a:xfrm>
+            <a:off x="675955" y="3151762"/>
+            <a:ext cx="4850799" cy="3456891"/>
+          </a:xfrm>
+          <a:prstGeom prst="rect">
+            <a:avLst/>
+          </a:prstGeom>
+        </p:spPr>
+      </p:pic>
+    </p:spTree>
+    <p:extLst>
+      <p:ext uri="{BB962C8B-B14F-4D97-AF65-F5344CB8AC3E}">
+        <p14:creationId xmlns:p14="http://schemas.microsoft.com/office/powerpoint/2010/main" val="1845324349"/>
+      </p:ext>
+    </p:extLst>
+  </p:cSld>
+  <p:clrMapOvr>
+    <a:masterClrMapping/>
   </p:clrMapOvr>
 </p:sld>
 </file>
@@ -21379,8 +22272,68 @@
         </p:blipFill>
         <p:spPr>
           <a:xfrm>
-            <a:off x="6253316" y="2855837"/>
+            <a:off x="455631" y="2787743"/>
             <a:ext cx="5747707" cy="3834664"/>
+          </a:xfrm>
+          <a:prstGeom prst="rect">
+            <a:avLst/>
+          </a:prstGeom>
+        </p:spPr>
+      </p:pic>
+      <p:pic>
+        <p:nvPicPr>
+          <p:cNvPr id="3" name="Picture 2">
+            <a:extLst>
+              <a:ext uri="{FF2B5EF4-FFF2-40B4-BE49-F238E27FC236}">
+                <a16:creationId xmlns:a16="http://schemas.microsoft.com/office/drawing/2014/main" id="{8B659BDB-ABEF-4838-80F1-15385646330E}"/>
+              </a:ext>
+            </a:extLst>
+          </p:cNvPr>
+          <p:cNvPicPr>
+            <a:picLocks noChangeAspect="1"/>
+          </p:cNvPicPr>
+          <p:nvPr/>
+        </p:nvPicPr>
+        <p:blipFill>
+          <a:blip r:embed="rId4"/>
+          <a:stretch>
+            <a:fillRect/>
+          </a:stretch>
+        </p:blipFill>
+        <p:spPr>
+          <a:xfrm>
+            <a:off x="6628329" y="110164"/>
+            <a:ext cx="5477639" cy="1867161"/>
+          </a:xfrm>
+          <a:prstGeom prst="rect">
+            <a:avLst/>
+          </a:prstGeom>
+        </p:spPr>
+      </p:pic>
+      <p:pic>
+        <p:nvPicPr>
+          <p:cNvPr id="6" name="Picture 5">
+            <a:extLst>
+              <a:ext uri="{FF2B5EF4-FFF2-40B4-BE49-F238E27FC236}">
+                <a16:creationId xmlns:a16="http://schemas.microsoft.com/office/drawing/2014/main" id="{CEA9D2B4-6DC5-4734-B2DB-98D725955DC9}"/>
+              </a:ext>
+            </a:extLst>
+          </p:cNvPr>
+          <p:cNvPicPr>
+            <a:picLocks noChangeAspect="1"/>
+          </p:cNvPicPr>
+          <p:nvPr/>
+        </p:nvPicPr>
+        <p:blipFill>
+          <a:blip r:embed="rId5"/>
+          <a:stretch>
+            <a:fillRect/>
+          </a:stretch>
+        </p:blipFill>
+        <p:spPr>
+          <a:xfrm>
+            <a:off x="6816535" y="2725008"/>
+            <a:ext cx="4667901" cy="4096322"/>
           </a:xfrm>
           <a:prstGeom prst="rect">
             <a:avLst/>
@@ -21419,10 +22372,10 @@
       </p:grpSpPr>
       <p:sp>
         <p:nvSpPr>
-          <p:cNvPr id="2" name="Titolo 1">
+          <p:cNvPr id="2" name="Title 1">
             <a:extLst>
               <a:ext uri="{FF2B5EF4-FFF2-40B4-BE49-F238E27FC236}">
-                <a16:creationId xmlns:a16="http://schemas.microsoft.com/office/drawing/2014/main" id="{A686ECF7-1BB7-4CF7-BC4C-7C776C402A26}"/>
+                <a16:creationId xmlns:a16="http://schemas.microsoft.com/office/drawing/2014/main" id="{72C67822-8F25-4970-B450-5B40BBFEE85F}"/>
               </a:ext>
             </a:extLst>
           </p:cNvPr>
@@ -21440,13 +22393,253 @@
           <a:p>
             <a:r>
               <a:rPr lang="it-IT" dirty="0"/>
-              <a:t>Source code </a:t>
+              <a:t>Benchmark requirements</a:t>
             </a:r>
+          </a:p>
+        </p:txBody>
+      </p:sp>
+      <p:pic>
+        <p:nvPicPr>
+          <p:cNvPr id="4" name="Picture 3">
+            <a:extLst>
+              <a:ext uri="{FF2B5EF4-FFF2-40B4-BE49-F238E27FC236}">
+                <a16:creationId xmlns:a16="http://schemas.microsoft.com/office/drawing/2014/main" id="{73A048EF-803A-4217-A7CE-F61DDA1E5E32}"/>
+              </a:ext>
+            </a:extLst>
+          </p:cNvPr>
+          <p:cNvPicPr>
+            <a:picLocks noChangeAspect="1"/>
+          </p:cNvPicPr>
+          <p:nvPr/>
+        </p:nvPicPr>
+        <p:blipFill>
+          <a:blip r:embed="rId2"/>
+          <a:stretch>
+            <a:fillRect/>
+          </a:stretch>
+        </p:blipFill>
+        <p:spPr>
+          <a:xfrm>
+            <a:off x="906728" y="2286000"/>
+            <a:ext cx="2495898" cy="2029108"/>
+          </a:xfrm>
+          <a:prstGeom prst="rect">
+            <a:avLst/>
+          </a:prstGeom>
+        </p:spPr>
+      </p:pic>
+    </p:spTree>
+    <p:extLst>
+      <p:ext uri="{BB962C8B-B14F-4D97-AF65-F5344CB8AC3E}">
+        <p14:creationId xmlns:p14="http://schemas.microsoft.com/office/powerpoint/2010/main" val="3225046754"/>
+      </p:ext>
+    </p:extLst>
+  </p:cSld>
+  <p:clrMapOvr>
+    <a:masterClrMapping/>
+  </p:clrMapOvr>
+</p:sld>
+</file>
+
+<file path=ppt/slides/slide8.xml><?xml version="1.0" encoding="utf-8"?>
+<p:sld xmlns:a="http://schemas.openxmlformats.org/drawingml/2006/main" xmlns:r="http://schemas.openxmlformats.org/officeDocument/2006/relationships" xmlns:p="http://schemas.openxmlformats.org/presentationml/2006/main">
+  <p:cSld>
+    <p:spTree>
+      <p:nvGrpSpPr>
+        <p:cNvPr id="1" name=""/>
+        <p:cNvGrpSpPr/>
+        <p:nvPr/>
+      </p:nvGrpSpPr>
+      <p:grpSpPr>
+        <a:xfrm>
+          <a:off x="0" y="0"/>
+          <a:ext cx="0" cy="0"/>
+          <a:chOff x="0" y="0"/>
+          <a:chExt cx="0" cy="0"/>
+        </a:xfrm>
+      </p:grpSpPr>
+      <p:sp>
+        <p:nvSpPr>
+          <p:cNvPr id="2" name="Title 1">
+            <a:extLst>
+              <a:ext uri="{FF2B5EF4-FFF2-40B4-BE49-F238E27FC236}">
+                <a16:creationId xmlns:a16="http://schemas.microsoft.com/office/drawing/2014/main" id="{72C67822-8F25-4970-B450-5B40BBFEE85F}"/>
+              </a:ext>
+            </a:extLst>
+          </p:cNvPr>
+          <p:cNvSpPr>
+            <a:spLocks noGrp="1"/>
+          </p:cNvSpPr>
+          <p:nvPr>
+            <p:ph type="title"/>
+          </p:nvPr>
+        </p:nvSpPr>
+        <p:spPr/>
+        <p:txBody>
+          <a:bodyPr/>
+          <a:lstStyle/>
+          <a:p>
             <a:r>
-              <a:rPr lang="it-IT" dirty="0" err="1"/>
-              <a:t>journey</a:t>
+              <a:rPr lang="it-IT" dirty="0"/>
+              <a:t>Find Your Bottleneck</a:t>
+            </a:r>
+          </a:p>
+        </p:txBody>
+      </p:sp>
+      <p:pic>
+        <p:nvPicPr>
+          <p:cNvPr id="3" name="Picture 2">
+            <a:extLst>
+              <a:ext uri="{FF2B5EF4-FFF2-40B4-BE49-F238E27FC236}">
+                <a16:creationId xmlns:a16="http://schemas.microsoft.com/office/drawing/2014/main" id="{BA8A98BE-4B83-495A-86C0-FAB1F0773EFC}"/>
+              </a:ext>
+            </a:extLst>
+          </p:cNvPr>
+          <p:cNvPicPr>
+            <a:picLocks noChangeAspect="1"/>
+          </p:cNvPicPr>
+          <p:nvPr/>
+        </p:nvPicPr>
+        <p:blipFill>
+          <a:blip r:embed="rId2"/>
+          <a:stretch>
+            <a:fillRect/>
+          </a:stretch>
+        </p:blipFill>
+        <p:spPr>
+          <a:xfrm>
+            <a:off x="6408459" y="91531"/>
+            <a:ext cx="5783541" cy="1552293"/>
+          </a:xfrm>
+          <a:prstGeom prst="rect">
+            <a:avLst/>
+          </a:prstGeom>
+        </p:spPr>
+      </p:pic>
+      <p:pic>
+        <p:nvPicPr>
+          <p:cNvPr id="6" name="Picture 5">
+            <a:extLst>
+              <a:ext uri="{FF2B5EF4-FFF2-40B4-BE49-F238E27FC236}">
+                <a16:creationId xmlns:a16="http://schemas.microsoft.com/office/drawing/2014/main" id="{985A8C8A-CF46-405F-8217-C19237C1DFE3}"/>
+              </a:ext>
+            </a:extLst>
+          </p:cNvPr>
+          <p:cNvPicPr>
+            <a:picLocks noChangeAspect="1"/>
+          </p:cNvPicPr>
+          <p:nvPr/>
+        </p:nvPicPr>
+        <p:blipFill>
+          <a:blip r:embed="rId3"/>
+          <a:stretch>
+            <a:fillRect/>
+          </a:stretch>
+        </p:blipFill>
+        <p:spPr>
+          <a:xfrm>
+            <a:off x="4575225" y="1643824"/>
+            <a:ext cx="7516274" cy="5048955"/>
+          </a:xfrm>
+          <a:prstGeom prst="rect">
+            <a:avLst/>
+          </a:prstGeom>
+        </p:spPr>
+      </p:pic>
+      <p:sp>
+        <p:nvSpPr>
+          <p:cNvPr id="7" name="Rectangle 6">
+            <a:extLst>
+              <a:ext uri="{FF2B5EF4-FFF2-40B4-BE49-F238E27FC236}">
+                <a16:creationId xmlns:a16="http://schemas.microsoft.com/office/drawing/2014/main" id="{4C78C624-B6CA-4643-BEFC-CAEC70178AB5}"/>
+              </a:ext>
+            </a:extLst>
+          </p:cNvPr>
+          <p:cNvSpPr/>
+          <p:nvPr/>
+        </p:nvSpPr>
+        <p:spPr>
+          <a:xfrm>
+            <a:off x="489069" y="2209185"/>
+            <a:ext cx="3574931" cy="646331"/>
+          </a:xfrm>
+          <a:prstGeom prst="rect">
+            <a:avLst/>
+          </a:prstGeom>
+        </p:spPr>
+        <p:txBody>
+          <a:bodyPr wrap="square">
+            <a:spAutoFit/>
+          </a:bodyPr>
+          <a:lstStyle/>
+          <a:p>
+            <a:r>
+              <a:rPr lang="it-IT" dirty="0">
+                <a:hlinkClick r:id="rId4"/>
+              </a:rPr>
+              <a:t>https://www.youtube.com/watch?v=7GTpwgsmHgU</a:t>
             </a:r>
             <a:endParaRPr lang="it-IT" dirty="0"/>
+          </a:p>
+        </p:txBody>
+      </p:sp>
+    </p:spTree>
+    <p:extLst>
+      <p:ext uri="{BB962C8B-B14F-4D97-AF65-F5344CB8AC3E}">
+        <p14:creationId xmlns:p14="http://schemas.microsoft.com/office/powerpoint/2010/main" val="232777934"/>
+      </p:ext>
+    </p:extLst>
+  </p:cSld>
+  <p:clrMapOvr>
+    <a:masterClrMapping/>
+  </p:clrMapOvr>
+</p:sld>
+</file>
+
+<file path=ppt/slides/slide9.xml><?xml version="1.0" encoding="utf-8"?>
+<p:sld xmlns:a="http://schemas.openxmlformats.org/drawingml/2006/main" xmlns:r="http://schemas.openxmlformats.org/officeDocument/2006/relationships" xmlns:p="http://schemas.openxmlformats.org/presentationml/2006/main">
+  <p:cSld>
+    <p:spTree>
+      <p:nvGrpSpPr>
+        <p:cNvPr id="1" name=""/>
+        <p:cNvGrpSpPr/>
+        <p:nvPr/>
+      </p:nvGrpSpPr>
+      <p:grpSpPr>
+        <a:xfrm>
+          <a:off x="0" y="0"/>
+          <a:ext cx="0" cy="0"/>
+          <a:chOff x="0" y="0"/>
+          <a:chExt cx="0" cy="0"/>
+        </a:xfrm>
+      </p:grpSpPr>
+      <p:sp>
+        <p:nvSpPr>
+          <p:cNvPr id="2" name="Titolo 1">
+            <a:extLst>
+              <a:ext uri="{FF2B5EF4-FFF2-40B4-BE49-F238E27FC236}">
+                <a16:creationId xmlns:a16="http://schemas.microsoft.com/office/drawing/2014/main" id="{A686ECF7-1BB7-4CF7-BC4C-7C776C402A26}"/>
+              </a:ext>
+            </a:extLst>
+          </p:cNvPr>
+          <p:cNvSpPr>
+            <a:spLocks noGrp="1"/>
+          </p:cNvSpPr>
+          <p:nvPr>
+            <p:ph type="title"/>
+          </p:nvPr>
+        </p:nvSpPr>
+        <p:spPr/>
+        <p:txBody>
+          <a:bodyPr>
+            <a:normAutofit/>
+          </a:bodyPr>
+          <a:lstStyle/>
+          <a:p>
+            <a:r>
+              <a:rPr lang="it-IT" sz="3200" dirty="0"/>
+              <a:t>How Environment Affects Performance - Source code journey</a:t>
+            </a:r>
           </a:p>
         </p:txBody>
       </p:sp>
@@ -21486,216 +22679,6 @@
     <p:extLst>
       <p:ext uri="{BB962C8B-B14F-4D97-AF65-F5344CB8AC3E}">
         <p14:creationId xmlns:p14="http://schemas.microsoft.com/office/powerpoint/2010/main" val="2414019194"/>
-      </p:ext>
-    </p:extLst>
-  </p:cSld>
-  <p:clrMapOvr>
-    <a:masterClrMapping/>
-  </p:clrMapOvr>
-</p:sld>
-</file>
-
-<file path=ppt/slides/slide8.xml><?xml version="1.0" encoding="utf-8"?>
-<p:sld xmlns:a="http://schemas.openxmlformats.org/drawingml/2006/main" xmlns:r="http://schemas.openxmlformats.org/officeDocument/2006/relationships" xmlns:p="http://schemas.openxmlformats.org/presentationml/2006/main">
-  <p:cSld>
-    <p:spTree>
-      <p:nvGrpSpPr>
-        <p:cNvPr id="1" name=""/>
-        <p:cNvGrpSpPr/>
-        <p:nvPr/>
-      </p:nvGrpSpPr>
-      <p:grpSpPr>
-        <a:xfrm>
-          <a:off x="0" y="0"/>
-          <a:ext cx="0" cy="0"/>
-          <a:chOff x="0" y="0"/>
-          <a:chExt cx="0" cy="0"/>
-        </a:xfrm>
-      </p:grpSpPr>
-      <p:sp>
-        <p:nvSpPr>
-          <p:cNvPr id="2" name="Titolo 1">
-            <a:extLst>
-              <a:ext uri="{FF2B5EF4-FFF2-40B4-BE49-F238E27FC236}">
-                <a16:creationId xmlns:a16="http://schemas.microsoft.com/office/drawing/2014/main" id="{6C75215C-C00F-4683-BEFB-E3B87424FA6E}"/>
-              </a:ext>
-            </a:extLst>
-          </p:cNvPr>
-          <p:cNvSpPr>
-            <a:spLocks noGrp="1"/>
-          </p:cNvSpPr>
-          <p:nvPr>
-            <p:ph type="title"/>
-          </p:nvPr>
-        </p:nvSpPr>
-        <p:spPr/>
-        <p:txBody>
-          <a:bodyPr/>
-          <a:lstStyle/>
-          <a:p>
-            <a:r>
-              <a:rPr lang="it-IT" dirty="0"/>
-              <a:t>Runtime</a:t>
-            </a:r>
-          </a:p>
-        </p:txBody>
-      </p:sp>
-      <p:pic>
-        <p:nvPicPr>
-          <p:cNvPr id="4" name="Segnaposto contenuto 3">
-            <a:extLst>
-              <a:ext uri="{FF2B5EF4-FFF2-40B4-BE49-F238E27FC236}">
-                <a16:creationId xmlns:a16="http://schemas.microsoft.com/office/drawing/2014/main" id="{E8739821-66CF-426E-AA74-A7DD9BD80912}"/>
-              </a:ext>
-            </a:extLst>
-          </p:cNvPr>
-          <p:cNvPicPr>
-            <a:picLocks noGrp="1" noChangeAspect="1"/>
-          </p:cNvPicPr>
-          <p:nvPr>
-            <p:ph idx="1"/>
-          </p:nvPr>
-        </p:nvPicPr>
-        <p:blipFill>
-          <a:blip r:embed="rId2"/>
-          <a:stretch>
-            <a:fillRect/>
-          </a:stretch>
-        </p:blipFill>
-        <p:spPr>
-          <a:xfrm>
-            <a:off x="4109720" y="2084832"/>
-            <a:ext cx="7524261" cy="4441011"/>
-          </a:xfrm>
-          <a:prstGeom prst="rect">
-            <a:avLst/>
-          </a:prstGeom>
-        </p:spPr>
-      </p:pic>
-    </p:spTree>
-    <p:extLst>
-      <p:ext uri="{BB962C8B-B14F-4D97-AF65-F5344CB8AC3E}">
-        <p14:creationId xmlns:p14="http://schemas.microsoft.com/office/powerpoint/2010/main" val="359523339"/>
-      </p:ext>
-    </p:extLst>
-  </p:cSld>
-  <p:clrMapOvr>
-    <a:masterClrMapping/>
-  </p:clrMapOvr>
-</p:sld>
-</file>
-
-<file path=ppt/slides/slide9.xml><?xml version="1.0" encoding="utf-8"?>
-<p:sld xmlns:a="http://schemas.openxmlformats.org/drawingml/2006/main" xmlns:r="http://schemas.openxmlformats.org/officeDocument/2006/relationships" xmlns:p="http://schemas.openxmlformats.org/presentationml/2006/main">
-  <p:cSld>
-    <p:spTree>
-      <p:nvGrpSpPr>
-        <p:cNvPr id="1" name=""/>
-        <p:cNvGrpSpPr/>
-        <p:nvPr/>
-      </p:nvGrpSpPr>
-      <p:grpSpPr>
-        <a:xfrm>
-          <a:off x="0" y="0"/>
-          <a:ext cx="0" cy="0"/>
-          <a:chOff x="0" y="0"/>
-          <a:chExt cx="0" cy="0"/>
-        </a:xfrm>
-      </p:grpSpPr>
-      <p:sp>
-        <p:nvSpPr>
-          <p:cNvPr id="2" name="Titolo 1">
-            <a:extLst>
-              <a:ext uri="{FF2B5EF4-FFF2-40B4-BE49-F238E27FC236}">
-                <a16:creationId xmlns:a16="http://schemas.microsoft.com/office/drawing/2014/main" id="{DDAF4B40-DEED-4EEA-A84C-2B32AC9E954B}"/>
-              </a:ext>
-            </a:extLst>
-          </p:cNvPr>
-          <p:cNvSpPr>
-            <a:spLocks noGrp="1"/>
-          </p:cNvSpPr>
-          <p:nvPr>
-            <p:ph type="title"/>
-          </p:nvPr>
-        </p:nvSpPr>
-        <p:spPr/>
-        <p:txBody>
-          <a:bodyPr/>
-          <a:lstStyle/>
-          <a:p>
-            <a:r>
-              <a:rPr lang="it-IT" dirty="0"/>
-              <a:t>Compilation</a:t>
-            </a:r>
-          </a:p>
-        </p:txBody>
-      </p:sp>
-      <p:pic>
-        <p:nvPicPr>
-          <p:cNvPr id="4" name="Segnaposto contenuto 3">
-            <a:extLst>
-              <a:ext uri="{FF2B5EF4-FFF2-40B4-BE49-F238E27FC236}">
-                <a16:creationId xmlns:a16="http://schemas.microsoft.com/office/drawing/2014/main" id="{19074DEB-FF61-40CF-B9BC-0FEE82A053E2}"/>
-              </a:ext>
-            </a:extLst>
-          </p:cNvPr>
-          <p:cNvPicPr>
-            <a:picLocks noGrp="1" noChangeAspect="1"/>
-          </p:cNvPicPr>
-          <p:nvPr>
-            <p:ph idx="1"/>
-          </p:nvPr>
-        </p:nvPicPr>
-        <p:blipFill>
-          <a:blip r:embed="rId2"/>
-          <a:stretch>
-            <a:fillRect/>
-          </a:stretch>
-        </p:blipFill>
-        <p:spPr>
-          <a:xfrm>
-            <a:off x="5637670" y="585216"/>
-            <a:ext cx="6066649" cy="5801378"/>
-          </a:xfrm>
-          <a:prstGeom prst="rect">
-            <a:avLst/>
-          </a:prstGeom>
-        </p:spPr>
-      </p:pic>
-      <p:pic>
-        <p:nvPicPr>
-          <p:cNvPr id="5" name="Immagine 4">
-            <a:extLst>
-              <a:ext uri="{FF2B5EF4-FFF2-40B4-BE49-F238E27FC236}">
-                <a16:creationId xmlns:a16="http://schemas.microsoft.com/office/drawing/2014/main" id="{B433107E-618D-4472-AB9D-44BBE35A0F83}"/>
-              </a:ext>
-            </a:extLst>
-          </p:cNvPr>
-          <p:cNvPicPr>
-            <a:picLocks noChangeAspect="1"/>
-          </p:cNvPicPr>
-          <p:nvPr/>
-        </p:nvPicPr>
-        <p:blipFill>
-          <a:blip r:embed="rId3"/>
-          <a:stretch>
-            <a:fillRect/>
-          </a:stretch>
-        </p:blipFill>
-        <p:spPr>
-          <a:xfrm>
-            <a:off x="826874" y="3939069"/>
-            <a:ext cx="4810796" cy="2553056"/>
-          </a:xfrm>
-          <a:prstGeom prst="rect">
-            <a:avLst/>
-          </a:prstGeom>
-        </p:spPr>
-      </p:pic>
-    </p:spTree>
-    <p:extLst>
-      <p:ext uri="{BB962C8B-B14F-4D97-AF65-F5344CB8AC3E}">
-        <p14:creationId xmlns:p14="http://schemas.microsoft.com/office/powerpoint/2010/main" val="3541036980"/>
       </p:ext>
     </p:extLst>
   </p:cSld>

--- a/intro.pptx
+++ b/intro.pptx
@@ -20,6 +20,8 @@
     <p:sldId id="268" r:id="rId14"/>
     <p:sldId id="269" r:id="rId15"/>
     <p:sldId id="270" r:id="rId16"/>
+    <p:sldId id="271" r:id="rId17"/>
+    <p:sldId id="272" r:id="rId18"/>
   </p:sldIdLst>
   <p:sldSz cx="12192000" cy="6858000"/>
   <p:notesSz cx="6858000" cy="9144000"/>
@@ -21658,6 +21660,239 @@
 </p:sld>
 </file>
 
+<file path=ppt/slides/slide16.xml><?xml version="1.0" encoding="utf-8"?>
+<p:sld xmlns:a="http://schemas.openxmlformats.org/drawingml/2006/main" xmlns:r="http://schemas.openxmlformats.org/officeDocument/2006/relationships" xmlns:p="http://schemas.openxmlformats.org/presentationml/2006/main">
+  <p:cSld>
+    <p:spTree>
+      <p:nvGrpSpPr>
+        <p:cNvPr id="1" name=""/>
+        <p:cNvGrpSpPr/>
+        <p:nvPr/>
+      </p:nvGrpSpPr>
+      <p:grpSpPr>
+        <a:xfrm>
+          <a:off x="0" y="0"/>
+          <a:ext cx="0" cy="0"/>
+          <a:chOff x="0" y="0"/>
+          <a:chExt cx="0" cy="0"/>
+        </a:xfrm>
+      </p:grpSpPr>
+      <p:sp>
+        <p:nvSpPr>
+          <p:cNvPr id="2" name="Title 1">
+            <a:extLst>
+              <a:ext uri="{FF2B5EF4-FFF2-40B4-BE49-F238E27FC236}">
+                <a16:creationId xmlns:a16="http://schemas.microsoft.com/office/drawing/2014/main" id="{80300F45-99B7-4E0F-B1B9-6D03A56FC68B}"/>
+              </a:ext>
+            </a:extLst>
+          </p:cNvPr>
+          <p:cNvSpPr>
+            <a:spLocks noGrp="1"/>
+          </p:cNvSpPr>
+          <p:nvPr>
+            <p:ph type="title"/>
+          </p:nvPr>
+        </p:nvSpPr>
+        <p:spPr>
+          <a:xfrm>
+            <a:off x="1024128" y="585216"/>
+            <a:ext cx="7935046" cy="377822"/>
+          </a:xfrm>
+        </p:spPr>
+        <p:txBody>
+          <a:bodyPr>
+            <a:normAutofit fontScale="90000"/>
+          </a:bodyPr>
+          <a:lstStyle/>
+          <a:p>
+            <a:r>
+              <a:rPr lang="it-IT" sz="2800" dirty="0"/>
+              <a:t>Tools - </a:t>
+            </a:r>
+            <a:r>
+              <a:rPr lang="en-US" sz="2800" dirty="0"/>
+              <a:t>Performance and memory profilers in Visual Studio</a:t>
+            </a:r>
+            <a:r>
+              <a:rPr lang="it-IT" sz="2800" dirty="0"/>
+              <a:t> </a:t>
+            </a:r>
+          </a:p>
+        </p:txBody>
+      </p:sp>
+      <p:pic>
+        <p:nvPicPr>
+          <p:cNvPr id="4" name="Content Placeholder 3">
+            <a:extLst>
+              <a:ext uri="{FF2B5EF4-FFF2-40B4-BE49-F238E27FC236}">
+                <a16:creationId xmlns:a16="http://schemas.microsoft.com/office/drawing/2014/main" id="{C96C48FF-FDEC-4C32-8576-470D241EB20D}"/>
+              </a:ext>
+            </a:extLst>
+          </p:cNvPr>
+          <p:cNvPicPr>
+            <a:picLocks noGrp="1" noChangeAspect="1"/>
+          </p:cNvPicPr>
+          <p:nvPr>
+            <p:ph idx="1"/>
+          </p:nvPr>
+        </p:nvPicPr>
+        <p:blipFill>
+          <a:blip r:embed="rId2"/>
+          <a:stretch>
+            <a:fillRect/>
+          </a:stretch>
+        </p:blipFill>
+        <p:spPr>
+          <a:xfrm>
+            <a:off x="1024128" y="1031132"/>
+            <a:ext cx="10201591" cy="5738395"/>
+          </a:xfrm>
+          <a:prstGeom prst="rect">
+            <a:avLst/>
+          </a:prstGeom>
+        </p:spPr>
+      </p:pic>
+    </p:spTree>
+    <p:extLst>
+      <p:ext uri="{BB962C8B-B14F-4D97-AF65-F5344CB8AC3E}">
+        <p14:creationId xmlns:p14="http://schemas.microsoft.com/office/powerpoint/2010/main" val="3544157376"/>
+      </p:ext>
+    </p:extLst>
+  </p:cSld>
+  <p:clrMapOvr>
+    <a:masterClrMapping/>
+  </p:clrMapOvr>
+</p:sld>
+</file>
+
+<file path=ppt/slides/slide17.xml><?xml version="1.0" encoding="utf-8"?>
+<p:sld xmlns:a="http://schemas.openxmlformats.org/drawingml/2006/main" xmlns:r="http://schemas.openxmlformats.org/officeDocument/2006/relationships" xmlns:p="http://schemas.openxmlformats.org/presentationml/2006/main">
+  <p:cSld>
+    <p:spTree>
+      <p:nvGrpSpPr>
+        <p:cNvPr id="1" name=""/>
+        <p:cNvGrpSpPr/>
+        <p:nvPr/>
+      </p:nvGrpSpPr>
+      <p:grpSpPr>
+        <a:xfrm>
+          <a:off x="0" y="0"/>
+          <a:ext cx="0" cy="0"/>
+          <a:chOff x="0" y="0"/>
+          <a:chExt cx="0" cy="0"/>
+        </a:xfrm>
+      </p:grpSpPr>
+      <p:sp>
+        <p:nvSpPr>
+          <p:cNvPr id="2" name="Title 1">
+            <a:extLst>
+              <a:ext uri="{FF2B5EF4-FFF2-40B4-BE49-F238E27FC236}">
+                <a16:creationId xmlns:a16="http://schemas.microsoft.com/office/drawing/2014/main" id="{80300F45-99B7-4E0F-B1B9-6D03A56FC68B}"/>
+              </a:ext>
+            </a:extLst>
+          </p:cNvPr>
+          <p:cNvSpPr>
+            <a:spLocks noGrp="1"/>
+          </p:cNvSpPr>
+          <p:nvPr>
+            <p:ph type="title"/>
+          </p:nvPr>
+        </p:nvSpPr>
+        <p:spPr>
+          <a:xfrm>
+            <a:off x="1024128" y="585216"/>
+            <a:ext cx="7935046" cy="377822"/>
+          </a:xfrm>
+        </p:spPr>
+        <p:txBody>
+          <a:bodyPr>
+            <a:normAutofit fontScale="90000"/>
+          </a:bodyPr>
+          <a:lstStyle/>
+          <a:p>
+            <a:r>
+              <a:rPr lang="it-IT" sz="2800" dirty="0"/>
+              <a:t>Tools - </a:t>
+            </a:r>
+            <a:r>
+              <a:rPr lang="en-US" sz="2800" dirty="0"/>
+              <a:t>Performance and memory profilers in Visual Studio</a:t>
+            </a:r>
+            <a:r>
+              <a:rPr lang="it-IT" sz="2800" dirty="0"/>
+              <a:t> </a:t>
+            </a:r>
+          </a:p>
+        </p:txBody>
+      </p:sp>
+      <p:sp>
+        <p:nvSpPr>
+          <p:cNvPr id="5" name="Content Placeholder 4">
+            <a:extLst>
+              <a:ext uri="{FF2B5EF4-FFF2-40B4-BE49-F238E27FC236}">
+                <a16:creationId xmlns:a16="http://schemas.microsoft.com/office/drawing/2014/main" id="{CBD9C3CC-3497-4987-BB61-47483C914274}"/>
+              </a:ext>
+            </a:extLst>
+          </p:cNvPr>
+          <p:cNvSpPr>
+            <a:spLocks noGrp="1"/>
+          </p:cNvSpPr>
+          <p:nvPr>
+            <p:ph idx="1"/>
+          </p:nvPr>
+        </p:nvSpPr>
+        <p:spPr/>
+        <p:txBody>
+          <a:bodyPr/>
+          <a:lstStyle/>
+          <a:p>
+            <a:endParaRPr lang="it-IT"/>
+          </a:p>
+        </p:txBody>
+      </p:sp>
+      <p:pic>
+        <p:nvPicPr>
+          <p:cNvPr id="6" name="Picture 5">
+            <a:extLst>
+              <a:ext uri="{FF2B5EF4-FFF2-40B4-BE49-F238E27FC236}">
+                <a16:creationId xmlns:a16="http://schemas.microsoft.com/office/drawing/2014/main" id="{BBA7EB2D-0F4B-4D25-B79A-9D6F05CBD24E}"/>
+              </a:ext>
+            </a:extLst>
+          </p:cNvPr>
+          <p:cNvPicPr>
+            <a:picLocks noChangeAspect="1"/>
+          </p:cNvPicPr>
+          <p:nvPr/>
+        </p:nvPicPr>
+        <p:blipFill>
+          <a:blip r:embed="rId2"/>
+          <a:stretch>
+            <a:fillRect/>
+          </a:stretch>
+        </p:blipFill>
+        <p:spPr>
+          <a:xfrm>
+            <a:off x="1024128" y="963039"/>
+            <a:ext cx="10272409" cy="5778230"/>
+          </a:xfrm>
+          <a:prstGeom prst="rect">
+            <a:avLst/>
+          </a:prstGeom>
+        </p:spPr>
+      </p:pic>
+    </p:spTree>
+    <p:extLst>
+      <p:ext uri="{BB962C8B-B14F-4D97-AF65-F5344CB8AC3E}">
+        <p14:creationId xmlns:p14="http://schemas.microsoft.com/office/powerpoint/2010/main" val="4111851753"/>
+      </p:ext>
+    </p:extLst>
+  </p:cSld>
+  <p:clrMapOvr>
+    <a:masterClrMapping/>
+  </p:clrMapOvr>
+</p:sld>
+</file>
+
 <file path=ppt/slides/slide2.xml><?xml version="1.0" encoding="utf-8"?>
 <p:sld xmlns:a="http://schemas.openxmlformats.org/drawingml/2006/main" xmlns:r="http://schemas.openxmlformats.org/officeDocument/2006/relationships" xmlns:p="http://schemas.openxmlformats.org/presentationml/2006/main">
   <p:cSld>

--- a/intro.pptx
+++ b/intro.pptx
@@ -22,6 +22,8 @@
     <p:sldId id="270" r:id="rId16"/>
     <p:sldId id="271" r:id="rId17"/>
     <p:sldId id="272" r:id="rId18"/>
+    <p:sldId id="273" r:id="rId19"/>
+    <p:sldId id="274" r:id="rId20"/>
   </p:sldIdLst>
   <p:sldSz cx="12192000" cy="6858000"/>
   <p:notesSz cx="6858000" cy="9144000"/>
@@ -21893,6 +21895,216 @@
 </p:sld>
 </file>
 
+<file path=ppt/slides/slide18.xml><?xml version="1.0" encoding="utf-8"?>
+<p:sld xmlns:a="http://schemas.openxmlformats.org/drawingml/2006/main" xmlns:r="http://schemas.openxmlformats.org/officeDocument/2006/relationships" xmlns:p="http://schemas.openxmlformats.org/presentationml/2006/main">
+  <p:cSld>
+    <p:spTree>
+      <p:nvGrpSpPr>
+        <p:cNvPr id="1" name=""/>
+        <p:cNvGrpSpPr/>
+        <p:nvPr/>
+      </p:nvGrpSpPr>
+      <p:grpSpPr>
+        <a:xfrm>
+          <a:off x="0" y="0"/>
+          <a:ext cx="0" cy="0"/>
+          <a:chOff x="0" y="0"/>
+          <a:chExt cx="0" cy="0"/>
+        </a:xfrm>
+      </p:grpSpPr>
+      <p:sp>
+        <p:nvSpPr>
+          <p:cNvPr id="2" name="Title 1">
+            <a:extLst>
+              <a:ext uri="{FF2B5EF4-FFF2-40B4-BE49-F238E27FC236}">
+                <a16:creationId xmlns:a16="http://schemas.microsoft.com/office/drawing/2014/main" id="{80300F45-99B7-4E0F-B1B9-6D03A56FC68B}"/>
+              </a:ext>
+            </a:extLst>
+          </p:cNvPr>
+          <p:cNvSpPr>
+            <a:spLocks noGrp="1"/>
+          </p:cNvSpPr>
+          <p:nvPr>
+            <p:ph type="title"/>
+          </p:nvPr>
+        </p:nvSpPr>
+        <p:spPr>
+          <a:xfrm>
+            <a:off x="1024128" y="585216"/>
+            <a:ext cx="7935046" cy="377822"/>
+          </a:xfrm>
+        </p:spPr>
+        <p:txBody>
+          <a:bodyPr>
+            <a:normAutofit fontScale="90000"/>
+          </a:bodyPr>
+          <a:lstStyle/>
+          <a:p>
+            <a:r>
+              <a:rPr lang="it-IT" sz="2800" dirty="0"/>
+              <a:t>Tools - </a:t>
+            </a:r>
+            <a:r>
+              <a:rPr lang="en-US" sz="2800" dirty="0"/>
+              <a:t>Performance and memory profilers in Visual Studio</a:t>
+            </a:r>
+            <a:r>
+              <a:rPr lang="it-IT" sz="2800" dirty="0"/>
+              <a:t> </a:t>
+            </a:r>
+          </a:p>
+        </p:txBody>
+      </p:sp>
+      <p:pic>
+        <p:nvPicPr>
+          <p:cNvPr id="6" name="Content Placeholder 5">
+            <a:extLst>
+              <a:ext uri="{FF2B5EF4-FFF2-40B4-BE49-F238E27FC236}">
+                <a16:creationId xmlns:a16="http://schemas.microsoft.com/office/drawing/2014/main" id="{74553F48-B353-4F40-B4D6-D2B5E7E30BD2}"/>
+              </a:ext>
+            </a:extLst>
+          </p:cNvPr>
+          <p:cNvPicPr>
+            <a:picLocks noGrp="1" noChangeAspect="1"/>
+          </p:cNvPicPr>
+          <p:nvPr>
+            <p:ph idx="1"/>
+          </p:nvPr>
+        </p:nvPicPr>
+        <p:blipFill>
+          <a:blip r:embed="rId2"/>
+          <a:stretch>
+            <a:fillRect/>
+          </a:stretch>
+        </p:blipFill>
+        <p:spPr>
+          <a:xfrm>
+            <a:off x="1024128" y="963038"/>
+            <a:ext cx="10391434" cy="5845182"/>
+          </a:xfrm>
+          <a:prstGeom prst="rect">
+            <a:avLst/>
+          </a:prstGeom>
+        </p:spPr>
+      </p:pic>
+    </p:spTree>
+    <p:extLst>
+      <p:ext uri="{BB962C8B-B14F-4D97-AF65-F5344CB8AC3E}">
+        <p14:creationId xmlns:p14="http://schemas.microsoft.com/office/powerpoint/2010/main" val="3519879291"/>
+      </p:ext>
+    </p:extLst>
+  </p:cSld>
+  <p:clrMapOvr>
+    <a:masterClrMapping/>
+  </p:clrMapOvr>
+</p:sld>
+</file>
+
+<file path=ppt/slides/slide19.xml><?xml version="1.0" encoding="utf-8"?>
+<p:sld xmlns:a="http://schemas.openxmlformats.org/drawingml/2006/main" xmlns:r="http://schemas.openxmlformats.org/officeDocument/2006/relationships" xmlns:p="http://schemas.openxmlformats.org/presentationml/2006/main">
+  <p:cSld>
+    <p:spTree>
+      <p:nvGrpSpPr>
+        <p:cNvPr id="1" name=""/>
+        <p:cNvGrpSpPr/>
+        <p:nvPr/>
+      </p:nvGrpSpPr>
+      <p:grpSpPr>
+        <a:xfrm>
+          <a:off x="0" y="0"/>
+          <a:ext cx="0" cy="0"/>
+          <a:chOff x="0" y="0"/>
+          <a:chExt cx="0" cy="0"/>
+        </a:xfrm>
+      </p:grpSpPr>
+      <p:sp>
+        <p:nvSpPr>
+          <p:cNvPr id="2" name="Title 1">
+            <a:extLst>
+              <a:ext uri="{FF2B5EF4-FFF2-40B4-BE49-F238E27FC236}">
+                <a16:creationId xmlns:a16="http://schemas.microsoft.com/office/drawing/2014/main" id="{80300F45-99B7-4E0F-B1B9-6D03A56FC68B}"/>
+              </a:ext>
+            </a:extLst>
+          </p:cNvPr>
+          <p:cNvSpPr>
+            <a:spLocks noGrp="1"/>
+          </p:cNvSpPr>
+          <p:nvPr>
+            <p:ph type="title"/>
+          </p:nvPr>
+        </p:nvSpPr>
+        <p:spPr>
+          <a:xfrm>
+            <a:off x="1024128" y="585216"/>
+            <a:ext cx="7935046" cy="377822"/>
+          </a:xfrm>
+        </p:spPr>
+        <p:txBody>
+          <a:bodyPr>
+            <a:normAutofit fontScale="90000"/>
+          </a:bodyPr>
+          <a:lstStyle/>
+          <a:p>
+            <a:r>
+              <a:rPr lang="it-IT" sz="2800" dirty="0"/>
+              <a:t>Tools - </a:t>
+            </a:r>
+            <a:r>
+              <a:rPr lang="en-US" sz="2800" dirty="0"/>
+              <a:t>Performance and memory profilers in Visual Studio</a:t>
+            </a:r>
+            <a:r>
+              <a:rPr lang="it-IT" sz="2800" dirty="0"/>
+              <a:t> </a:t>
+            </a:r>
+          </a:p>
+        </p:txBody>
+      </p:sp>
+      <p:pic>
+        <p:nvPicPr>
+          <p:cNvPr id="3" name="Content Placeholder 2">
+            <a:extLst>
+              <a:ext uri="{FF2B5EF4-FFF2-40B4-BE49-F238E27FC236}">
+                <a16:creationId xmlns:a16="http://schemas.microsoft.com/office/drawing/2014/main" id="{51368A4D-A076-4AF5-9542-12F913B4ACC1}"/>
+              </a:ext>
+            </a:extLst>
+          </p:cNvPr>
+          <p:cNvPicPr>
+            <a:picLocks noGrp="1" noChangeAspect="1"/>
+          </p:cNvPicPr>
+          <p:nvPr>
+            <p:ph idx="1"/>
+          </p:nvPr>
+        </p:nvPicPr>
+        <p:blipFill>
+          <a:blip r:embed="rId2"/>
+          <a:stretch>
+            <a:fillRect/>
+          </a:stretch>
+        </p:blipFill>
+        <p:spPr>
+          <a:xfrm>
+            <a:off x="1024128" y="963038"/>
+            <a:ext cx="10333683" cy="5812697"/>
+          </a:xfrm>
+          <a:prstGeom prst="rect">
+            <a:avLst/>
+          </a:prstGeom>
+        </p:spPr>
+      </p:pic>
+    </p:spTree>
+    <p:extLst>
+      <p:ext uri="{BB962C8B-B14F-4D97-AF65-F5344CB8AC3E}">
+        <p14:creationId xmlns:p14="http://schemas.microsoft.com/office/powerpoint/2010/main" val="854000381"/>
+      </p:ext>
+    </p:extLst>
+  </p:cSld>
+  <p:clrMapOvr>
+    <a:masterClrMapping/>
+  </p:clrMapOvr>
+</p:sld>
+</file>
+
 <file path=ppt/slides/slide2.xml><?xml version="1.0" encoding="utf-8"?>
 <p:sld xmlns:a="http://schemas.openxmlformats.org/drawingml/2006/main" xmlns:r="http://schemas.openxmlformats.org/officeDocument/2006/relationships" xmlns:p="http://schemas.openxmlformats.org/presentationml/2006/main">
   <p:cSld>

--- a/intro.pptx
+++ b/intro.pptx
@@ -24,6 +24,12 @@
     <p:sldId id="272" r:id="rId18"/>
     <p:sldId id="273" r:id="rId19"/>
     <p:sldId id="274" r:id="rId20"/>
+    <p:sldId id="275" r:id="rId21"/>
+    <p:sldId id="276" r:id="rId22"/>
+    <p:sldId id="277" r:id="rId23"/>
+    <p:sldId id="278" r:id="rId24"/>
+    <p:sldId id="279" r:id="rId25"/>
+    <p:sldId id="280" r:id="rId26"/>
   </p:sldIdLst>
   <p:sldSz cx="12192000" cy="6858000"/>
   <p:notesSz cx="6858000" cy="9144000"/>
@@ -22229,6 +22235,576 @@
 </p:sld>
 </file>
 
+<file path=ppt/slides/slide20.xml><?xml version="1.0" encoding="utf-8"?>
+<p:sld xmlns:a="http://schemas.openxmlformats.org/drawingml/2006/main" xmlns:r="http://schemas.openxmlformats.org/officeDocument/2006/relationships" xmlns:p="http://schemas.openxmlformats.org/presentationml/2006/main">
+  <p:cSld>
+    <p:spTree>
+      <p:nvGrpSpPr>
+        <p:cNvPr id="1" name=""/>
+        <p:cNvGrpSpPr/>
+        <p:nvPr/>
+      </p:nvGrpSpPr>
+      <p:grpSpPr>
+        <a:xfrm>
+          <a:off x="0" y="0"/>
+          <a:ext cx="0" cy="0"/>
+          <a:chOff x="0" y="0"/>
+          <a:chExt cx="0" cy="0"/>
+        </a:xfrm>
+      </p:grpSpPr>
+      <p:sp>
+        <p:nvSpPr>
+          <p:cNvPr id="2" name="Title 1">
+            <a:extLst>
+              <a:ext uri="{FF2B5EF4-FFF2-40B4-BE49-F238E27FC236}">
+                <a16:creationId xmlns:a16="http://schemas.microsoft.com/office/drawing/2014/main" id="{80300F45-99B7-4E0F-B1B9-6D03A56FC68B}"/>
+              </a:ext>
+            </a:extLst>
+          </p:cNvPr>
+          <p:cNvSpPr>
+            <a:spLocks noGrp="1"/>
+          </p:cNvSpPr>
+          <p:nvPr>
+            <p:ph type="title"/>
+          </p:nvPr>
+        </p:nvSpPr>
+        <p:spPr>
+          <a:xfrm>
+            <a:off x="1024128" y="585216"/>
+            <a:ext cx="7935046" cy="377822"/>
+          </a:xfrm>
+        </p:spPr>
+        <p:txBody>
+          <a:bodyPr>
+            <a:normAutofit fontScale="90000"/>
+          </a:bodyPr>
+          <a:lstStyle/>
+          <a:p>
+            <a:r>
+              <a:rPr lang="it-IT" sz="2800" dirty="0"/>
+              <a:t>Tools - DOTMEMORY</a:t>
+            </a:r>
+          </a:p>
+        </p:txBody>
+      </p:sp>
+      <p:pic>
+        <p:nvPicPr>
+          <p:cNvPr id="6" name="Picture 5">
+            <a:extLst>
+              <a:ext uri="{FF2B5EF4-FFF2-40B4-BE49-F238E27FC236}">
+                <a16:creationId xmlns:a16="http://schemas.microsoft.com/office/drawing/2014/main" id="{281B925F-B84E-41D5-ACF9-27C6A06F45A6}"/>
+              </a:ext>
+            </a:extLst>
+          </p:cNvPr>
+          <p:cNvPicPr>
+            <a:picLocks noChangeAspect="1"/>
+          </p:cNvPicPr>
+          <p:nvPr/>
+        </p:nvPicPr>
+        <p:blipFill>
+          <a:blip r:embed="rId2"/>
+          <a:stretch>
+            <a:fillRect/>
+          </a:stretch>
+        </p:blipFill>
+        <p:spPr>
+          <a:xfrm>
+            <a:off x="1144102" y="1031132"/>
+            <a:ext cx="10266443" cy="5774875"/>
+          </a:xfrm>
+          <a:prstGeom prst="rect">
+            <a:avLst/>
+          </a:prstGeom>
+        </p:spPr>
+      </p:pic>
+    </p:spTree>
+    <p:extLst>
+      <p:ext uri="{BB962C8B-B14F-4D97-AF65-F5344CB8AC3E}">
+        <p14:creationId xmlns:p14="http://schemas.microsoft.com/office/powerpoint/2010/main" val="3242822636"/>
+      </p:ext>
+    </p:extLst>
+  </p:cSld>
+  <p:clrMapOvr>
+    <a:masterClrMapping/>
+  </p:clrMapOvr>
+</p:sld>
+</file>
+
+<file path=ppt/slides/slide21.xml><?xml version="1.0" encoding="utf-8"?>
+<p:sld xmlns:a="http://schemas.openxmlformats.org/drawingml/2006/main" xmlns:r="http://schemas.openxmlformats.org/officeDocument/2006/relationships" xmlns:p="http://schemas.openxmlformats.org/presentationml/2006/main">
+  <p:cSld>
+    <p:spTree>
+      <p:nvGrpSpPr>
+        <p:cNvPr id="1" name=""/>
+        <p:cNvGrpSpPr/>
+        <p:nvPr/>
+      </p:nvGrpSpPr>
+      <p:grpSpPr>
+        <a:xfrm>
+          <a:off x="0" y="0"/>
+          <a:ext cx="0" cy="0"/>
+          <a:chOff x="0" y="0"/>
+          <a:chExt cx="0" cy="0"/>
+        </a:xfrm>
+      </p:grpSpPr>
+      <p:sp>
+        <p:nvSpPr>
+          <p:cNvPr id="2" name="Title 1">
+            <a:extLst>
+              <a:ext uri="{FF2B5EF4-FFF2-40B4-BE49-F238E27FC236}">
+                <a16:creationId xmlns:a16="http://schemas.microsoft.com/office/drawing/2014/main" id="{80300F45-99B7-4E0F-B1B9-6D03A56FC68B}"/>
+              </a:ext>
+            </a:extLst>
+          </p:cNvPr>
+          <p:cNvSpPr>
+            <a:spLocks noGrp="1"/>
+          </p:cNvSpPr>
+          <p:nvPr>
+            <p:ph type="title"/>
+          </p:nvPr>
+        </p:nvSpPr>
+        <p:spPr>
+          <a:xfrm>
+            <a:off x="1024128" y="585216"/>
+            <a:ext cx="7935046" cy="377822"/>
+          </a:xfrm>
+        </p:spPr>
+        <p:txBody>
+          <a:bodyPr>
+            <a:normAutofit fontScale="90000"/>
+          </a:bodyPr>
+          <a:lstStyle/>
+          <a:p>
+            <a:r>
+              <a:rPr lang="it-IT" sz="2800" dirty="0"/>
+              <a:t>Tools - DOTMEMORY</a:t>
+            </a:r>
+          </a:p>
+        </p:txBody>
+      </p:sp>
+      <p:pic>
+        <p:nvPicPr>
+          <p:cNvPr id="3" name="Picture 2">
+            <a:extLst>
+              <a:ext uri="{FF2B5EF4-FFF2-40B4-BE49-F238E27FC236}">
+                <a16:creationId xmlns:a16="http://schemas.microsoft.com/office/drawing/2014/main" id="{66CC8A97-1B2F-40BC-8A13-AD4C6EA4F44D}"/>
+              </a:ext>
+            </a:extLst>
+          </p:cNvPr>
+          <p:cNvPicPr>
+            <a:picLocks noChangeAspect="1"/>
+          </p:cNvPicPr>
+          <p:nvPr/>
+        </p:nvPicPr>
+        <p:blipFill>
+          <a:blip r:embed="rId2"/>
+          <a:stretch>
+            <a:fillRect/>
+          </a:stretch>
+        </p:blipFill>
+        <p:spPr>
+          <a:xfrm>
+            <a:off x="1118680" y="963038"/>
+            <a:ext cx="10289704" cy="5787958"/>
+          </a:xfrm>
+          <a:prstGeom prst="rect">
+            <a:avLst/>
+          </a:prstGeom>
+        </p:spPr>
+      </p:pic>
+    </p:spTree>
+    <p:extLst>
+      <p:ext uri="{BB962C8B-B14F-4D97-AF65-F5344CB8AC3E}">
+        <p14:creationId xmlns:p14="http://schemas.microsoft.com/office/powerpoint/2010/main" val="1545807827"/>
+      </p:ext>
+    </p:extLst>
+  </p:cSld>
+  <p:clrMapOvr>
+    <a:masterClrMapping/>
+  </p:clrMapOvr>
+</p:sld>
+</file>
+
+<file path=ppt/slides/slide22.xml><?xml version="1.0" encoding="utf-8"?>
+<p:sld xmlns:a="http://schemas.openxmlformats.org/drawingml/2006/main" xmlns:r="http://schemas.openxmlformats.org/officeDocument/2006/relationships" xmlns:p="http://schemas.openxmlformats.org/presentationml/2006/main">
+  <p:cSld>
+    <p:spTree>
+      <p:nvGrpSpPr>
+        <p:cNvPr id="1" name=""/>
+        <p:cNvGrpSpPr/>
+        <p:nvPr/>
+      </p:nvGrpSpPr>
+      <p:grpSpPr>
+        <a:xfrm>
+          <a:off x="0" y="0"/>
+          <a:ext cx="0" cy="0"/>
+          <a:chOff x="0" y="0"/>
+          <a:chExt cx="0" cy="0"/>
+        </a:xfrm>
+      </p:grpSpPr>
+      <p:sp>
+        <p:nvSpPr>
+          <p:cNvPr id="2" name="Title 1">
+            <a:extLst>
+              <a:ext uri="{FF2B5EF4-FFF2-40B4-BE49-F238E27FC236}">
+                <a16:creationId xmlns:a16="http://schemas.microsoft.com/office/drawing/2014/main" id="{80300F45-99B7-4E0F-B1B9-6D03A56FC68B}"/>
+              </a:ext>
+            </a:extLst>
+          </p:cNvPr>
+          <p:cNvSpPr>
+            <a:spLocks noGrp="1"/>
+          </p:cNvSpPr>
+          <p:nvPr>
+            <p:ph type="title"/>
+          </p:nvPr>
+        </p:nvSpPr>
+        <p:spPr>
+          <a:xfrm>
+            <a:off x="1024128" y="585216"/>
+            <a:ext cx="7935046" cy="377822"/>
+          </a:xfrm>
+        </p:spPr>
+        <p:txBody>
+          <a:bodyPr>
+            <a:normAutofit fontScale="90000"/>
+          </a:bodyPr>
+          <a:lstStyle/>
+          <a:p>
+            <a:r>
+              <a:rPr lang="it-IT" sz="2800" dirty="0"/>
+              <a:t>Tools - DOTMEMORY</a:t>
+            </a:r>
+          </a:p>
+        </p:txBody>
+      </p:sp>
+      <p:pic>
+        <p:nvPicPr>
+          <p:cNvPr id="4" name="Picture 3">
+            <a:extLst>
+              <a:ext uri="{FF2B5EF4-FFF2-40B4-BE49-F238E27FC236}">
+                <a16:creationId xmlns:a16="http://schemas.microsoft.com/office/drawing/2014/main" id="{7956FD93-BEB9-4A2D-99B8-AE684E487CC5}"/>
+              </a:ext>
+            </a:extLst>
+          </p:cNvPr>
+          <p:cNvPicPr>
+            <a:picLocks noChangeAspect="1"/>
+          </p:cNvPicPr>
+          <p:nvPr/>
+        </p:nvPicPr>
+        <p:blipFill>
+          <a:blip r:embed="rId2"/>
+          <a:stretch>
+            <a:fillRect/>
+          </a:stretch>
+        </p:blipFill>
+        <p:spPr>
+          <a:xfrm>
+            <a:off x="1104089" y="963038"/>
+            <a:ext cx="9983821" cy="5615899"/>
+          </a:xfrm>
+          <a:prstGeom prst="rect">
+            <a:avLst/>
+          </a:prstGeom>
+        </p:spPr>
+      </p:pic>
+    </p:spTree>
+    <p:extLst>
+      <p:ext uri="{BB962C8B-B14F-4D97-AF65-F5344CB8AC3E}">
+        <p14:creationId xmlns:p14="http://schemas.microsoft.com/office/powerpoint/2010/main" val="3977334221"/>
+      </p:ext>
+    </p:extLst>
+  </p:cSld>
+  <p:clrMapOvr>
+    <a:masterClrMapping/>
+  </p:clrMapOvr>
+</p:sld>
+</file>
+
+<file path=ppt/slides/slide23.xml><?xml version="1.0" encoding="utf-8"?>
+<p:sld xmlns:a="http://schemas.openxmlformats.org/drawingml/2006/main" xmlns:r="http://schemas.openxmlformats.org/officeDocument/2006/relationships" xmlns:p="http://schemas.openxmlformats.org/presentationml/2006/main">
+  <p:cSld>
+    <p:spTree>
+      <p:nvGrpSpPr>
+        <p:cNvPr id="1" name=""/>
+        <p:cNvGrpSpPr/>
+        <p:nvPr/>
+      </p:nvGrpSpPr>
+      <p:grpSpPr>
+        <a:xfrm>
+          <a:off x="0" y="0"/>
+          <a:ext cx="0" cy="0"/>
+          <a:chOff x="0" y="0"/>
+          <a:chExt cx="0" cy="0"/>
+        </a:xfrm>
+      </p:grpSpPr>
+      <p:sp>
+        <p:nvSpPr>
+          <p:cNvPr id="2" name="Title 1">
+            <a:extLst>
+              <a:ext uri="{FF2B5EF4-FFF2-40B4-BE49-F238E27FC236}">
+                <a16:creationId xmlns:a16="http://schemas.microsoft.com/office/drawing/2014/main" id="{80300F45-99B7-4E0F-B1B9-6D03A56FC68B}"/>
+              </a:ext>
+            </a:extLst>
+          </p:cNvPr>
+          <p:cNvSpPr>
+            <a:spLocks noGrp="1"/>
+          </p:cNvSpPr>
+          <p:nvPr>
+            <p:ph type="title"/>
+          </p:nvPr>
+        </p:nvSpPr>
+        <p:spPr>
+          <a:xfrm>
+            <a:off x="1024128" y="585216"/>
+            <a:ext cx="7935046" cy="377822"/>
+          </a:xfrm>
+        </p:spPr>
+        <p:txBody>
+          <a:bodyPr>
+            <a:normAutofit fontScale="90000"/>
+          </a:bodyPr>
+          <a:lstStyle/>
+          <a:p>
+            <a:r>
+              <a:rPr lang="it-IT" sz="2800" dirty="0"/>
+              <a:t>Tools - DOTMEMORY</a:t>
+            </a:r>
+          </a:p>
+        </p:txBody>
+      </p:sp>
+      <p:pic>
+        <p:nvPicPr>
+          <p:cNvPr id="5" name="Picture 4">
+            <a:extLst>
+              <a:ext uri="{FF2B5EF4-FFF2-40B4-BE49-F238E27FC236}">
+                <a16:creationId xmlns:a16="http://schemas.microsoft.com/office/drawing/2014/main" id="{0C742C58-E527-484A-A6BE-C2084F3E24AD}"/>
+              </a:ext>
+            </a:extLst>
+          </p:cNvPr>
+          <p:cNvPicPr>
+            <a:picLocks noChangeAspect="1"/>
+          </p:cNvPicPr>
+          <p:nvPr/>
+        </p:nvPicPr>
+        <p:blipFill>
+          <a:blip r:embed="rId2"/>
+          <a:stretch>
+            <a:fillRect/>
+          </a:stretch>
+        </p:blipFill>
+        <p:spPr>
+          <a:xfrm>
+            <a:off x="1024128" y="963038"/>
+            <a:ext cx="10324289" cy="5807413"/>
+          </a:xfrm>
+          <a:prstGeom prst="rect">
+            <a:avLst/>
+          </a:prstGeom>
+        </p:spPr>
+      </p:pic>
+    </p:spTree>
+    <p:extLst>
+      <p:ext uri="{BB962C8B-B14F-4D97-AF65-F5344CB8AC3E}">
+        <p14:creationId xmlns:p14="http://schemas.microsoft.com/office/powerpoint/2010/main" val="2391867433"/>
+      </p:ext>
+    </p:extLst>
+  </p:cSld>
+  <p:clrMapOvr>
+    <a:masterClrMapping/>
+  </p:clrMapOvr>
+</p:sld>
+</file>
+
+<file path=ppt/slides/slide24.xml><?xml version="1.0" encoding="utf-8"?>
+<p:sld xmlns:a="http://schemas.openxmlformats.org/drawingml/2006/main" xmlns:r="http://schemas.openxmlformats.org/officeDocument/2006/relationships" xmlns:p="http://schemas.openxmlformats.org/presentationml/2006/main">
+  <p:cSld>
+    <p:spTree>
+      <p:nvGrpSpPr>
+        <p:cNvPr id="1" name=""/>
+        <p:cNvGrpSpPr/>
+        <p:nvPr/>
+      </p:nvGrpSpPr>
+      <p:grpSpPr>
+        <a:xfrm>
+          <a:off x="0" y="0"/>
+          <a:ext cx="0" cy="0"/>
+          <a:chOff x="0" y="0"/>
+          <a:chExt cx="0" cy="0"/>
+        </a:xfrm>
+      </p:grpSpPr>
+      <p:sp>
+        <p:nvSpPr>
+          <p:cNvPr id="2" name="Title 1">
+            <a:extLst>
+              <a:ext uri="{FF2B5EF4-FFF2-40B4-BE49-F238E27FC236}">
+                <a16:creationId xmlns:a16="http://schemas.microsoft.com/office/drawing/2014/main" id="{80300F45-99B7-4E0F-B1B9-6D03A56FC68B}"/>
+              </a:ext>
+            </a:extLst>
+          </p:cNvPr>
+          <p:cNvSpPr>
+            <a:spLocks noGrp="1"/>
+          </p:cNvSpPr>
+          <p:nvPr>
+            <p:ph type="title"/>
+          </p:nvPr>
+        </p:nvSpPr>
+        <p:spPr>
+          <a:xfrm>
+            <a:off x="1024128" y="585216"/>
+            <a:ext cx="7935046" cy="377822"/>
+          </a:xfrm>
+        </p:spPr>
+        <p:txBody>
+          <a:bodyPr>
+            <a:normAutofit fontScale="90000"/>
+          </a:bodyPr>
+          <a:lstStyle/>
+          <a:p>
+            <a:r>
+              <a:rPr lang="it-IT" sz="2800" dirty="0"/>
+              <a:t>Tools - DOTMEMORY</a:t>
+            </a:r>
+          </a:p>
+        </p:txBody>
+      </p:sp>
+      <p:pic>
+        <p:nvPicPr>
+          <p:cNvPr id="3" name="Picture 2">
+            <a:extLst>
+              <a:ext uri="{FF2B5EF4-FFF2-40B4-BE49-F238E27FC236}">
+                <a16:creationId xmlns:a16="http://schemas.microsoft.com/office/drawing/2014/main" id="{6C4C0593-59AB-49E0-8566-F64498BB09D8}"/>
+              </a:ext>
+            </a:extLst>
+          </p:cNvPr>
+          <p:cNvPicPr>
+            <a:picLocks noChangeAspect="1"/>
+          </p:cNvPicPr>
+          <p:nvPr/>
+        </p:nvPicPr>
+        <p:blipFill>
+          <a:blip r:embed="rId2"/>
+          <a:stretch>
+            <a:fillRect/>
+          </a:stretch>
+        </p:blipFill>
+        <p:spPr>
+          <a:xfrm>
+            <a:off x="1140860" y="977629"/>
+            <a:ext cx="10064884" cy="5661497"/>
+          </a:xfrm>
+          <a:prstGeom prst="rect">
+            <a:avLst/>
+          </a:prstGeom>
+        </p:spPr>
+      </p:pic>
+    </p:spTree>
+    <p:extLst>
+      <p:ext uri="{BB962C8B-B14F-4D97-AF65-F5344CB8AC3E}">
+        <p14:creationId xmlns:p14="http://schemas.microsoft.com/office/powerpoint/2010/main" val="48740897"/>
+      </p:ext>
+    </p:extLst>
+  </p:cSld>
+  <p:clrMapOvr>
+    <a:masterClrMapping/>
+  </p:clrMapOvr>
+</p:sld>
+</file>
+
+<file path=ppt/slides/slide25.xml><?xml version="1.0" encoding="utf-8"?>
+<p:sld xmlns:a="http://schemas.openxmlformats.org/drawingml/2006/main" xmlns:r="http://schemas.openxmlformats.org/officeDocument/2006/relationships" xmlns:p="http://schemas.openxmlformats.org/presentationml/2006/main">
+  <p:cSld>
+    <p:spTree>
+      <p:nvGrpSpPr>
+        <p:cNvPr id="1" name=""/>
+        <p:cNvGrpSpPr/>
+        <p:nvPr/>
+      </p:nvGrpSpPr>
+      <p:grpSpPr>
+        <a:xfrm>
+          <a:off x="0" y="0"/>
+          <a:ext cx="0" cy="0"/>
+          <a:chOff x="0" y="0"/>
+          <a:chExt cx="0" cy="0"/>
+        </a:xfrm>
+      </p:grpSpPr>
+      <p:sp>
+        <p:nvSpPr>
+          <p:cNvPr id="2" name="Title 1">
+            <a:extLst>
+              <a:ext uri="{FF2B5EF4-FFF2-40B4-BE49-F238E27FC236}">
+                <a16:creationId xmlns:a16="http://schemas.microsoft.com/office/drawing/2014/main" id="{80300F45-99B7-4E0F-B1B9-6D03A56FC68B}"/>
+              </a:ext>
+            </a:extLst>
+          </p:cNvPr>
+          <p:cNvSpPr>
+            <a:spLocks noGrp="1"/>
+          </p:cNvSpPr>
+          <p:nvPr>
+            <p:ph type="title"/>
+          </p:nvPr>
+        </p:nvSpPr>
+        <p:spPr>
+          <a:xfrm>
+            <a:off x="1024128" y="585216"/>
+            <a:ext cx="7935046" cy="377822"/>
+          </a:xfrm>
+        </p:spPr>
+        <p:txBody>
+          <a:bodyPr>
+            <a:normAutofit fontScale="90000"/>
+          </a:bodyPr>
+          <a:lstStyle/>
+          <a:p>
+            <a:r>
+              <a:rPr lang="it-IT" sz="2800" dirty="0"/>
+              <a:t>Tools - VMMAP</a:t>
+            </a:r>
+          </a:p>
+        </p:txBody>
+      </p:sp>
+      <p:pic>
+        <p:nvPicPr>
+          <p:cNvPr id="4" name="Picture 3">
+            <a:extLst>
+              <a:ext uri="{FF2B5EF4-FFF2-40B4-BE49-F238E27FC236}">
+                <a16:creationId xmlns:a16="http://schemas.microsoft.com/office/drawing/2014/main" id="{06CD6C7F-3F4D-41AA-BF34-891239E7A45C}"/>
+              </a:ext>
+            </a:extLst>
+          </p:cNvPr>
+          <p:cNvPicPr>
+            <a:picLocks noChangeAspect="1"/>
+          </p:cNvPicPr>
+          <p:nvPr/>
+        </p:nvPicPr>
+        <p:blipFill>
+          <a:blip r:embed="rId2"/>
+          <a:stretch>
+            <a:fillRect/>
+          </a:stretch>
+        </p:blipFill>
+        <p:spPr>
+          <a:xfrm>
+            <a:off x="1128408" y="963038"/>
+            <a:ext cx="10126495" cy="5696154"/>
+          </a:xfrm>
+          <a:prstGeom prst="rect">
+            <a:avLst/>
+          </a:prstGeom>
+        </p:spPr>
+      </p:pic>
+    </p:spTree>
+    <p:extLst>
+      <p:ext uri="{BB962C8B-B14F-4D97-AF65-F5344CB8AC3E}">
+        <p14:creationId xmlns:p14="http://schemas.microsoft.com/office/powerpoint/2010/main" val="3767908977"/>
+      </p:ext>
+    </p:extLst>
+  </p:cSld>
+  <p:clrMapOvr>
+    <a:masterClrMapping/>
+  </p:clrMapOvr>
+</p:sld>
+</file>
+
 <file path=ppt/slides/slide3.xml><?xml version="1.0" encoding="utf-8"?>
 <p:sld xmlns:a="http://schemas.openxmlformats.org/drawingml/2006/main" xmlns:r="http://schemas.openxmlformats.org/officeDocument/2006/relationships" xmlns:p="http://schemas.openxmlformats.org/presentationml/2006/main">
   <p:cSld>

--- a/intro.pptx
+++ b/intro.pptx
@@ -15,21 +15,29 @@
     <p:sldId id="267" r:id="rId9"/>
     <p:sldId id="262" r:id="rId10"/>
     <p:sldId id="263" r:id="rId11"/>
-    <p:sldId id="264" r:id="rId12"/>
-    <p:sldId id="265" r:id="rId13"/>
-    <p:sldId id="268" r:id="rId14"/>
-    <p:sldId id="269" r:id="rId15"/>
-    <p:sldId id="270" r:id="rId16"/>
-    <p:sldId id="271" r:id="rId17"/>
-    <p:sldId id="272" r:id="rId18"/>
-    <p:sldId id="273" r:id="rId19"/>
-    <p:sldId id="274" r:id="rId20"/>
-    <p:sldId id="275" r:id="rId21"/>
-    <p:sldId id="276" r:id="rId22"/>
-    <p:sldId id="277" r:id="rId23"/>
-    <p:sldId id="278" r:id="rId24"/>
-    <p:sldId id="279" r:id="rId25"/>
-    <p:sldId id="280" r:id="rId26"/>
+    <p:sldId id="281" r:id="rId12"/>
+    <p:sldId id="282" r:id="rId13"/>
+    <p:sldId id="283" r:id="rId14"/>
+    <p:sldId id="284" r:id="rId15"/>
+    <p:sldId id="264" r:id="rId16"/>
+    <p:sldId id="285" r:id="rId17"/>
+    <p:sldId id="286" r:id="rId18"/>
+    <p:sldId id="287" r:id="rId19"/>
+    <p:sldId id="265" r:id="rId20"/>
+    <p:sldId id="268" r:id="rId21"/>
+    <p:sldId id="269" r:id="rId22"/>
+    <p:sldId id="288" r:id="rId23"/>
+    <p:sldId id="270" r:id="rId24"/>
+    <p:sldId id="271" r:id="rId25"/>
+    <p:sldId id="272" r:id="rId26"/>
+    <p:sldId id="273" r:id="rId27"/>
+    <p:sldId id="274" r:id="rId28"/>
+    <p:sldId id="275" r:id="rId29"/>
+    <p:sldId id="276" r:id="rId30"/>
+    <p:sldId id="277" r:id="rId31"/>
+    <p:sldId id="278" r:id="rId32"/>
+    <p:sldId id="279" r:id="rId33"/>
+    <p:sldId id="280" r:id="rId34"/>
   </p:sldIdLst>
   <p:sldSz cx="12192000" cy="6858000"/>
   <p:notesSz cx="6858000" cy="9144000"/>
@@ -8929,7 +8937,7 @@
           <a:p>
             <a:fld id="{6DC1D2EA-4059-4DC5-AD48-8F08A7F9F094}" type="datetimeFigureOut">
               <a:rPr lang="it-IT" smtClean="0"/>
-              <a:t>16/09/2019</a:t>
+              <a:t>23/09/2019</a:t>
             </a:fld>
             <a:endParaRPr lang="it-IT"/>
           </a:p>
@@ -8971,7 +8979,7 @@
           <a:p>
             <a:fld id="{8F60BDDD-A386-40B9-B767-E1D62B82FEA5}" type="slidenum">
               <a:rPr lang="it-IT" smtClean="0"/>
-              <a:t>‹#›</a:t>
+              <a:t>‹N›</a:t>
             </a:fld>
             <a:endParaRPr lang="it-IT"/>
           </a:p>
@@ -9136,7 +9144,7 @@
           <a:p>
             <a:fld id="{6DC1D2EA-4059-4DC5-AD48-8F08A7F9F094}" type="datetimeFigureOut">
               <a:rPr lang="it-IT" smtClean="0"/>
-              <a:t>16/09/2019</a:t>
+              <a:t>23/09/2019</a:t>
             </a:fld>
             <a:endParaRPr lang="it-IT"/>
           </a:p>
@@ -9178,7 +9186,7 @@
           <a:p>
             <a:fld id="{8F60BDDD-A386-40B9-B767-E1D62B82FEA5}" type="slidenum">
               <a:rPr lang="it-IT" smtClean="0"/>
-              <a:t>‹#›</a:t>
+              <a:t>‹N›</a:t>
             </a:fld>
             <a:endParaRPr lang="it-IT"/>
           </a:p>
@@ -9316,7 +9324,7 @@
           <a:p>
             <a:fld id="{6DC1D2EA-4059-4DC5-AD48-8F08A7F9F094}" type="datetimeFigureOut">
               <a:rPr lang="it-IT" smtClean="0"/>
-              <a:t>16/09/2019</a:t>
+              <a:t>23/09/2019</a:t>
             </a:fld>
             <a:endParaRPr lang="it-IT"/>
           </a:p>
@@ -9358,7 +9366,7 @@
           <a:p>
             <a:fld id="{8F60BDDD-A386-40B9-B767-E1D62B82FEA5}" type="slidenum">
               <a:rPr lang="it-IT" smtClean="0"/>
-              <a:t>‹#›</a:t>
+              <a:t>‹N›</a:t>
             </a:fld>
             <a:endParaRPr lang="it-IT"/>
           </a:p>
@@ -9521,7 +9529,7 @@
           <a:p>
             <a:fld id="{6DC1D2EA-4059-4DC5-AD48-8F08A7F9F094}" type="datetimeFigureOut">
               <a:rPr lang="it-IT" smtClean="0"/>
-              <a:t>16/09/2019</a:t>
+              <a:t>23/09/2019</a:t>
             </a:fld>
             <a:endParaRPr lang="it-IT"/>
           </a:p>
@@ -9563,7 +9571,7 @@
           <a:p>
             <a:fld id="{8F60BDDD-A386-40B9-B767-E1D62B82FEA5}" type="slidenum">
               <a:rPr lang="it-IT" smtClean="0"/>
-              <a:t>‹#›</a:t>
+              <a:t>‹N›</a:t>
             </a:fld>
             <a:endParaRPr lang="it-IT"/>
           </a:p>
@@ -18419,7 +18427,7 @@
           <a:p>
             <a:fld id="{6DC1D2EA-4059-4DC5-AD48-8F08A7F9F094}" type="datetimeFigureOut">
               <a:rPr lang="it-IT" smtClean="0"/>
-              <a:t>16/09/2019</a:t>
+              <a:t>23/09/2019</a:t>
             </a:fld>
             <a:endParaRPr lang="it-IT"/>
           </a:p>
@@ -18461,7 +18469,7 @@
           <a:p>
             <a:fld id="{8F60BDDD-A386-40B9-B767-E1D62B82FEA5}" type="slidenum">
               <a:rPr lang="it-IT" smtClean="0"/>
-              <a:t>‹#›</a:t>
+              <a:t>‹N›</a:t>
             </a:fld>
             <a:endParaRPr lang="it-IT"/>
           </a:p>
@@ -18693,7 +18701,7 @@
           <a:p>
             <a:fld id="{6DC1D2EA-4059-4DC5-AD48-8F08A7F9F094}" type="datetimeFigureOut">
               <a:rPr lang="it-IT" smtClean="0"/>
-              <a:t>16/09/2019</a:t>
+              <a:t>23/09/2019</a:t>
             </a:fld>
             <a:endParaRPr lang="it-IT"/>
           </a:p>
@@ -18735,7 +18743,7 @@
           <a:p>
             <a:fld id="{8F60BDDD-A386-40B9-B767-E1D62B82FEA5}" type="slidenum">
               <a:rPr lang="it-IT" smtClean="0"/>
-              <a:t>‹#›</a:t>
+              <a:t>‹N›</a:t>
             </a:fld>
             <a:endParaRPr lang="it-IT"/>
           </a:p>
@@ -19091,7 +19099,7 @@
           <a:p>
             <a:fld id="{6DC1D2EA-4059-4DC5-AD48-8F08A7F9F094}" type="datetimeFigureOut">
               <a:rPr lang="it-IT" smtClean="0"/>
-              <a:t>16/09/2019</a:t>
+              <a:t>23/09/2019</a:t>
             </a:fld>
             <a:endParaRPr lang="it-IT"/>
           </a:p>
@@ -19133,7 +19141,7 @@
           <a:p>
             <a:fld id="{8F60BDDD-A386-40B9-B767-E1D62B82FEA5}" type="slidenum">
               <a:rPr lang="it-IT" smtClean="0"/>
-              <a:t>‹#›</a:t>
+              <a:t>‹N›</a:t>
             </a:fld>
             <a:endParaRPr lang="it-IT"/>
           </a:p>
@@ -19209,7 +19217,7 @@
           <a:p>
             <a:fld id="{6DC1D2EA-4059-4DC5-AD48-8F08A7F9F094}" type="datetimeFigureOut">
               <a:rPr lang="it-IT" smtClean="0"/>
-              <a:t>16/09/2019</a:t>
+              <a:t>23/09/2019</a:t>
             </a:fld>
             <a:endParaRPr lang="it-IT"/>
           </a:p>
@@ -19251,7 +19259,7 @@
           <a:p>
             <a:fld id="{8F60BDDD-A386-40B9-B767-E1D62B82FEA5}" type="slidenum">
               <a:rPr lang="it-IT" smtClean="0"/>
-              <a:t>‹#›</a:t>
+              <a:t>‹N›</a:t>
             </a:fld>
             <a:endParaRPr lang="it-IT"/>
           </a:p>
@@ -19304,7 +19312,7 @@
           <a:p>
             <a:fld id="{6DC1D2EA-4059-4DC5-AD48-8F08A7F9F094}" type="datetimeFigureOut">
               <a:rPr lang="it-IT" smtClean="0"/>
-              <a:t>16/09/2019</a:t>
+              <a:t>23/09/2019</a:t>
             </a:fld>
             <a:endParaRPr lang="it-IT"/>
           </a:p>
@@ -19346,7 +19354,7 @@
           <a:p>
             <a:fld id="{8F60BDDD-A386-40B9-B767-E1D62B82FEA5}" type="slidenum">
               <a:rPr lang="it-IT" smtClean="0"/>
-              <a:t>‹#›</a:t>
+              <a:t>‹N›</a:t>
             </a:fld>
             <a:endParaRPr lang="it-IT"/>
           </a:p>
@@ -19594,7 +19602,7 @@
           <a:p>
             <a:fld id="{6DC1D2EA-4059-4DC5-AD48-8F08A7F9F094}" type="datetimeFigureOut">
               <a:rPr lang="it-IT" smtClean="0"/>
-              <a:t>16/09/2019</a:t>
+              <a:t>23/09/2019</a:t>
             </a:fld>
             <a:endParaRPr lang="it-IT"/>
           </a:p>
@@ -19636,7 +19644,7 @@
           <a:p>
             <a:fld id="{8F60BDDD-A386-40B9-B767-E1D62B82FEA5}" type="slidenum">
               <a:rPr lang="it-IT" smtClean="0"/>
-              <a:t>‹#›</a:t>
+              <a:t>‹N›</a:t>
             </a:fld>
             <a:endParaRPr lang="it-IT"/>
           </a:p>
@@ -19874,7 +19882,7 @@
           <a:p>
             <a:fld id="{6DC1D2EA-4059-4DC5-AD48-8F08A7F9F094}" type="datetimeFigureOut">
               <a:rPr lang="it-IT" smtClean="0"/>
-              <a:t>16/09/2019</a:t>
+              <a:t>23/09/2019</a:t>
             </a:fld>
             <a:endParaRPr lang="it-IT"/>
           </a:p>
@@ -19916,7 +19924,7 @@
           <a:p>
             <a:fld id="{8F60BDDD-A386-40B9-B767-E1D62B82FEA5}" type="slidenum">
               <a:rPr lang="it-IT" smtClean="0"/>
-              <a:t>‹#›</a:t>
+              <a:t>‹N›</a:t>
             </a:fld>
             <a:endParaRPr lang="it-IT"/>
           </a:p>
@@ -20124,7 +20132,7 @@
           <a:p>
             <a:fld id="{6DC1D2EA-4059-4DC5-AD48-8F08A7F9F094}" type="datetimeFigureOut">
               <a:rPr lang="it-IT" smtClean="0"/>
-              <a:t>16/09/2019</a:t>
+              <a:t>23/09/2019</a:t>
             </a:fld>
             <a:endParaRPr lang="it-IT"/>
           </a:p>
@@ -20206,7 +20214,7 @@
           <a:p>
             <a:fld id="{8F60BDDD-A386-40B9-B767-E1D62B82FEA5}" type="slidenum">
               <a:rPr lang="it-IT" smtClean="0"/>
-              <a:t>‹#›</a:t>
+              <a:t>‹N›</a:t>
             </a:fld>
             <a:endParaRPr lang="it-IT"/>
           </a:p>
@@ -20895,6 +20903,609 @@
           <a:chExt cx="0" cy="0"/>
         </a:xfrm>
       </p:grpSpPr>
+      <p:pic>
+        <p:nvPicPr>
+          <p:cNvPr id="5" name="Immagine 4">
+            <a:extLst>
+              <a:ext uri="{FF2B5EF4-FFF2-40B4-BE49-F238E27FC236}">
+                <a16:creationId xmlns:a16="http://schemas.microsoft.com/office/drawing/2014/main" id="{A93D29F5-8054-49A4-B30F-C185714E2741}"/>
+              </a:ext>
+            </a:extLst>
+          </p:cNvPr>
+          <p:cNvPicPr>
+            <a:picLocks noChangeAspect="1"/>
+          </p:cNvPicPr>
+          <p:nvPr/>
+        </p:nvPicPr>
+        <p:blipFill>
+          <a:blip r:embed="rId2"/>
+          <a:stretch>
+            <a:fillRect/>
+          </a:stretch>
+        </p:blipFill>
+        <p:spPr>
+          <a:xfrm>
+            <a:off x="5421167" y="3252938"/>
+            <a:ext cx="6096851" cy="3019846"/>
+          </a:xfrm>
+          <a:prstGeom prst="rect">
+            <a:avLst/>
+          </a:prstGeom>
+        </p:spPr>
+      </p:pic>
+      <p:sp>
+        <p:nvSpPr>
+          <p:cNvPr id="2" name="Titolo 1">
+            <a:extLst>
+              <a:ext uri="{FF2B5EF4-FFF2-40B4-BE49-F238E27FC236}">
+                <a16:creationId xmlns:a16="http://schemas.microsoft.com/office/drawing/2014/main" id="{06099211-2FD6-4AD8-8FE7-74C71798F309}"/>
+              </a:ext>
+            </a:extLst>
+          </p:cNvPr>
+          <p:cNvSpPr>
+            <a:spLocks noGrp="1"/>
+          </p:cNvSpPr>
+          <p:nvPr>
+            <p:ph type="title"/>
+          </p:nvPr>
+        </p:nvSpPr>
+        <p:spPr/>
+        <p:txBody>
+          <a:bodyPr>
+            <a:normAutofit fontScale="90000"/>
+          </a:bodyPr>
+          <a:lstStyle/>
+          <a:p>
+            <a:r>
+              <a:rPr lang="it-IT" dirty="0" err="1"/>
+              <a:t>Runtimes</a:t>
+            </a:r>
+            <a:r>
+              <a:rPr lang="it-IT" dirty="0"/>
+              <a:t> - </a:t>
+            </a:r>
+            <a:br>
+              <a:rPr lang="it-IT" dirty="0"/>
+            </a:br>
+            <a:r>
+              <a:rPr lang="it-IT" dirty="0"/>
+              <a:t>FULL </a:t>
+            </a:r>
+            <a:br>
+              <a:rPr lang="it-IT" dirty="0"/>
+            </a:br>
+            <a:r>
+              <a:rPr lang="it-IT" dirty="0"/>
+              <a:t>.NET FRAMEWORK</a:t>
+            </a:r>
+          </a:p>
+        </p:txBody>
+      </p:sp>
+      <p:pic>
+        <p:nvPicPr>
+          <p:cNvPr id="4" name="Segnaposto contenuto 3">
+            <a:extLst>
+              <a:ext uri="{FF2B5EF4-FFF2-40B4-BE49-F238E27FC236}">
+                <a16:creationId xmlns:a16="http://schemas.microsoft.com/office/drawing/2014/main" id="{BB2701C9-B1B4-48D5-88F5-2A5500643E15}"/>
+              </a:ext>
+            </a:extLst>
+          </p:cNvPr>
+          <p:cNvPicPr>
+            <a:picLocks noGrp="1" noChangeAspect="1"/>
+          </p:cNvPicPr>
+          <p:nvPr>
+            <p:ph idx="1"/>
+          </p:nvPr>
+        </p:nvPicPr>
+        <p:blipFill>
+          <a:blip r:embed="rId3"/>
+          <a:stretch>
+            <a:fillRect/>
+          </a:stretch>
+        </p:blipFill>
+        <p:spPr>
+          <a:xfrm>
+            <a:off x="5407099" y="956315"/>
+            <a:ext cx="6087325" cy="2715004"/>
+          </a:xfrm>
+          <a:prstGeom prst="rect">
+            <a:avLst/>
+          </a:prstGeom>
+        </p:spPr>
+      </p:pic>
+      <p:pic>
+        <p:nvPicPr>
+          <p:cNvPr id="6" name="Immagine 5">
+            <a:extLst>
+              <a:ext uri="{FF2B5EF4-FFF2-40B4-BE49-F238E27FC236}">
+                <a16:creationId xmlns:a16="http://schemas.microsoft.com/office/drawing/2014/main" id="{42BE886E-25A6-4C88-9344-7780E56B265B}"/>
+              </a:ext>
+            </a:extLst>
+          </p:cNvPr>
+          <p:cNvPicPr>
+            <a:picLocks noChangeAspect="1"/>
+          </p:cNvPicPr>
+          <p:nvPr/>
+        </p:nvPicPr>
+        <p:blipFill>
+          <a:blip r:embed="rId4"/>
+          <a:stretch>
+            <a:fillRect/>
+          </a:stretch>
+        </p:blipFill>
+        <p:spPr>
+          <a:xfrm>
+            <a:off x="650952" y="3033832"/>
+            <a:ext cx="4353533" cy="3458058"/>
+          </a:xfrm>
+          <a:prstGeom prst="rect">
+            <a:avLst/>
+          </a:prstGeom>
+        </p:spPr>
+      </p:pic>
+    </p:spTree>
+    <p:extLst>
+      <p:ext uri="{BB962C8B-B14F-4D97-AF65-F5344CB8AC3E}">
+        <p14:creationId xmlns:p14="http://schemas.microsoft.com/office/powerpoint/2010/main" val="2862031028"/>
+      </p:ext>
+    </p:extLst>
+  </p:cSld>
+  <p:clrMapOvr>
+    <a:masterClrMapping/>
+  </p:clrMapOvr>
+</p:sld>
+</file>
+
+<file path=ppt/slides/slide12.xml><?xml version="1.0" encoding="utf-8"?>
+<p:sld xmlns:a="http://schemas.openxmlformats.org/drawingml/2006/main" xmlns:r="http://schemas.openxmlformats.org/officeDocument/2006/relationships" xmlns:p="http://schemas.openxmlformats.org/presentationml/2006/main">
+  <p:cSld>
+    <p:spTree>
+      <p:nvGrpSpPr>
+        <p:cNvPr id="1" name=""/>
+        <p:cNvGrpSpPr/>
+        <p:nvPr/>
+      </p:nvGrpSpPr>
+      <p:grpSpPr>
+        <a:xfrm>
+          <a:off x="0" y="0"/>
+          <a:ext cx="0" cy="0"/>
+          <a:chOff x="0" y="0"/>
+          <a:chExt cx="0" cy="0"/>
+        </a:xfrm>
+      </p:grpSpPr>
+      <p:sp>
+        <p:nvSpPr>
+          <p:cNvPr id="2" name="Titolo 1">
+            <a:extLst>
+              <a:ext uri="{FF2B5EF4-FFF2-40B4-BE49-F238E27FC236}">
+                <a16:creationId xmlns:a16="http://schemas.microsoft.com/office/drawing/2014/main" id="{06099211-2FD6-4AD8-8FE7-74C71798F309}"/>
+              </a:ext>
+            </a:extLst>
+          </p:cNvPr>
+          <p:cNvSpPr>
+            <a:spLocks noGrp="1"/>
+          </p:cNvSpPr>
+          <p:nvPr>
+            <p:ph type="title"/>
+          </p:nvPr>
+        </p:nvSpPr>
+        <p:spPr/>
+        <p:txBody>
+          <a:bodyPr>
+            <a:normAutofit fontScale="90000"/>
+          </a:bodyPr>
+          <a:lstStyle/>
+          <a:p>
+            <a:r>
+              <a:rPr lang="it-IT" dirty="0" err="1"/>
+              <a:t>Runtimes</a:t>
+            </a:r>
+            <a:r>
+              <a:rPr lang="it-IT" dirty="0"/>
+              <a:t> - </a:t>
+            </a:r>
+            <a:br>
+              <a:rPr lang="it-IT" dirty="0"/>
+            </a:br>
+            <a:r>
+              <a:rPr lang="it-IT" dirty="0"/>
+              <a:t>FULL </a:t>
+            </a:r>
+            <a:br>
+              <a:rPr lang="it-IT" dirty="0"/>
+            </a:br>
+            <a:r>
+              <a:rPr lang="it-IT" dirty="0"/>
+              <a:t>.NET FRAMEWORK</a:t>
+            </a:r>
+          </a:p>
+        </p:txBody>
+      </p:sp>
+      <p:pic>
+        <p:nvPicPr>
+          <p:cNvPr id="8" name="Segnaposto contenuto 7">
+            <a:extLst>
+              <a:ext uri="{FF2B5EF4-FFF2-40B4-BE49-F238E27FC236}">
+                <a16:creationId xmlns:a16="http://schemas.microsoft.com/office/drawing/2014/main" id="{AA8BB4D4-54EC-4A56-AA56-B75B15453465}"/>
+              </a:ext>
+            </a:extLst>
+          </p:cNvPr>
+          <p:cNvPicPr>
+            <a:picLocks noGrp="1" noChangeAspect="1"/>
+          </p:cNvPicPr>
+          <p:nvPr>
+            <p:ph idx="1"/>
+          </p:nvPr>
+        </p:nvPicPr>
+        <p:blipFill>
+          <a:blip r:embed="rId2"/>
+          <a:stretch>
+            <a:fillRect/>
+          </a:stretch>
+        </p:blipFill>
+        <p:spPr>
+          <a:xfrm>
+            <a:off x="1977766" y="2084832"/>
+            <a:ext cx="8573429" cy="4463418"/>
+          </a:xfrm>
+          <a:prstGeom prst="rect">
+            <a:avLst/>
+          </a:prstGeom>
+        </p:spPr>
+      </p:pic>
+    </p:spTree>
+    <p:extLst>
+      <p:ext uri="{BB962C8B-B14F-4D97-AF65-F5344CB8AC3E}">
+        <p14:creationId xmlns:p14="http://schemas.microsoft.com/office/powerpoint/2010/main" val="3953773745"/>
+      </p:ext>
+    </p:extLst>
+  </p:cSld>
+  <p:clrMapOvr>
+    <a:masterClrMapping/>
+  </p:clrMapOvr>
+</p:sld>
+</file>
+
+<file path=ppt/slides/slide13.xml><?xml version="1.0" encoding="utf-8"?>
+<p:sld xmlns:a="http://schemas.openxmlformats.org/drawingml/2006/main" xmlns:r="http://schemas.openxmlformats.org/officeDocument/2006/relationships" xmlns:p="http://schemas.openxmlformats.org/presentationml/2006/main">
+  <p:cSld>
+    <p:spTree>
+      <p:nvGrpSpPr>
+        <p:cNvPr id="1" name=""/>
+        <p:cNvGrpSpPr/>
+        <p:nvPr/>
+      </p:nvGrpSpPr>
+      <p:grpSpPr>
+        <a:xfrm>
+          <a:off x="0" y="0"/>
+          <a:ext cx="0" cy="0"/>
+          <a:chOff x="0" y="0"/>
+          <a:chExt cx="0" cy="0"/>
+        </a:xfrm>
+      </p:grpSpPr>
+      <p:sp>
+        <p:nvSpPr>
+          <p:cNvPr id="2" name="Titolo 1">
+            <a:extLst>
+              <a:ext uri="{FF2B5EF4-FFF2-40B4-BE49-F238E27FC236}">
+                <a16:creationId xmlns:a16="http://schemas.microsoft.com/office/drawing/2014/main" id="{06099211-2FD6-4AD8-8FE7-74C71798F309}"/>
+              </a:ext>
+            </a:extLst>
+          </p:cNvPr>
+          <p:cNvSpPr>
+            <a:spLocks noGrp="1"/>
+          </p:cNvSpPr>
+          <p:nvPr>
+            <p:ph type="title"/>
+          </p:nvPr>
+        </p:nvSpPr>
+        <p:spPr/>
+        <p:txBody>
+          <a:bodyPr>
+            <a:normAutofit/>
+          </a:bodyPr>
+          <a:lstStyle/>
+          <a:p>
+            <a:r>
+              <a:rPr lang="it-IT" dirty="0" err="1"/>
+              <a:t>Runtimes</a:t>
+            </a:r>
+            <a:r>
+              <a:rPr lang="it-IT" dirty="0"/>
+              <a:t> - </a:t>
+            </a:r>
+            <a:r>
+              <a:rPr lang="it-IT" dirty="0" err="1"/>
+              <a:t>.net</a:t>
+            </a:r>
+            <a:r>
+              <a:rPr lang="it-IT" dirty="0"/>
+              <a:t> core</a:t>
+            </a:r>
+          </a:p>
+        </p:txBody>
+      </p:sp>
+      <p:pic>
+        <p:nvPicPr>
+          <p:cNvPr id="5" name="Segnaposto contenuto 4">
+            <a:extLst>
+              <a:ext uri="{FF2B5EF4-FFF2-40B4-BE49-F238E27FC236}">
+                <a16:creationId xmlns:a16="http://schemas.microsoft.com/office/drawing/2014/main" id="{4CF9441E-F3EC-438C-9186-3BC6E76AAE21}"/>
+              </a:ext>
+            </a:extLst>
+          </p:cNvPr>
+          <p:cNvPicPr>
+            <a:picLocks noGrp="1" noChangeAspect="1"/>
+          </p:cNvPicPr>
+          <p:nvPr>
+            <p:ph idx="1"/>
+          </p:nvPr>
+        </p:nvPicPr>
+        <p:blipFill>
+          <a:blip r:embed="rId2"/>
+          <a:stretch>
+            <a:fillRect/>
+          </a:stretch>
+        </p:blipFill>
+        <p:spPr>
+          <a:xfrm>
+            <a:off x="6235611" y="585216"/>
+            <a:ext cx="4928915" cy="2453406"/>
+          </a:xfrm>
+          <a:prstGeom prst="rect">
+            <a:avLst/>
+          </a:prstGeom>
+        </p:spPr>
+      </p:pic>
+      <p:pic>
+        <p:nvPicPr>
+          <p:cNvPr id="6" name="Immagine 5">
+            <a:extLst>
+              <a:ext uri="{FF2B5EF4-FFF2-40B4-BE49-F238E27FC236}">
+                <a16:creationId xmlns:a16="http://schemas.microsoft.com/office/drawing/2014/main" id="{D2B5BB39-03A3-4247-AA00-A9E505070661}"/>
+              </a:ext>
+            </a:extLst>
+          </p:cNvPr>
+          <p:cNvPicPr>
+            <a:picLocks noChangeAspect="1"/>
+          </p:cNvPicPr>
+          <p:nvPr/>
+        </p:nvPicPr>
+        <p:blipFill>
+          <a:blip r:embed="rId3"/>
+          <a:stretch>
+            <a:fillRect/>
+          </a:stretch>
+        </p:blipFill>
+        <p:spPr>
+          <a:xfrm>
+            <a:off x="6330666" y="2461877"/>
+            <a:ext cx="4738803" cy="3185280"/>
+          </a:xfrm>
+          <a:prstGeom prst="rect">
+            <a:avLst/>
+          </a:prstGeom>
+        </p:spPr>
+      </p:pic>
+      <p:pic>
+        <p:nvPicPr>
+          <p:cNvPr id="7" name="Immagine 6">
+            <a:extLst>
+              <a:ext uri="{FF2B5EF4-FFF2-40B4-BE49-F238E27FC236}">
+                <a16:creationId xmlns:a16="http://schemas.microsoft.com/office/drawing/2014/main" id="{49FDAADF-40C8-48BB-A4D5-0140579D9E17}"/>
+              </a:ext>
+            </a:extLst>
+          </p:cNvPr>
+          <p:cNvPicPr>
+            <a:picLocks noChangeAspect="1"/>
+          </p:cNvPicPr>
+          <p:nvPr/>
+        </p:nvPicPr>
+        <p:blipFill>
+          <a:blip r:embed="rId4"/>
+          <a:stretch>
+            <a:fillRect/>
+          </a:stretch>
+        </p:blipFill>
+        <p:spPr>
+          <a:xfrm>
+            <a:off x="265160" y="2168304"/>
+            <a:ext cx="6023205" cy="1798785"/>
+          </a:xfrm>
+          <a:prstGeom prst="rect">
+            <a:avLst/>
+          </a:prstGeom>
+        </p:spPr>
+      </p:pic>
+      <p:pic>
+        <p:nvPicPr>
+          <p:cNvPr id="9" name="Immagine 8">
+            <a:extLst>
+              <a:ext uri="{FF2B5EF4-FFF2-40B4-BE49-F238E27FC236}">
+                <a16:creationId xmlns:a16="http://schemas.microsoft.com/office/drawing/2014/main" id="{83290E8D-A70B-46C1-BDA0-6D6FFBE3F869}"/>
+              </a:ext>
+            </a:extLst>
+          </p:cNvPr>
+          <p:cNvPicPr>
+            <a:picLocks noChangeAspect="1"/>
+          </p:cNvPicPr>
+          <p:nvPr/>
+        </p:nvPicPr>
+        <p:blipFill>
+          <a:blip r:embed="rId5"/>
+          <a:stretch>
+            <a:fillRect/>
+          </a:stretch>
+        </p:blipFill>
+        <p:spPr>
+          <a:xfrm>
+            <a:off x="265160" y="4234375"/>
+            <a:ext cx="5746296" cy="2369242"/>
+          </a:xfrm>
+          <a:prstGeom prst="rect">
+            <a:avLst/>
+          </a:prstGeom>
+        </p:spPr>
+      </p:pic>
+    </p:spTree>
+    <p:extLst>
+      <p:ext uri="{BB962C8B-B14F-4D97-AF65-F5344CB8AC3E}">
+        <p14:creationId xmlns:p14="http://schemas.microsoft.com/office/powerpoint/2010/main" val="559344146"/>
+      </p:ext>
+    </p:extLst>
+  </p:cSld>
+  <p:clrMapOvr>
+    <a:masterClrMapping/>
+  </p:clrMapOvr>
+</p:sld>
+</file>
+
+<file path=ppt/slides/slide14.xml><?xml version="1.0" encoding="utf-8"?>
+<p:sld xmlns:a="http://schemas.openxmlformats.org/drawingml/2006/main" xmlns:r="http://schemas.openxmlformats.org/officeDocument/2006/relationships" xmlns:p="http://schemas.openxmlformats.org/presentationml/2006/main">
+  <p:cSld>
+    <p:spTree>
+      <p:nvGrpSpPr>
+        <p:cNvPr id="1" name=""/>
+        <p:cNvGrpSpPr/>
+        <p:nvPr/>
+      </p:nvGrpSpPr>
+      <p:grpSpPr>
+        <a:xfrm>
+          <a:off x="0" y="0"/>
+          <a:ext cx="0" cy="0"/>
+          <a:chOff x="0" y="0"/>
+          <a:chExt cx="0" cy="0"/>
+        </a:xfrm>
+      </p:grpSpPr>
+      <p:sp>
+        <p:nvSpPr>
+          <p:cNvPr id="2" name="Titolo 1">
+            <a:extLst>
+              <a:ext uri="{FF2B5EF4-FFF2-40B4-BE49-F238E27FC236}">
+                <a16:creationId xmlns:a16="http://schemas.microsoft.com/office/drawing/2014/main" id="{06099211-2FD6-4AD8-8FE7-74C71798F309}"/>
+              </a:ext>
+            </a:extLst>
+          </p:cNvPr>
+          <p:cNvSpPr>
+            <a:spLocks noGrp="1"/>
+          </p:cNvSpPr>
+          <p:nvPr>
+            <p:ph type="title"/>
+          </p:nvPr>
+        </p:nvSpPr>
+        <p:spPr/>
+        <p:txBody>
+          <a:bodyPr>
+            <a:normAutofit/>
+          </a:bodyPr>
+          <a:lstStyle/>
+          <a:p>
+            <a:r>
+              <a:rPr lang="it-IT" dirty="0" err="1"/>
+              <a:t>Runtimes</a:t>
+            </a:r>
+            <a:r>
+              <a:rPr lang="it-IT" dirty="0"/>
+              <a:t> - </a:t>
+            </a:r>
+            <a:r>
+              <a:rPr lang="it-IT" dirty="0" err="1"/>
+              <a:t>conclusions</a:t>
+            </a:r>
+            <a:endParaRPr lang="it-IT" dirty="0"/>
+          </a:p>
+        </p:txBody>
+      </p:sp>
+      <p:pic>
+        <p:nvPicPr>
+          <p:cNvPr id="8" name="Immagine 7">
+            <a:extLst>
+              <a:ext uri="{FF2B5EF4-FFF2-40B4-BE49-F238E27FC236}">
+                <a16:creationId xmlns:a16="http://schemas.microsoft.com/office/drawing/2014/main" id="{D9EDB1B0-08B7-40BF-A0C4-4FCC46F651E5}"/>
+              </a:ext>
+            </a:extLst>
+          </p:cNvPr>
+          <p:cNvPicPr>
+            <a:picLocks noChangeAspect="1"/>
+          </p:cNvPicPr>
+          <p:nvPr/>
+        </p:nvPicPr>
+        <p:blipFill>
+          <a:blip r:embed="rId2"/>
+          <a:stretch>
+            <a:fillRect/>
+          </a:stretch>
+        </p:blipFill>
+        <p:spPr>
+          <a:xfrm>
+            <a:off x="675519" y="1902294"/>
+            <a:ext cx="6963758" cy="2049662"/>
+          </a:xfrm>
+          <a:prstGeom prst="rect">
+            <a:avLst/>
+          </a:prstGeom>
+        </p:spPr>
+      </p:pic>
+      <p:pic>
+        <p:nvPicPr>
+          <p:cNvPr id="10" name="Immagine 9">
+            <a:extLst>
+              <a:ext uri="{FF2B5EF4-FFF2-40B4-BE49-F238E27FC236}">
+                <a16:creationId xmlns:a16="http://schemas.microsoft.com/office/drawing/2014/main" id="{5C94F4EF-080A-4219-B1D9-BA28476D553F}"/>
+              </a:ext>
+            </a:extLst>
+          </p:cNvPr>
+          <p:cNvPicPr>
+            <a:picLocks noChangeAspect="1"/>
+          </p:cNvPicPr>
+          <p:nvPr/>
+        </p:nvPicPr>
+        <p:blipFill>
+          <a:blip r:embed="rId3"/>
+          <a:stretch>
+            <a:fillRect/>
+          </a:stretch>
+        </p:blipFill>
+        <p:spPr>
+          <a:xfrm>
+            <a:off x="675519" y="3930875"/>
+            <a:ext cx="7639735" cy="1893150"/>
+          </a:xfrm>
+          <a:prstGeom prst="rect">
+            <a:avLst/>
+          </a:prstGeom>
+        </p:spPr>
+      </p:pic>
+    </p:spTree>
+    <p:extLst>
+      <p:ext uri="{BB962C8B-B14F-4D97-AF65-F5344CB8AC3E}">
+        <p14:creationId xmlns:p14="http://schemas.microsoft.com/office/powerpoint/2010/main" val="3296249903"/>
+      </p:ext>
+    </p:extLst>
+  </p:cSld>
+  <p:clrMapOvr>
+    <a:masterClrMapping/>
+  </p:clrMapOvr>
+</p:sld>
+</file>
+
+<file path=ppt/slides/slide15.xml><?xml version="1.0" encoding="utf-8"?>
+<p:sld xmlns:a="http://schemas.openxmlformats.org/drawingml/2006/main" xmlns:r="http://schemas.openxmlformats.org/officeDocument/2006/relationships" xmlns:p="http://schemas.openxmlformats.org/presentationml/2006/main">
+  <p:cSld>
+    <p:spTree>
+      <p:nvGrpSpPr>
+        <p:cNvPr id="1" name=""/>
+        <p:cNvGrpSpPr/>
+        <p:nvPr/>
+      </p:nvGrpSpPr>
+      <p:grpSpPr>
+        <a:xfrm>
+          <a:off x="0" y="0"/>
+          <a:ext cx="0" cy="0"/>
+          <a:chOff x="0" y="0"/>
+          <a:chExt cx="0" cy="0"/>
+        </a:xfrm>
+      </p:grpSpPr>
       <p:sp>
         <p:nvSpPr>
           <p:cNvPr id="2" name="Titolo 1">
@@ -20988,8 +21599,8 @@
         </p:blipFill>
         <p:spPr>
           <a:xfrm>
-            <a:off x="826874" y="3939069"/>
-            <a:ext cx="4810796" cy="2553056"/>
+            <a:off x="439078" y="3788661"/>
+            <a:ext cx="5783643" cy="3069339"/>
           </a:xfrm>
           <a:prstGeom prst="rect">
             <a:avLst/>
@@ -21009,7 +21620,505 @@
 </p:sld>
 </file>
 
-<file path=ppt/slides/slide12.xml><?xml version="1.0" encoding="utf-8"?>
+<file path=ppt/slides/slide16.xml><?xml version="1.0" encoding="utf-8"?>
+<p:sld xmlns:a="http://schemas.openxmlformats.org/drawingml/2006/main" xmlns:r="http://schemas.openxmlformats.org/officeDocument/2006/relationships" xmlns:p="http://schemas.openxmlformats.org/presentationml/2006/main">
+  <p:cSld>
+    <p:spTree>
+      <p:nvGrpSpPr>
+        <p:cNvPr id="1" name=""/>
+        <p:cNvGrpSpPr/>
+        <p:nvPr/>
+      </p:nvGrpSpPr>
+      <p:grpSpPr>
+        <a:xfrm>
+          <a:off x="0" y="0"/>
+          <a:ext cx="0" cy="0"/>
+          <a:chOff x="0" y="0"/>
+          <a:chExt cx="0" cy="0"/>
+        </a:xfrm>
+      </p:grpSpPr>
+      <p:sp>
+        <p:nvSpPr>
+          <p:cNvPr id="2" name="Titolo 1">
+            <a:extLst>
+              <a:ext uri="{FF2B5EF4-FFF2-40B4-BE49-F238E27FC236}">
+                <a16:creationId xmlns:a16="http://schemas.microsoft.com/office/drawing/2014/main" id="{DDAF4B40-DEED-4EEA-A84C-2B32AC9E954B}"/>
+              </a:ext>
+            </a:extLst>
+          </p:cNvPr>
+          <p:cNvSpPr>
+            <a:spLocks noGrp="1"/>
+          </p:cNvSpPr>
+          <p:nvPr>
+            <p:ph type="title"/>
+          </p:nvPr>
+        </p:nvSpPr>
+        <p:spPr>
+          <a:xfrm>
+            <a:off x="1024128" y="585216"/>
+            <a:ext cx="5241205" cy="1499616"/>
+          </a:xfrm>
+        </p:spPr>
+        <p:txBody>
+          <a:bodyPr>
+            <a:noAutofit/>
+          </a:bodyPr>
+          <a:lstStyle/>
+          <a:p>
+            <a:r>
+              <a:rPr lang="it-IT" sz="3200" dirty="0"/>
+              <a:t>Compilation </a:t>
+            </a:r>
+            <a:endParaRPr lang="it-IT" sz="2800" dirty="0"/>
+          </a:p>
+        </p:txBody>
+      </p:sp>
+      <p:pic>
+        <p:nvPicPr>
+          <p:cNvPr id="7" name="Immagine 6">
+            <a:extLst>
+              <a:ext uri="{FF2B5EF4-FFF2-40B4-BE49-F238E27FC236}">
+                <a16:creationId xmlns:a16="http://schemas.microsoft.com/office/drawing/2014/main" id="{03312DC6-B335-4C36-929B-7BA0AED3496E}"/>
+              </a:ext>
+            </a:extLst>
+          </p:cNvPr>
+          <p:cNvPicPr>
+            <a:picLocks noChangeAspect="1"/>
+          </p:cNvPicPr>
+          <p:nvPr/>
+        </p:nvPicPr>
+        <p:blipFill>
+          <a:blip r:embed="rId2"/>
+          <a:stretch>
+            <a:fillRect/>
+          </a:stretch>
+        </p:blipFill>
+        <p:spPr>
+          <a:xfrm>
+            <a:off x="1024128" y="1901482"/>
+            <a:ext cx="6921994" cy="1527518"/>
+          </a:xfrm>
+          <a:prstGeom prst="rect">
+            <a:avLst/>
+          </a:prstGeom>
+        </p:spPr>
+      </p:pic>
+      <p:pic>
+        <p:nvPicPr>
+          <p:cNvPr id="8" name="Immagine 7">
+            <a:extLst>
+              <a:ext uri="{FF2B5EF4-FFF2-40B4-BE49-F238E27FC236}">
+                <a16:creationId xmlns:a16="http://schemas.microsoft.com/office/drawing/2014/main" id="{9A5FB0D8-B773-471C-A146-8AB4FFD75B66}"/>
+              </a:ext>
+            </a:extLst>
+          </p:cNvPr>
+          <p:cNvPicPr>
+            <a:picLocks noChangeAspect="1"/>
+          </p:cNvPicPr>
+          <p:nvPr/>
+        </p:nvPicPr>
+        <p:blipFill>
+          <a:blip r:embed="rId3"/>
+          <a:stretch>
+            <a:fillRect/>
+          </a:stretch>
+        </p:blipFill>
+        <p:spPr>
+          <a:xfrm>
+            <a:off x="1471751" y="3583744"/>
+            <a:ext cx="6505043" cy="3024978"/>
+          </a:xfrm>
+          <a:prstGeom prst="rect">
+            <a:avLst/>
+          </a:prstGeom>
+        </p:spPr>
+      </p:pic>
+      <p:pic>
+        <p:nvPicPr>
+          <p:cNvPr id="9" name="Immagine 8">
+            <a:extLst>
+              <a:ext uri="{FF2B5EF4-FFF2-40B4-BE49-F238E27FC236}">
+                <a16:creationId xmlns:a16="http://schemas.microsoft.com/office/drawing/2014/main" id="{A010A80D-FAF4-4548-8A44-C5DE58421E17}"/>
+              </a:ext>
+            </a:extLst>
+          </p:cNvPr>
+          <p:cNvPicPr>
+            <a:picLocks noChangeAspect="1"/>
+          </p:cNvPicPr>
+          <p:nvPr/>
+        </p:nvPicPr>
+        <p:blipFill>
+          <a:blip r:embed="rId4"/>
+          <a:stretch>
+            <a:fillRect/>
+          </a:stretch>
+        </p:blipFill>
+        <p:spPr>
+          <a:xfrm>
+            <a:off x="8231278" y="1874447"/>
+            <a:ext cx="3135418" cy="420770"/>
+          </a:xfrm>
+          <a:prstGeom prst="rect">
+            <a:avLst/>
+          </a:prstGeom>
+        </p:spPr>
+      </p:pic>
+    </p:spTree>
+    <p:extLst>
+      <p:ext uri="{BB962C8B-B14F-4D97-AF65-F5344CB8AC3E}">
+        <p14:creationId xmlns:p14="http://schemas.microsoft.com/office/powerpoint/2010/main" val="2209643865"/>
+      </p:ext>
+    </p:extLst>
+  </p:cSld>
+  <p:clrMapOvr>
+    <a:masterClrMapping/>
+  </p:clrMapOvr>
+</p:sld>
+</file>
+
+<file path=ppt/slides/slide17.xml><?xml version="1.0" encoding="utf-8"?>
+<p:sld xmlns:a="http://schemas.openxmlformats.org/drawingml/2006/main" xmlns:r="http://schemas.openxmlformats.org/officeDocument/2006/relationships" xmlns:p="http://schemas.openxmlformats.org/presentationml/2006/main">
+  <p:cSld>
+    <p:spTree>
+      <p:nvGrpSpPr>
+        <p:cNvPr id="1" name=""/>
+        <p:cNvGrpSpPr/>
+        <p:nvPr/>
+      </p:nvGrpSpPr>
+      <p:grpSpPr>
+        <a:xfrm>
+          <a:off x="0" y="0"/>
+          <a:ext cx="0" cy="0"/>
+          <a:chOff x="0" y="0"/>
+          <a:chExt cx="0" cy="0"/>
+        </a:xfrm>
+      </p:grpSpPr>
+      <p:sp>
+        <p:nvSpPr>
+          <p:cNvPr id="2" name="Titolo 1">
+            <a:extLst>
+              <a:ext uri="{FF2B5EF4-FFF2-40B4-BE49-F238E27FC236}">
+                <a16:creationId xmlns:a16="http://schemas.microsoft.com/office/drawing/2014/main" id="{DDAF4B40-DEED-4EEA-A84C-2B32AC9E954B}"/>
+              </a:ext>
+            </a:extLst>
+          </p:cNvPr>
+          <p:cNvSpPr>
+            <a:spLocks noGrp="1"/>
+          </p:cNvSpPr>
+          <p:nvPr>
+            <p:ph type="title"/>
+          </p:nvPr>
+        </p:nvSpPr>
+        <p:spPr>
+          <a:xfrm>
+            <a:off x="1024128" y="585216"/>
+            <a:ext cx="5241205" cy="1499616"/>
+          </a:xfrm>
+        </p:spPr>
+        <p:txBody>
+          <a:bodyPr>
+            <a:noAutofit/>
+          </a:bodyPr>
+          <a:lstStyle/>
+          <a:p>
+            <a:r>
+              <a:rPr lang="it-IT" sz="3200" dirty="0"/>
+              <a:t>Build systems </a:t>
+            </a:r>
+            <a:endParaRPr lang="it-IT" sz="2800" dirty="0"/>
+          </a:p>
+        </p:txBody>
+      </p:sp>
+      <p:pic>
+        <p:nvPicPr>
+          <p:cNvPr id="3" name="Immagine 2">
+            <a:extLst>
+              <a:ext uri="{FF2B5EF4-FFF2-40B4-BE49-F238E27FC236}">
+                <a16:creationId xmlns:a16="http://schemas.microsoft.com/office/drawing/2014/main" id="{956CF584-4CB1-476C-86E7-A876D90281B7}"/>
+              </a:ext>
+            </a:extLst>
+          </p:cNvPr>
+          <p:cNvPicPr>
+            <a:picLocks noChangeAspect="1"/>
+          </p:cNvPicPr>
+          <p:nvPr/>
+        </p:nvPicPr>
+        <p:blipFill>
+          <a:blip r:embed="rId2"/>
+          <a:stretch>
+            <a:fillRect/>
+          </a:stretch>
+        </p:blipFill>
+        <p:spPr>
+          <a:xfrm>
+            <a:off x="740766" y="1889937"/>
+            <a:ext cx="6391553" cy="4663467"/>
+          </a:xfrm>
+          <a:prstGeom prst="rect">
+            <a:avLst/>
+          </a:prstGeom>
+        </p:spPr>
+      </p:pic>
+      <p:pic>
+        <p:nvPicPr>
+          <p:cNvPr id="4" name="Immagine 3">
+            <a:extLst>
+              <a:ext uri="{FF2B5EF4-FFF2-40B4-BE49-F238E27FC236}">
+                <a16:creationId xmlns:a16="http://schemas.microsoft.com/office/drawing/2014/main" id="{F82FE8CF-D5E3-4682-9445-B8344C3F6C40}"/>
+              </a:ext>
+            </a:extLst>
+          </p:cNvPr>
+          <p:cNvPicPr>
+            <a:picLocks noChangeAspect="1"/>
+          </p:cNvPicPr>
+          <p:nvPr/>
+        </p:nvPicPr>
+        <p:blipFill>
+          <a:blip r:embed="rId3"/>
+          <a:stretch>
+            <a:fillRect/>
+          </a:stretch>
+        </p:blipFill>
+        <p:spPr>
+          <a:xfrm>
+            <a:off x="6842012" y="1267529"/>
+            <a:ext cx="3512035" cy="429648"/>
+          </a:xfrm>
+          <a:prstGeom prst="rect">
+            <a:avLst/>
+          </a:prstGeom>
+        </p:spPr>
+      </p:pic>
+      <p:pic>
+        <p:nvPicPr>
+          <p:cNvPr id="5" name="Immagine 4">
+            <a:extLst>
+              <a:ext uri="{FF2B5EF4-FFF2-40B4-BE49-F238E27FC236}">
+                <a16:creationId xmlns:a16="http://schemas.microsoft.com/office/drawing/2014/main" id="{7FD76121-B2CE-4DC4-8562-244278F9E1B1}"/>
+              </a:ext>
+            </a:extLst>
+          </p:cNvPr>
+          <p:cNvPicPr>
+            <a:picLocks noChangeAspect="1"/>
+          </p:cNvPicPr>
+          <p:nvPr/>
+        </p:nvPicPr>
+        <p:blipFill>
+          <a:blip r:embed="rId4"/>
+          <a:stretch>
+            <a:fillRect/>
+          </a:stretch>
+        </p:blipFill>
+        <p:spPr>
+          <a:xfrm>
+            <a:off x="6988640" y="1816081"/>
+            <a:ext cx="5029269" cy="533223"/>
+          </a:xfrm>
+          <a:prstGeom prst="rect">
+            <a:avLst/>
+          </a:prstGeom>
+        </p:spPr>
+      </p:pic>
+      <p:pic>
+        <p:nvPicPr>
+          <p:cNvPr id="6" name="Immagine 5">
+            <a:extLst>
+              <a:ext uri="{FF2B5EF4-FFF2-40B4-BE49-F238E27FC236}">
+                <a16:creationId xmlns:a16="http://schemas.microsoft.com/office/drawing/2014/main" id="{AFFC1015-6B50-423F-ADB2-A1025A105A8E}"/>
+              </a:ext>
+            </a:extLst>
+          </p:cNvPr>
+          <p:cNvPicPr>
+            <a:picLocks noChangeAspect="1"/>
+          </p:cNvPicPr>
+          <p:nvPr/>
+        </p:nvPicPr>
+        <p:blipFill>
+          <a:blip r:embed="rId5"/>
+          <a:stretch>
+            <a:fillRect/>
+          </a:stretch>
+        </p:blipFill>
+        <p:spPr>
+          <a:xfrm>
+            <a:off x="6995411" y="2409683"/>
+            <a:ext cx="4559059" cy="533223"/>
+          </a:xfrm>
+          <a:prstGeom prst="rect">
+            <a:avLst/>
+          </a:prstGeom>
+        </p:spPr>
+      </p:pic>
+    </p:spTree>
+    <p:extLst>
+      <p:ext uri="{BB962C8B-B14F-4D97-AF65-F5344CB8AC3E}">
+        <p14:creationId xmlns:p14="http://schemas.microsoft.com/office/powerpoint/2010/main" val="3054292079"/>
+      </p:ext>
+    </p:extLst>
+  </p:cSld>
+  <p:clrMapOvr>
+    <a:masterClrMapping/>
+  </p:clrMapOvr>
+</p:sld>
+</file>
+
+<file path=ppt/slides/slide18.xml><?xml version="1.0" encoding="utf-8"?>
+<p:sld xmlns:a="http://schemas.openxmlformats.org/drawingml/2006/main" xmlns:r="http://schemas.openxmlformats.org/officeDocument/2006/relationships" xmlns:p="http://schemas.openxmlformats.org/presentationml/2006/main">
+  <p:cSld>
+    <p:spTree>
+      <p:nvGrpSpPr>
+        <p:cNvPr id="1" name=""/>
+        <p:cNvGrpSpPr/>
+        <p:nvPr/>
+      </p:nvGrpSpPr>
+      <p:grpSpPr>
+        <a:xfrm>
+          <a:off x="0" y="0"/>
+          <a:ext cx="0" cy="0"/>
+          <a:chOff x="0" y="0"/>
+          <a:chExt cx="0" cy="0"/>
+        </a:xfrm>
+      </p:grpSpPr>
+      <p:sp>
+        <p:nvSpPr>
+          <p:cNvPr id="2" name="Titolo 1">
+            <a:extLst>
+              <a:ext uri="{FF2B5EF4-FFF2-40B4-BE49-F238E27FC236}">
+                <a16:creationId xmlns:a16="http://schemas.microsoft.com/office/drawing/2014/main" id="{DDAF4B40-DEED-4EEA-A84C-2B32AC9E954B}"/>
+              </a:ext>
+            </a:extLst>
+          </p:cNvPr>
+          <p:cNvSpPr>
+            <a:spLocks noGrp="1"/>
+          </p:cNvSpPr>
+          <p:nvPr>
+            <p:ph type="title"/>
+          </p:nvPr>
+        </p:nvSpPr>
+        <p:spPr>
+          <a:xfrm>
+            <a:off x="1024128" y="585216"/>
+            <a:ext cx="5241205" cy="1499616"/>
+          </a:xfrm>
+        </p:spPr>
+        <p:txBody>
+          <a:bodyPr>
+            <a:noAutofit/>
+          </a:bodyPr>
+          <a:lstStyle/>
+          <a:p>
+            <a:r>
+              <a:rPr lang="it-IT" sz="3200" dirty="0"/>
+              <a:t>Just in time compilation</a:t>
+            </a:r>
+            <a:endParaRPr lang="it-IT" sz="2800" dirty="0"/>
+          </a:p>
+        </p:txBody>
+      </p:sp>
+      <p:pic>
+        <p:nvPicPr>
+          <p:cNvPr id="7" name="Immagine 6">
+            <a:extLst>
+              <a:ext uri="{FF2B5EF4-FFF2-40B4-BE49-F238E27FC236}">
+                <a16:creationId xmlns:a16="http://schemas.microsoft.com/office/drawing/2014/main" id="{B8C4607A-6E6F-4844-A2C4-728EC6AF4EA3}"/>
+              </a:ext>
+            </a:extLst>
+          </p:cNvPr>
+          <p:cNvPicPr>
+            <a:picLocks noChangeAspect="1"/>
+          </p:cNvPicPr>
+          <p:nvPr/>
+        </p:nvPicPr>
+        <p:blipFill>
+          <a:blip r:embed="rId2"/>
+          <a:stretch>
+            <a:fillRect/>
+          </a:stretch>
+        </p:blipFill>
+        <p:spPr>
+          <a:xfrm>
+            <a:off x="652249" y="2084832"/>
+            <a:ext cx="7170405" cy="3002332"/>
+          </a:xfrm>
+          <a:prstGeom prst="rect">
+            <a:avLst/>
+          </a:prstGeom>
+        </p:spPr>
+      </p:pic>
+      <p:pic>
+        <p:nvPicPr>
+          <p:cNvPr id="8" name="Immagine 7">
+            <a:extLst>
+              <a:ext uri="{FF2B5EF4-FFF2-40B4-BE49-F238E27FC236}">
+                <a16:creationId xmlns:a16="http://schemas.microsoft.com/office/drawing/2014/main" id="{0635BD0E-5CA8-4F07-B9E1-C3F4AC0390D0}"/>
+              </a:ext>
+            </a:extLst>
+          </p:cNvPr>
+          <p:cNvPicPr>
+            <a:picLocks noChangeAspect="1"/>
+          </p:cNvPicPr>
+          <p:nvPr/>
+        </p:nvPicPr>
+        <p:blipFill>
+          <a:blip r:embed="rId3"/>
+          <a:stretch>
+            <a:fillRect/>
+          </a:stretch>
+        </p:blipFill>
+        <p:spPr>
+          <a:xfrm>
+            <a:off x="7822654" y="156331"/>
+            <a:ext cx="4241577" cy="2357387"/>
+          </a:xfrm>
+          <a:prstGeom prst="rect">
+            <a:avLst/>
+          </a:prstGeom>
+        </p:spPr>
+      </p:pic>
+      <p:pic>
+        <p:nvPicPr>
+          <p:cNvPr id="9" name="Immagine 8">
+            <a:extLst>
+              <a:ext uri="{FF2B5EF4-FFF2-40B4-BE49-F238E27FC236}">
+                <a16:creationId xmlns:a16="http://schemas.microsoft.com/office/drawing/2014/main" id="{5389D874-A1D0-40F0-9F16-55A845E03301}"/>
+              </a:ext>
+            </a:extLst>
+          </p:cNvPr>
+          <p:cNvPicPr>
+            <a:picLocks noChangeAspect="1"/>
+          </p:cNvPicPr>
+          <p:nvPr/>
+        </p:nvPicPr>
+        <p:blipFill>
+          <a:blip r:embed="rId4"/>
+          <a:stretch>
+            <a:fillRect/>
+          </a:stretch>
+        </p:blipFill>
+        <p:spPr>
+          <a:xfrm>
+            <a:off x="652249" y="5110962"/>
+            <a:ext cx="7031661" cy="1373627"/>
+          </a:xfrm>
+          <a:prstGeom prst="rect">
+            <a:avLst/>
+          </a:prstGeom>
+        </p:spPr>
+      </p:pic>
+    </p:spTree>
+    <p:extLst>
+      <p:ext uri="{BB962C8B-B14F-4D97-AF65-F5344CB8AC3E}">
+        <p14:creationId xmlns:p14="http://schemas.microsoft.com/office/powerpoint/2010/main" val="2728422932"/>
+      </p:ext>
+    </p:extLst>
+  </p:cSld>
+  <p:clrMapOvr>
+    <a:masterClrMapping/>
+  </p:clrMapOvr>
+</p:sld>
+</file>
+
+<file path=ppt/slides/slide19.xml><?xml version="1.0" encoding="utf-8"?>
 <p:sld xmlns:a="http://schemas.openxmlformats.org/drawingml/2006/main" xmlns:r="http://schemas.openxmlformats.org/officeDocument/2006/relationships" xmlns:p="http://schemas.openxmlformats.org/presentationml/2006/main">
   <p:cSld>
     <p:spTree>
@@ -21110,7 +22219,131 @@
 </p:sld>
 </file>
 
-<file path=ppt/slides/slide13.xml><?xml version="1.0" encoding="utf-8"?>
+<file path=ppt/slides/slide2.xml><?xml version="1.0" encoding="utf-8"?>
+<p:sld xmlns:a="http://schemas.openxmlformats.org/drawingml/2006/main" xmlns:r="http://schemas.openxmlformats.org/officeDocument/2006/relationships" xmlns:p="http://schemas.openxmlformats.org/presentationml/2006/main">
+  <p:cSld>
+    <p:bg>
+      <p:bgPr>
+        <a:solidFill>
+          <a:schemeClr val="bg1"/>
+        </a:solidFill>
+        <a:effectLst/>
+      </p:bgPr>
+    </p:bg>
+    <p:spTree>
+      <p:nvGrpSpPr>
+        <p:cNvPr id="1" name=""/>
+        <p:cNvGrpSpPr/>
+        <p:nvPr/>
+      </p:nvGrpSpPr>
+      <p:grpSpPr>
+        <a:xfrm>
+          <a:off x="0" y="0"/>
+          <a:ext cx="0" cy="0"/>
+          <a:chOff x="0" y="0"/>
+          <a:chExt cx="0" cy="0"/>
+        </a:xfrm>
+      </p:grpSpPr>
+      <p:sp>
+        <p:nvSpPr>
+          <p:cNvPr id="2" name="Titolo 1">
+            <a:extLst>
+              <a:ext uri="{FF2B5EF4-FFF2-40B4-BE49-F238E27FC236}">
+                <a16:creationId xmlns:a16="http://schemas.microsoft.com/office/drawing/2014/main" id="{CF005B2C-BBAD-4A4C-AF85-17B3960772FF}"/>
+              </a:ext>
+            </a:extLst>
+          </p:cNvPr>
+          <p:cNvSpPr>
+            <a:spLocks noGrp="1"/>
+          </p:cNvSpPr>
+          <p:nvPr>
+            <p:ph type="title"/>
+          </p:nvPr>
+        </p:nvSpPr>
+        <p:spPr>
+          <a:xfrm>
+            <a:off x="640080" y="2074363"/>
+            <a:ext cx="2752354" cy="2709275"/>
+          </a:xfrm>
+          <a:prstGeom prst="ellipse">
+            <a:avLst/>
+          </a:prstGeom>
+          <a:solidFill>
+            <a:srgbClr val="262626"/>
+          </a:solidFill>
+          <a:ln w="174625" cmpd="thinThick">
+            <a:solidFill>
+              <a:srgbClr val="262626"/>
+            </a:solidFill>
+          </a:ln>
+        </p:spPr>
+        <p:txBody>
+          <a:bodyPr vert="horz" lIns="91440" tIns="45720" rIns="91440" bIns="45720" rtlCol="0" anchor="ctr">
+            <a:normAutofit/>
+          </a:bodyPr>
+          <a:lstStyle/>
+          <a:p>
+            <a:pPr algn="ctr"/>
+            <a:r>
+              <a:rPr lang="en-US" sz="2600" kern="1200">
+                <a:solidFill>
+                  <a:srgbClr val="FFFFFF"/>
+                </a:solidFill>
+                <a:latin typeface="+mj-lt"/>
+                <a:ea typeface="+mj-ea"/>
+                <a:cs typeface="+mj-cs"/>
+              </a:rPr>
+              <a:t>Author</a:t>
+            </a:r>
+          </a:p>
+        </p:txBody>
+      </p:sp>
+      <p:pic>
+        <p:nvPicPr>
+          <p:cNvPr id="4" name="Segnaposto contenuto 3" descr="Immagine che contiene testo&#10;&#10;Descrizione generata automaticamente">
+            <a:extLst>
+              <a:ext uri="{FF2B5EF4-FFF2-40B4-BE49-F238E27FC236}">
+                <a16:creationId xmlns:a16="http://schemas.microsoft.com/office/drawing/2014/main" id="{830357CC-82CE-4A0F-822C-79BB1188CA34}"/>
+              </a:ext>
+            </a:extLst>
+          </p:cNvPr>
+          <p:cNvPicPr>
+            <a:picLocks noGrp="1" noChangeAspect="1"/>
+          </p:cNvPicPr>
+          <p:nvPr>
+            <p:ph idx="1"/>
+          </p:nvPr>
+        </p:nvPicPr>
+        <p:blipFill>
+          <a:blip r:embed="rId2"/>
+          <a:stretch>
+            <a:fillRect/>
+          </a:stretch>
+        </p:blipFill>
+        <p:spPr>
+          <a:xfrm>
+            <a:off x="4038600" y="1513448"/>
+            <a:ext cx="7188199" cy="3827715"/>
+          </a:xfrm>
+          <a:prstGeom prst="rect">
+            <a:avLst/>
+          </a:prstGeom>
+        </p:spPr>
+      </p:pic>
+    </p:spTree>
+    <p:extLst>
+      <p:ext uri="{BB962C8B-B14F-4D97-AF65-F5344CB8AC3E}">
+        <p14:creationId xmlns:p14="http://schemas.microsoft.com/office/powerpoint/2010/main" val="3809506033"/>
+      </p:ext>
+    </p:extLst>
+  </p:cSld>
+  <p:clrMapOvr>
+    <a:masterClrMapping/>
+  </p:clrMapOvr>
+</p:sld>
+</file>
+
+<file path=ppt/slides/slide20.xml><?xml version="1.0" encoding="utf-8"?>
 <p:sld xmlns:a="http://schemas.openxmlformats.org/drawingml/2006/main" xmlns:r="http://schemas.openxmlformats.org/officeDocument/2006/relationships" xmlns:p="http://schemas.openxmlformats.org/presentationml/2006/main">
   <p:cSld>
     <p:spTree>
@@ -21298,36 +22531,6 @@
           </a:prstGeom>
         </p:spPr>
       </p:pic>
-      <p:pic>
-        <p:nvPicPr>
-          <p:cNvPr id="8" name="Picture 7">
-            <a:extLst>
-              <a:ext uri="{FF2B5EF4-FFF2-40B4-BE49-F238E27FC236}">
-                <a16:creationId xmlns:a16="http://schemas.microsoft.com/office/drawing/2014/main" id="{AB35A060-6B10-4E5C-8938-C69F98910386}"/>
-              </a:ext>
-            </a:extLst>
-          </p:cNvPr>
-          <p:cNvPicPr>
-            <a:picLocks noChangeAspect="1"/>
-          </p:cNvPicPr>
-          <p:nvPr/>
-        </p:nvPicPr>
-        <p:blipFill>
-          <a:blip r:embed="rId5"/>
-          <a:stretch>
-            <a:fillRect/>
-          </a:stretch>
-        </p:blipFill>
-        <p:spPr>
-          <a:xfrm>
-            <a:off x="5245362" y="2595870"/>
-            <a:ext cx="5344271" cy="1971950"/>
-          </a:xfrm>
-          <a:prstGeom prst="rect">
-            <a:avLst/>
-          </a:prstGeom>
-        </p:spPr>
-      </p:pic>
     </p:spTree>
     <p:extLst>
       <p:ext uri="{BB962C8B-B14F-4D97-AF65-F5344CB8AC3E}">
@@ -21341,7 +22544,7 @@
 </p:sld>
 </file>
 
-<file path=ppt/slides/slide14.xml><?xml version="1.0" encoding="utf-8"?>
+<file path=ppt/slides/slide21.xml><?xml version="1.0" encoding="utf-8"?>
 <p:sld xmlns:a="http://schemas.openxmlformats.org/drawingml/2006/main" xmlns:r="http://schemas.openxmlformats.org/officeDocument/2006/relationships" xmlns:p="http://schemas.openxmlformats.org/presentationml/2006/main">
   <p:cSld>
     <p:spTree>
@@ -21420,8 +22623,8 @@
         </p:blipFill>
         <p:spPr>
           <a:xfrm>
-            <a:off x="1365819" y="3257706"/>
-            <a:ext cx="3258005" cy="1267002"/>
+            <a:off x="451420" y="2399576"/>
+            <a:ext cx="6305670" cy="2452205"/>
           </a:xfrm>
           <a:prstGeom prst="rect">
             <a:avLst/>
@@ -21450,8 +22653,8 @@
         </p:blipFill>
         <p:spPr>
           <a:xfrm>
-            <a:off x="5743265" y="3257706"/>
-            <a:ext cx="2981741" cy="1667108"/>
+            <a:off x="6999570" y="2399576"/>
+            <a:ext cx="4741010" cy="2650725"/>
           </a:xfrm>
           <a:prstGeom prst="rect">
             <a:avLst/>
@@ -21471,7 +22674,125 @@
 </p:sld>
 </file>
 
-<file path=ppt/slides/slide15.xml><?xml version="1.0" encoding="utf-8"?>
+<file path=ppt/slides/slide22.xml><?xml version="1.0" encoding="utf-8"?>
+<p:sld xmlns:a="http://schemas.openxmlformats.org/drawingml/2006/main" xmlns:r="http://schemas.openxmlformats.org/officeDocument/2006/relationships" xmlns:p="http://schemas.openxmlformats.org/presentationml/2006/main">
+  <p:cSld>
+    <p:spTree>
+      <p:nvGrpSpPr>
+        <p:cNvPr id="1" name=""/>
+        <p:cNvGrpSpPr/>
+        <p:nvPr/>
+      </p:nvGrpSpPr>
+      <p:grpSpPr>
+        <a:xfrm>
+          <a:off x="0" y="0"/>
+          <a:ext cx="0" cy="0"/>
+          <a:chOff x="0" y="0"/>
+          <a:chExt cx="0" cy="0"/>
+        </a:xfrm>
+      </p:grpSpPr>
+      <p:sp>
+        <p:nvSpPr>
+          <p:cNvPr id="2" name="Titolo 1">
+            <a:extLst>
+              <a:ext uri="{FF2B5EF4-FFF2-40B4-BE49-F238E27FC236}">
+                <a16:creationId xmlns:a16="http://schemas.microsoft.com/office/drawing/2014/main" id="{DA4B4FC6-91FF-4DBC-8724-5AA614FA3AF0}"/>
+              </a:ext>
+            </a:extLst>
+          </p:cNvPr>
+          <p:cNvSpPr>
+            <a:spLocks noGrp="1"/>
+          </p:cNvSpPr>
+          <p:nvPr>
+            <p:ph type="title"/>
+          </p:nvPr>
+        </p:nvSpPr>
+        <p:spPr/>
+        <p:txBody>
+          <a:bodyPr/>
+          <a:lstStyle/>
+          <a:p>
+            <a:r>
+              <a:rPr lang="it-IT" dirty="0"/>
+              <a:t>TOOLS</a:t>
+            </a:r>
+          </a:p>
+        </p:txBody>
+      </p:sp>
+      <p:pic>
+        <p:nvPicPr>
+          <p:cNvPr id="4" name="Immagine 3">
+            <a:extLst>
+              <a:ext uri="{FF2B5EF4-FFF2-40B4-BE49-F238E27FC236}">
+                <a16:creationId xmlns:a16="http://schemas.microsoft.com/office/drawing/2014/main" id="{27DF2E8C-1DBC-4D17-A038-D20697ABCA8A}"/>
+              </a:ext>
+            </a:extLst>
+          </p:cNvPr>
+          <p:cNvPicPr>
+            <a:picLocks noChangeAspect="1"/>
+          </p:cNvPicPr>
+          <p:nvPr/>
+        </p:nvPicPr>
+        <p:blipFill>
+          <a:blip r:embed="rId2"/>
+          <a:stretch>
+            <a:fillRect/>
+          </a:stretch>
+        </p:blipFill>
+        <p:spPr>
+          <a:xfrm>
+            <a:off x="4538422" y="691997"/>
+            <a:ext cx="7495823" cy="1741714"/>
+          </a:xfrm>
+          <a:prstGeom prst="rect">
+            <a:avLst/>
+          </a:prstGeom>
+        </p:spPr>
+      </p:pic>
+      <p:pic>
+        <p:nvPicPr>
+          <p:cNvPr id="5" name="Immagine 4">
+            <a:extLst>
+              <a:ext uri="{FF2B5EF4-FFF2-40B4-BE49-F238E27FC236}">
+                <a16:creationId xmlns:a16="http://schemas.microsoft.com/office/drawing/2014/main" id="{189FFE9F-1B1B-4574-A1CA-A2D548597542}"/>
+              </a:ext>
+            </a:extLst>
+          </p:cNvPr>
+          <p:cNvPicPr>
+            <a:picLocks noChangeAspect="1"/>
+          </p:cNvPicPr>
+          <p:nvPr/>
+        </p:nvPicPr>
+        <p:blipFill>
+          <a:blip r:embed="rId3"/>
+          <a:stretch>
+            <a:fillRect/>
+          </a:stretch>
+        </p:blipFill>
+        <p:spPr>
+          <a:xfrm>
+            <a:off x="4654841" y="2191613"/>
+            <a:ext cx="7066032" cy="4518676"/>
+          </a:xfrm>
+          <a:prstGeom prst="rect">
+            <a:avLst/>
+          </a:prstGeom>
+        </p:spPr>
+      </p:pic>
+    </p:spTree>
+    <p:extLst>
+      <p:ext uri="{BB962C8B-B14F-4D97-AF65-F5344CB8AC3E}">
+        <p14:creationId xmlns:p14="http://schemas.microsoft.com/office/powerpoint/2010/main" val="89170027"/>
+      </p:ext>
+    </p:extLst>
+  </p:cSld>
+  <p:clrMapOvr>
+    <a:masterClrMapping/>
+  </p:clrMapOvr>
+</p:sld>
+</file>
+
+<file path=ppt/slides/slide23.xml><?xml version="1.0" encoding="utf-8"?>
 <p:sld xmlns:a="http://schemas.openxmlformats.org/drawingml/2006/main" xmlns:r="http://schemas.openxmlformats.org/officeDocument/2006/relationships" xmlns:p="http://schemas.openxmlformats.org/presentationml/2006/main">
   <p:cSld>
     <p:spTree>
@@ -21548,36 +22869,6 @@
           </a:prstGeom>
         </p:spPr>
       </p:pic>
-      <p:pic>
-        <p:nvPicPr>
-          <p:cNvPr id="5" name="Picture 4">
-            <a:extLst>
-              <a:ext uri="{FF2B5EF4-FFF2-40B4-BE49-F238E27FC236}">
-                <a16:creationId xmlns:a16="http://schemas.microsoft.com/office/drawing/2014/main" id="{7970CA6F-5F39-47B0-BFF7-329CE174032C}"/>
-              </a:ext>
-            </a:extLst>
-          </p:cNvPr>
-          <p:cNvPicPr>
-            <a:picLocks noChangeAspect="1"/>
-          </p:cNvPicPr>
-          <p:nvPr/>
-        </p:nvPicPr>
-        <p:blipFill>
-          <a:blip r:embed="rId3"/>
-          <a:stretch>
-            <a:fillRect/>
-          </a:stretch>
-        </p:blipFill>
-        <p:spPr>
-          <a:xfrm>
-            <a:off x="7170090" y="914098"/>
-            <a:ext cx="4880723" cy="5982527"/>
-          </a:xfrm>
-          <a:prstGeom prst="rect">
-            <a:avLst/>
-          </a:prstGeom>
-        </p:spPr>
-      </p:pic>
       <p:sp>
         <p:nvSpPr>
           <p:cNvPr id="6" name="TextBox 5">
@@ -21592,7 +22883,7 @@
         </p:nvSpPr>
         <p:spPr>
           <a:xfrm>
-            <a:off x="758757" y="2393004"/>
+            <a:off x="1024128" y="54933"/>
             <a:ext cx="5914417" cy="646331"/>
           </a:xfrm>
           <a:prstGeom prst="rect">
@@ -21608,7 +22899,7 @@
           <a:p>
             <a:r>
               <a:rPr lang="it-IT" dirty="0">
-                <a:hlinkClick r:id="rId4"/>
+                <a:hlinkClick r:id="rId3"/>
               </a:rPr>
               <a:t>https://github.com/dotnet/benchmarkdotnet</a:t>
             </a:r>
@@ -21617,7 +22908,7 @@
           <a:p>
             <a:r>
               <a:rPr lang="it-IT" dirty="0">
-                <a:hlinkClick r:id="rId5"/>
+                <a:hlinkClick r:id="rId4"/>
               </a:rPr>
               <a:t>https://benchmarkdotnet.org/</a:t>
             </a:r>
@@ -21640,6 +22931,36 @@
           <p:nvPr/>
         </p:nvPicPr>
         <p:blipFill>
+          <a:blip r:embed="rId5"/>
+          <a:stretch>
+            <a:fillRect/>
+          </a:stretch>
+        </p:blipFill>
+        <p:spPr>
+          <a:xfrm>
+            <a:off x="906016" y="1674768"/>
+            <a:ext cx="7182907" cy="5118853"/>
+          </a:xfrm>
+          <a:prstGeom prst="rect">
+            <a:avLst/>
+          </a:prstGeom>
+        </p:spPr>
+      </p:pic>
+      <p:pic>
+        <p:nvPicPr>
+          <p:cNvPr id="5" name="Picture 4">
+            <a:extLst>
+              <a:ext uri="{FF2B5EF4-FFF2-40B4-BE49-F238E27FC236}">
+                <a16:creationId xmlns:a16="http://schemas.microsoft.com/office/drawing/2014/main" id="{7970CA6F-5F39-47B0-BFF7-329CE174032C}"/>
+              </a:ext>
+            </a:extLst>
+          </p:cNvPr>
+          <p:cNvPicPr>
+            <a:picLocks noChangeAspect="1"/>
+          </p:cNvPicPr>
+          <p:nvPr/>
+        </p:nvPicPr>
+        <p:blipFill>
           <a:blip r:embed="rId6"/>
           <a:stretch>
             <a:fillRect/>
@@ -21647,8 +22968,8 @@
         </p:blipFill>
         <p:spPr>
           <a:xfrm>
-            <a:off x="675955" y="3151762"/>
-            <a:ext cx="4850799" cy="3456891"/>
+            <a:off x="7170090" y="914098"/>
+            <a:ext cx="4880723" cy="5982527"/>
           </a:xfrm>
           <a:prstGeom prst="rect">
             <a:avLst/>
@@ -21668,7 +22989,7 @@
 </p:sld>
 </file>
 
-<file path=ppt/slides/slide16.xml><?xml version="1.0" encoding="utf-8"?>
+<file path=ppt/slides/slide24.xml><?xml version="1.0" encoding="utf-8"?>
 <p:sld xmlns:a="http://schemas.openxmlformats.org/drawingml/2006/main" xmlns:r="http://schemas.openxmlformats.org/officeDocument/2006/relationships" xmlns:p="http://schemas.openxmlformats.org/presentationml/2006/main">
   <p:cSld>
     <p:spTree>
@@ -21773,7 +23094,7 @@
 </p:sld>
 </file>
 
-<file path=ppt/slides/slide17.xml><?xml version="1.0" encoding="utf-8"?>
+<file path=ppt/slides/slide25.xml><?xml version="1.0" encoding="utf-8"?>
 <p:sld xmlns:a="http://schemas.openxmlformats.org/drawingml/2006/main" xmlns:r="http://schemas.openxmlformats.org/officeDocument/2006/relationships" xmlns:p="http://schemas.openxmlformats.org/presentationml/2006/main">
   <p:cSld>
     <p:spTree>
@@ -21901,7 +23222,7 @@
 </p:sld>
 </file>
 
-<file path=ppt/slides/slide18.xml><?xml version="1.0" encoding="utf-8"?>
+<file path=ppt/slides/slide26.xml><?xml version="1.0" encoding="utf-8"?>
 <p:sld xmlns:a="http://schemas.openxmlformats.org/drawingml/2006/main" xmlns:r="http://schemas.openxmlformats.org/officeDocument/2006/relationships" xmlns:p="http://schemas.openxmlformats.org/presentationml/2006/main">
   <p:cSld>
     <p:spTree>
@@ -22006,7 +23327,7 @@
 </p:sld>
 </file>
 
-<file path=ppt/slides/slide19.xml><?xml version="1.0" encoding="utf-8"?>
+<file path=ppt/slides/slide27.xml><?xml version="1.0" encoding="utf-8"?>
 <p:sld xmlns:a="http://schemas.openxmlformats.org/drawingml/2006/main" xmlns:r="http://schemas.openxmlformats.org/officeDocument/2006/relationships" xmlns:p="http://schemas.openxmlformats.org/presentationml/2006/main">
   <p:cSld>
     <p:spTree>
@@ -22111,131 +23432,7 @@
 </p:sld>
 </file>
 
-<file path=ppt/slides/slide2.xml><?xml version="1.0" encoding="utf-8"?>
-<p:sld xmlns:a="http://schemas.openxmlformats.org/drawingml/2006/main" xmlns:r="http://schemas.openxmlformats.org/officeDocument/2006/relationships" xmlns:p="http://schemas.openxmlformats.org/presentationml/2006/main">
-  <p:cSld>
-    <p:bg>
-      <p:bgPr>
-        <a:solidFill>
-          <a:schemeClr val="bg1"/>
-        </a:solidFill>
-        <a:effectLst/>
-      </p:bgPr>
-    </p:bg>
-    <p:spTree>
-      <p:nvGrpSpPr>
-        <p:cNvPr id="1" name=""/>
-        <p:cNvGrpSpPr/>
-        <p:nvPr/>
-      </p:nvGrpSpPr>
-      <p:grpSpPr>
-        <a:xfrm>
-          <a:off x="0" y="0"/>
-          <a:ext cx="0" cy="0"/>
-          <a:chOff x="0" y="0"/>
-          <a:chExt cx="0" cy="0"/>
-        </a:xfrm>
-      </p:grpSpPr>
-      <p:sp>
-        <p:nvSpPr>
-          <p:cNvPr id="2" name="Titolo 1">
-            <a:extLst>
-              <a:ext uri="{FF2B5EF4-FFF2-40B4-BE49-F238E27FC236}">
-                <a16:creationId xmlns:a16="http://schemas.microsoft.com/office/drawing/2014/main" id="{CF005B2C-BBAD-4A4C-AF85-17B3960772FF}"/>
-              </a:ext>
-            </a:extLst>
-          </p:cNvPr>
-          <p:cNvSpPr>
-            <a:spLocks noGrp="1"/>
-          </p:cNvSpPr>
-          <p:nvPr>
-            <p:ph type="title"/>
-          </p:nvPr>
-        </p:nvSpPr>
-        <p:spPr>
-          <a:xfrm>
-            <a:off x="640080" y="2074363"/>
-            <a:ext cx="2752354" cy="2709275"/>
-          </a:xfrm>
-          <a:prstGeom prst="ellipse">
-            <a:avLst/>
-          </a:prstGeom>
-          <a:solidFill>
-            <a:srgbClr val="262626"/>
-          </a:solidFill>
-          <a:ln w="174625" cmpd="thinThick">
-            <a:solidFill>
-              <a:srgbClr val="262626"/>
-            </a:solidFill>
-          </a:ln>
-        </p:spPr>
-        <p:txBody>
-          <a:bodyPr vert="horz" lIns="91440" tIns="45720" rIns="91440" bIns="45720" rtlCol="0" anchor="ctr">
-            <a:normAutofit/>
-          </a:bodyPr>
-          <a:lstStyle/>
-          <a:p>
-            <a:pPr algn="ctr"/>
-            <a:r>
-              <a:rPr lang="en-US" sz="2600" kern="1200">
-                <a:solidFill>
-                  <a:srgbClr val="FFFFFF"/>
-                </a:solidFill>
-                <a:latin typeface="+mj-lt"/>
-                <a:ea typeface="+mj-ea"/>
-                <a:cs typeface="+mj-cs"/>
-              </a:rPr>
-              <a:t>Author</a:t>
-            </a:r>
-          </a:p>
-        </p:txBody>
-      </p:sp>
-      <p:pic>
-        <p:nvPicPr>
-          <p:cNvPr id="4" name="Segnaposto contenuto 3" descr="Immagine che contiene testo&#10;&#10;Descrizione generata automaticamente">
-            <a:extLst>
-              <a:ext uri="{FF2B5EF4-FFF2-40B4-BE49-F238E27FC236}">
-                <a16:creationId xmlns:a16="http://schemas.microsoft.com/office/drawing/2014/main" id="{830357CC-82CE-4A0F-822C-79BB1188CA34}"/>
-              </a:ext>
-            </a:extLst>
-          </p:cNvPr>
-          <p:cNvPicPr>
-            <a:picLocks noGrp="1" noChangeAspect="1"/>
-          </p:cNvPicPr>
-          <p:nvPr>
-            <p:ph idx="1"/>
-          </p:nvPr>
-        </p:nvPicPr>
-        <p:blipFill>
-          <a:blip r:embed="rId2"/>
-          <a:stretch>
-            <a:fillRect/>
-          </a:stretch>
-        </p:blipFill>
-        <p:spPr>
-          <a:xfrm>
-            <a:off x="4038600" y="1513448"/>
-            <a:ext cx="7188199" cy="3827715"/>
-          </a:xfrm>
-          <a:prstGeom prst="rect">
-            <a:avLst/>
-          </a:prstGeom>
-        </p:spPr>
-      </p:pic>
-    </p:spTree>
-    <p:extLst>
-      <p:ext uri="{BB962C8B-B14F-4D97-AF65-F5344CB8AC3E}">
-        <p14:creationId xmlns:p14="http://schemas.microsoft.com/office/powerpoint/2010/main" val="3809506033"/>
-      </p:ext>
-    </p:extLst>
-  </p:cSld>
-  <p:clrMapOvr>
-    <a:masterClrMapping/>
-  </p:clrMapOvr>
-</p:sld>
-</file>
-
-<file path=ppt/slides/slide20.xml><?xml version="1.0" encoding="utf-8"?>
+<file path=ppt/slides/slide28.xml><?xml version="1.0" encoding="utf-8"?>
 <p:sld xmlns:a="http://schemas.openxmlformats.org/drawingml/2006/main" xmlns:r="http://schemas.openxmlformats.org/officeDocument/2006/relationships" xmlns:p="http://schemas.openxmlformats.org/presentationml/2006/main">
   <p:cSld>
     <p:spTree>
@@ -22330,7 +23527,7 @@
 </p:sld>
 </file>
 
-<file path=ppt/slides/slide21.xml><?xml version="1.0" encoding="utf-8"?>
+<file path=ppt/slides/slide29.xml><?xml version="1.0" encoding="utf-8"?>
 <p:sld xmlns:a="http://schemas.openxmlformats.org/drawingml/2006/main" xmlns:r="http://schemas.openxmlformats.org/officeDocument/2006/relationships" xmlns:p="http://schemas.openxmlformats.org/presentationml/2006/main">
   <p:cSld>
     <p:spTree>
@@ -22416,386 +23613,6 @@
     <p:extLst>
       <p:ext uri="{BB962C8B-B14F-4D97-AF65-F5344CB8AC3E}">
         <p14:creationId xmlns:p14="http://schemas.microsoft.com/office/powerpoint/2010/main" val="1545807827"/>
-      </p:ext>
-    </p:extLst>
-  </p:cSld>
-  <p:clrMapOvr>
-    <a:masterClrMapping/>
-  </p:clrMapOvr>
-</p:sld>
-</file>
-
-<file path=ppt/slides/slide22.xml><?xml version="1.0" encoding="utf-8"?>
-<p:sld xmlns:a="http://schemas.openxmlformats.org/drawingml/2006/main" xmlns:r="http://schemas.openxmlformats.org/officeDocument/2006/relationships" xmlns:p="http://schemas.openxmlformats.org/presentationml/2006/main">
-  <p:cSld>
-    <p:spTree>
-      <p:nvGrpSpPr>
-        <p:cNvPr id="1" name=""/>
-        <p:cNvGrpSpPr/>
-        <p:nvPr/>
-      </p:nvGrpSpPr>
-      <p:grpSpPr>
-        <a:xfrm>
-          <a:off x="0" y="0"/>
-          <a:ext cx="0" cy="0"/>
-          <a:chOff x="0" y="0"/>
-          <a:chExt cx="0" cy="0"/>
-        </a:xfrm>
-      </p:grpSpPr>
-      <p:sp>
-        <p:nvSpPr>
-          <p:cNvPr id="2" name="Title 1">
-            <a:extLst>
-              <a:ext uri="{FF2B5EF4-FFF2-40B4-BE49-F238E27FC236}">
-                <a16:creationId xmlns:a16="http://schemas.microsoft.com/office/drawing/2014/main" id="{80300F45-99B7-4E0F-B1B9-6D03A56FC68B}"/>
-              </a:ext>
-            </a:extLst>
-          </p:cNvPr>
-          <p:cNvSpPr>
-            <a:spLocks noGrp="1"/>
-          </p:cNvSpPr>
-          <p:nvPr>
-            <p:ph type="title"/>
-          </p:nvPr>
-        </p:nvSpPr>
-        <p:spPr>
-          <a:xfrm>
-            <a:off x="1024128" y="585216"/>
-            <a:ext cx="7935046" cy="377822"/>
-          </a:xfrm>
-        </p:spPr>
-        <p:txBody>
-          <a:bodyPr>
-            <a:normAutofit fontScale="90000"/>
-          </a:bodyPr>
-          <a:lstStyle/>
-          <a:p>
-            <a:r>
-              <a:rPr lang="it-IT" sz="2800" dirty="0"/>
-              <a:t>Tools - DOTMEMORY</a:t>
-            </a:r>
-          </a:p>
-        </p:txBody>
-      </p:sp>
-      <p:pic>
-        <p:nvPicPr>
-          <p:cNvPr id="4" name="Picture 3">
-            <a:extLst>
-              <a:ext uri="{FF2B5EF4-FFF2-40B4-BE49-F238E27FC236}">
-                <a16:creationId xmlns:a16="http://schemas.microsoft.com/office/drawing/2014/main" id="{7956FD93-BEB9-4A2D-99B8-AE684E487CC5}"/>
-              </a:ext>
-            </a:extLst>
-          </p:cNvPr>
-          <p:cNvPicPr>
-            <a:picLocks noChangeAspect="1"/>
-          </p:cNvPicPr>
-          <p:nvPr/>
-        </p:nvPicPr>
-        <p:blipFill>
-          <a:blip r:embed="rId2"/>
-          <a:stretch>
-            <a:fillRect/>
-          </a:stretch>
-        </p:blipFill>
-        <p:spPr>
-          <a:xfrm>
-            <a:off x="1104089" y="963038"/>
-            <a:ext cx="9983821" cy="5615899"/>
-          </a:xfrm>
-          <a:prstGeom prst="rect">
-            <a:avLst/>
-          </a:prstGeom>
-        </p:spPr>
-      </p:pic>
-    </p:spTree>
-    <p:extLst>
-      <p:ext uri="{BB962C8B-B14F-4D97-AF65-F5344CB8AC3E}">
-        <p14:creationId xmlns:p14="http://schemas.microsoft.com/office/powerpoint/2010/main" val="3977334221"/>
-      </p:ext>
-    </p:extLst>
-  </p:cSld>
-  <p:clrMapOvr>
-    <a:masterClrMapping/>
-  </p:clrMapOvr>
-</p:sld>
-</file>
-
-<file path=ppt/slides/slide23.xml><?xml version="1.0" encoding="utf-8"?>
-<p:sld xmlns:a="http://schemas.openxmlformats.org/drawingml/2006/main" xmlns:r="http://schemas.openxmlformats.org/officeDocument/2006/relationships" xmlns:p="http://schemas.openxmlformats.org/presentationml/2006/main">
-  <p:cSld>
-    <p:spTree>
-      <p:nvGrpSpPr>
-        <p:cNvPr id="1" name=""/>
-        <p:cNvGrpSpPr/>
-        <p:nvPr/>
-      </p:nvGrpSpPr>
-      <p:grpSpPr>
-        <a:xfrm>
-          <a:off x="0" y="0"/>
-          <a:ext cx="0" cy="0"/>
-          <a:chOff x="0" y="0"/>
-          <a:chExt cx="0" cy="0"/>
-        </a:xfrm>
-      </p:grpSpPr>
-      <p:sp>
-        <p:nvSpPr>
-          <p:cNvPr id="2" name="Title 1">
-            <a:extLst>
-              <a:ext uri="{FF2B5EF4-FFF2-40B4-BE49-F238E27FC236}">
-                <a16:creationId xmlns:a16="http://schemas.microsoft.com/office/drawing/2014/main" id="{80300F45-99B7-4E0F-B1B9-6D03A56FC68B}"/>
-              </a:ext>
-            </a:extLst>
-          </p:cNvPr>
-          <p:cNvSpPr>
-            <a:spLocks noGrp="1"/>
-          </p:cNvSpPr>
-          <p:nvPr>
-            <p:ph type="title"/>
-          </p:nvPr>
-        </p:nvSpPr>
-        <p:spPr>
-          <a:xfrm>
-            <a:off x="1024128" y="585216"/>
-            <a:ext cx="7935046" cy="377822"/>
-          </a:xfrm>
-        </p:spPr>
-        <p:txBody>
-          <a:bodyPr>
-            <a:normAutofit fontScale="90000"/>
-          </a:bodyPr>
-          <a:lstStyle/>
-          <a:p>
-            <a:r>
-              <a:rPr lang="it-IT" sz="2800" dirty="0"/>
-              <a:t>Tools - DOTMEMORY</a:t>
-            </a:r>
-          </a:p>
-        </p:txBody>
-      </p:sp>
-      <p:pic>
-        <p:nvPicPr>
-          <p:cNvPr id="5" name="Picture 4">
-            <a:extLst>
-              <a:ext uri="{FF2B5EF4-FFF2-40B4-BE49-F238E27FC236}">
-                <a16:creationId xmlns:a16="http://schemas.microsoft.com/office/drawing/2014/main" id="{0C742C58-E527-484A-A6BE-C2084F3E24AD}"/>
-              </a:ext>
-            </a:extLst>
-          </p:cNvPr>
-          <p:cNvPicPr>
-            <a:picLocks noChangeAspect="1"/>
-          </p:cNvPicPr>
-          <p:nvPr/>
-        </p:nvPicPr>
-        <p:blipFill>
-          <a:blip r:embed="rId2"/>
-          <a:stretch>
-            <a:fillRect/>
-          </a:stretch>
-        </p:blipFill>
-        <p:spPr>
-          <a:xfrm>
-            <a:off x="1024128" y="963038"/>
-            <a:ext cx="10324289" cy="5807413"/>
-          </a:xfrm>
-          <a:prstGeom prst="rect">
-            <a:avLst/>
-          </a:prstGeom>
-        </p:spPr>
-      </p:pic>
-    </p:spTree>
-    <p:extLst>
-      <p:ext uri="{BB962C8B-B14F-4D97-AF65-F5344CB8AC3E}">
-        <p14:creationId xmlns:p14="http://schemas.microsoft.com/office/powerpoint/2010/main" val="2391867433"/>
-      </p:ext>
-    </p:extLst>
-  </p:cSld>
-  <p:clrMapOvr>
-    <a:masterClrMapping/>
-  </p:clrMapOvr>
-</p:sld>
-</file>
-
-<file path=ppt/slides/slide24.xml><?xml version="1.0" encoding="utf-8"?>
-<p:sld xmlns:a="http://schemas.openxmlformats.org/drawingml/2006/main" xmlns:r="http://schemas.openxmlformats.org/officeDocument/2006/relationships" xmlns:p="http://schemas.openxmlformats.org/presentationml/2006/main">
-  <p:cSld>
-    <p:spTree>
-      <p:nvGrpSpPr>
-        <p:cNvPr id="1" name=""/>
-        <p:cNvGrpSpPr/>
-        <p:nvPr/>
-      </p:nvGrpSpPr>
-      <p:grpSpPr>
-        <a:xfrm>
-          <a:off x="0" y="0"/>
-          <a:ext cx="0" cy="0"/>
-          <a:chOff x="0" y="0"/>
-          <a:chExt cx="0" cy="0"/>
-        </a:xfrm>
-      </p:grpSpPr>
-      <p:sp>
-        <p:nvSpPr>
-          <p:cNvPr id="2" name="Title 1">
-            <a:extLst>
-              <a:ext uri="{FF2B5EF4-FFF2-40B4-BE49-F238E27FC236}">
-                <a16:creationId xmlns:a16="http://schemas.microsoft.com/office/drawing/2014/main" id="{80300F45-99B7-4E0F-B1B9-6D03A56FC68B}"/>
-              </a:ext>
-            </a:extLst>
-          </p:cNvPr>
-          <p:cNvSpPr>
-            <a:spLocks noGrp="1"/>
-          </p:cNvSpPr>
-          <p:nvPr>
-            <p:ph type="title"/>
-          </p:nvPr>
-        </p:nvSpPr>
-        <p:spPr>
-          <a:xfrm>
-            <a:off x="1024128" y="585216"/>
-            <a:ext cx="7935046" cy="377822"/>
-          </a:xfrm>
-        </p:spPr>
-        <p:txBody>
-          <a:bodyPr>
-            <a:normAutofit fontScale="90000"/>
-          </a:bodyPr>
-          <a:lstStyle/>
-          <a:p>
-            <a:r>
-              <a:rPr lang="it-IT" sz="2800" dirty="0"/>
-              <a:t>Tools - DOTMEMORY</a:t>
-            </a:r>
-          </a:p>
-        </p:txBody>
-      </p:sp>
-      <p:pic>
-        <p:nvPicPr>
-          <p:cNvPr id="3" name="Picture 2">
-            <a:extLst>
-              <a:ext uri="{FF2B5EF4-FFF2-40B4-BE49-F238E27FC236}">
-                <a16:creationId xmlns:a16="http://schemas.microsoft.com/office/drawing/2014/main" id="{6C4C0593-59AB-49E0-8566-F64498BB09D8}"/>
-              </a:ext>
-            </a:extLst>
-          </p:cNvPr>
-          <p:cNvPicPr>
-            <a:picLocks noChangeAspect="1"/>
-          </p:cNvPicPr>
-          <p:nvPr/>
-        </p:nvPicPr>
-        <p:blipFill>
-          <a:blip r:embed="rId2"/>
-          <a:stretch>
-            <a:fillRect/>
-          </a:stretch>
-        </p:blipFill>
-        <p:spPr>
-          <a:xfrm>
-            <a:off x="1140860" y="977629"/>
-            <a:ext cx="10064884" cy="5661497"/>
-          </a:xfrm>
-          <a:prstGeom prst="rect">
-            <a:avLst/>
-          </a:prstGeom>
-        </p:spPr>
-      </p:pic>
-    </p:spTree>
-    <p:extLst>
-      <p:ext uri="{BB962C8B-B14F-4D97-AF65-F5344CB8AC3E}">
-        <p14:creationId xmlns:p14="http://schemas.microsoft.com/office/powerpoint/2010/main" val="48740897"/>
-      </p:ext>
-    </p:extLst>
-  </p:cSld>
-  <p:clrMapOvr>
-    <a:masterClrMapping/>
-  </p:clrMapOvr>
-</p:sld>
-</file>
-
-<file path=ppt/slides/slide25.xml><?xml version="1.0" encoding="utf-8"?>
-<p:sld xmlns:a="http://schemas.openxmlformats.org/drawingml/2006/main" xmlns:r="http://schemas.openxmlformats.org/officeDocument/2006/relationships" xmlns:p="http://schemas.openxmlformats.org/presentationml/2006/main">
-  <p:cSld>
-    <p:spTree>
-      <p:nvGrpSpPr>
-        <p:cNvPr id="1" name=""/>
-        <p:cNvGrpSpPr/>
-        <p:nvPr/>
-      </p:nvGrpSpPr>
-      <p:grpSpPr>
-        <a:xfrm>
-          <a:off x="0" y="0"/>
-          <a:ext cx="0" cy="0"/>
-          <a:chOff x="0" y="0"/>
-          <a:chExt cx="0" cy="0"/>
-        </a:xfrm>
-      </p:grpSpPr>
-      <p:sp>
-        <p:nvSpPr>
-          <p:cNvPr id="2" name="Title 1">
-            <a:extLst>
-              <a:ext uri="{FF2B5EF4-FFF2-40B4-BE49-F238E27FC236}">
-                <a16:creationId xmlns:a16="http://schemas.microsoft.com/office/drawing/2014/main" id="{80300F45-99B7-4E0F-B1B9-6D03A56FC68B}"/>
-              </a:ext>
-            </a:extLst>
-          </p:cNvPr>
-          <p:cNvSpPr>
-            <a:spLocks noGrp="1"/>
-          </p:cNvSpPr>
-          <p:nvPr>
-            <p:ph type="title"/>
-          </p:nvPr>
-        </p:nvSpPr>
-        <p:spPr>
-          <a:xfrm>
-            <a:off x="1024128" y="585216"/>
-            <a:ext cx="7935046" cy="377822"/>
-          </a:xfrm>
-        </p:spPr>
-        <p:txBody>
-          <a:bodyPr>
-            <a:normAutofit fontScale="90000"/>
-          </a:bodyPr>
-          <a:lstStyle/>
-          <a:p>
-            <a:r>
-              <a:rPr lang="it-IT" sz="2800" dirty="0"/>
-              <a:t>Tools - VMMAP</a:t>
-            </a:r>
-          </a:p>
-        </p:txBody>
-      </p:sp>
-      <p:pic>
-        <p:nvPicPr>
-          <p:cNvPr id="4" name="Picture 3">
-            <a:extLst>
-              <a:ext uri="{FF2B5EF4-FFF2-40B4-BE49-F238E27FC236}">
-                <a16:creationId xmlns:a16="http://schemas.microsoft.com/office/drawing/2014/main" id="{06CD6C7F-3F4D-41AA-BF34-891239E7A45C}"/>
-              </a:ext>
-            </a:extLst>
-          </p:cNvPr>
-          <p:cNvPicPr>
-            <a:picLocks noChangeAspect="1"/>
-          </p:cNvPicPr>
-          <p:nvPr/>
-        </p:nvPicPr>
-        <p:blipFill>
-          <a:blip r:embed="rId2"/>
-          <a:stretch>
-            <a:fillRect/>
-          </a:stretch>
-        </p:blipFill>
-        <p:spPr>
-          <a:xfrm>
-            <a:off x="1128408" y="963038"/>
-            <a:ext cx="10126495" cy="5696154"/>
-          </a:xfrm>
-          <a:prstGeom prst="rect">
-            <a:avLst/>
-          </a:prstGeom>
-        </p:spPr>
-      </p:pic>
-    </p:spTree>
-    <p:extLst>
-      <p:ext uri="{BB962C8B-B14F-4D97-AF65-F5344CB8AC3E}">
-        <p14:creationId xmlns:p14="http://schemas.microsoft.com/office/powerpoint/2010/main" val="3767908977"/>
       </p:ext>
     </p:extLst>
   </p:cSld>
@@ -22968,6 +23785,386 @@
     <p:extLst>
       <p:ext uri="{BB962C8B-B14F-4D97-AF65-F5344CB8AC3E}">
         <p14:creationId xmlns:p14="http://schemas.microsoft.com/office/powerpoint/2010/main" val="1712565819"/>
+      </p:ext>
+    </p:extLst>
+  </p:cSld>
+  <p:clrMapOvr>
+    <a:masterClrMapping/>
+  </p:clrMapOvr>
+</p:sld>
+</file>
+
+<file path=ppt/slides/slide30.xml><?xml version="1.0" encoding="utf-8"?>
+<p:sld xmlns:a="http://schemas.openxmlformats.org/drawingml/2006/main" xmlns:r="http://schemas.openxmlformats.org/officeDocument/2006/relationships" xmlns:p="http://schemas.openxmlformats.org/presentationml/2006/main">
+  <p:cSld>
+    <p:spTree>
+      <p:nvGrpSpPr>
+        <p:cNvPr id="1" name=""/>
+        <p:cNvGrpSpPr/>
+        <p:nvPr/>
+      </p:nvGrpSpPr>
+      <p:grpSpPr>
+        <a:xfrm>
+          <a:off x="0" y="0"/>
+          <a:ext cx="0" cy="0"/>
+          <a:chOff x="0" y="0"/>
+          <a:chExt cx="0" cy="0"/>
+        </a:xfrm>
+      </p:grpSpPr>
+      <p:sp>
+        <p:nvSpPr>
+          <p:cNvPr id="2" name="Title 1">
+            <a:extLst>
+              <a:ext uri="{FF2B5EF4-FFF2-40B4-BE49-F238E27FC236}">
+                <a16:creationId xmlns:a16="http://schemas.microsoft.com/office/drawing/2014/main" id="{80300F45-99B7-4E0F-B1B9-6D03A56FC68B}"/>
+              </a:ext>
+            </a:extLst>
+          </p:cNvPr>
+          <p:cNvSpPr>
+            <a:spLocks noGrp="1"/>
+          </p:cNvSpPr>
+          <p:nvPr>
+            <p:ph type="title"/>
+          </p:nvPr>
+        </p:nvSpPr>
+        <p:spPr>
+          <a:xfrm>
+            <a:off x="1024128" y="585216"/>
+            <a:ext cx="7935046" cy="377822"/>
+          </a:xfrm>
+        </p:spPr>
+        <p:txBody>
+          <a:bodyPr>
+            <a:normAutofit fontScale="90000"/>
+          </a:bodyPr>
+          <a:lstStyle/>
+          <a:p>
+            <a:r>
+              <a:rPr lang="it-IT" sz="2800" dirty="0"/>
+              <a:t>Tools - DOTMEMORY</a:t>
+            </a:r>
+          </a:p>
+        </p:txBody>
+      </p:sp>
+      <p:pic>
+        <p:nvPicPr>
+          <p:cNvPr id="4" name="Picture 3">
+            <a:extLst>
+              <a:ext uri="{FF2B5EF4-FFF2-40B4-BE49-F238E27FC236}">
+                <a16:creationId xmlns:a16="http://schemas.microsoft.com/office/drawing/2014/main" id="{7956FD93-BEB9-4A2D-99B8-AE684E487CC5}"/>
+              </a:ext>
+            </a:extLst>
+          </p:cNvPr>
+          <p:cNvPicPr>
+            <a:picLocks noChangeAspect="1"/>
+          </p:cNvPicPr>
+          <p:nvPr/>
+        </p:nvPicPr>
+        <p:blipFill>
+          <a:blip r:embed="rId2"/>
+          <a:stretch>
+            <a:fillRect/>
+          </a:stretch>
+        </p:blipFill>
+        <p:spPr>
+          <a:xfrm>
+            <a:off x="1104089" y="963038"/>
+            <a:ext cx="9983821" cy="5615899"/>
+          </a:xfrm>
+          <a:prstGeom prst="rect">
+            <a:avLst/>
+          </a:prstGeom>
+        </p:spPr>
+      </p:pic>
+    </p:spTree>
+    <p:extLst>
+      <p:ext uri="{BB962C8B-B14F-4D97-AF65-F5344CB8AC3E}">
+        <p14:creationId xmlns:p14="http://schemas.microsoft.com/office/powerpoint/2010/main" val="3977334221"/>
+      </p:ext>
+    </p:extLst>
+  </p:cSld>
+  <p:clrMapOvr>
+    <a:masterClrMapping/>
+  </p:clrMapOvr>
+</p:sld>
+</file>
+
+<file path=ppt/slides/slide31.xml><?xml version="1.0" encoding="utf-8"?>
+<p:sld xmlns:a="http://schemas.openxmlformats.org/drawingml/2006/main" xmlns:r="http://schemas.openxmlformats.org/officeDocument/2006/relationships" xmlns:p="http://schemas.openxmlformats.org/presentationml/2006/main">
+  <p:cSld>
+    <p:spTree>
+      <p:nvGrpSpPr>
+        <p:cNvPr id="1" name=""/>
+        <p:cNvGrpSpPr/>
+        <p:nvPr/>
+      </p:nvGrpSpPr>
+      <p:grpSpPr>
+        <a:xfrm>
+          <a:off x="0" y="0"/>
+          <a:ext cx="0" cy="0"/>
+          <a:chOff x="0" y="0"/>
+          <a:chExt cx="0" cy="0"/>
+        </a:xfrm>
+      </p:grpSpPr>
+      <p:sp>
+        <p:nvSpPr>
+          <p:cNvPr id="2" name="Title 1">
+            <a:extLst>
+              <a:ext uri="{FF2B5EF4-FFF2-40B4-BE49-F238E27FC236}">
+                <a16:creationId xmlns:a16="http://schemas.microsoft.com/office/drawing/2014/main" id="{80300F45-99B7-4E0F-B1B9-6D03A56FC68B}"/>
+              </a:ext>
+            </a:extLst>
+          </p:cNvPr>
+          <p:cNvSpPr>
+            <a:spLocks noGrp="1"/>
+          </p:cNvSpPr>
+          <p:nvPr>
+            <p:ph type="title"/>
+          </p:nvPr>
+        </p:nvSpPr>
+        <p:spPr>
+          <a:xfrm>
+            <a:off x="1024128" y="585216"/>
+            <a:ext cx="7935046" cy="377822"/>
+          </a:xfrm>
+        </p:spPr>
+        <p:txBody>
+          <a:bodyPr>
+            <a:normAutofit fontScale="90000"/>
+          </a:bodyPr>
+          <a:lstStyle/>
+          <a:p>
+            <a:r>
+              <a:rPr lang="it-IT" sz="2800" dirty="0"/>
+              <a:t>Tools - DOTMEMORY</a:t>
+            </a:r>
+          </a:p>
+        </p:txBody>
+      </p:sp>
+      <p:pic>
+        <p:nvPicPr>
+          <p:cNvPr id="5" name="Picture 4">
+            <a:extLst>
+              <a:ext uri="{FF2B5EF4-FFF2-40B4-BE49-F238E27FC236}">
+                <a16:creationId xmlns:a16="http://schemas.microsoft.com/office/drawing/2014/main" id="{0C742C58-E527-484A-A6BE-C2084F3E24AD}"/>
+              </a:ext>
+            </a:extLst>
+          </p:cNvPr>
+          <p:cNvPicPr>
+            <a:picLocks noChangeAspect="1"/>
+          </p:cNvPicPr>
+          <p:nvPr/>
+        </p:nvPicPr>
+        <p:blipFill>
+          <a:blip r:embed="rId2"/>
+          <a:stretch>
+            <a:fillRect/>
+          </a:stretch>
+        </p:blipFill>
+        <p:spPr>
+          <a:xfrm>
+            <a:off x="1024128" y="963038"/>
+            <a:ext cx="10324289" cy="5807413"/>
+          </a:xfrm>
+          <a:prstGeom prst="rect">
+            <a:avLst/>
+          </a:prstGeom>
+        </p:spPr>
+      </p:pic>
+    </p:spTree>
+    <p:extLst>
+      <p:ext uri="{BB962C8B-B14F-4D97-AF65-F5344CB8AC3E}">
+        <p14:creationId xmlns:p14="http://schemas.microsoft.com/office/powerpoint/2010/main" val="2391867433"/>
+      </p:ext>
+    </p:extLst>
+  </p:cSld>
+  <p:clrMapOvr>
+    <a:masterClrMapping/>
+  </p:clrMapOvr>
+</p:sld>
+</file>
+
+<file path=ppt/slides/slide32.xml><?xml version="1.0" encoding="utf-8"?>
+<p:sld xmlns:a="http://schemas.openxmlformats.org/drawingml/2006/main" xmlns:r="http://schemas.openxmlformats.org/officeDocument/2006/relationships" xmlns:p="http://schemas.openxmlformats.org/presentationml/2006/main">
+  <p:cSld>
+    <p:spTree>
+      <p:nvGrpSpPr>
+        <p:cNvPr id="1" name=""/>
+        <p:cNvGrpSpPr/>
+        <p:nvPr/>
+      </p:nvGrpSpPr>
+      <p:grpSpPr>
+        <a:xfrm>
+          <a:off x="0" y="0"/>
+          <a:ext cx="0" cy="0"/>
+          <a:chOff x="0" y="0"/>
+          <a:chExt cx="0" cy="0"/>
+        </a:xfrm>
+      </p:grpSpPr>
+      <p:sp>
+        <p:nvSpPr>
+          <p:cNvPr id="2" name="Title 1">
+            <a:extLst>
+              <a:ext uri="{FF2B5EF4-FFF2-40B4-BE49-F238E27FC236}">
+                <a16:creationId xmlns:a16="http://schemas.microsoft.com/office/drawing/2014/main" id="{80300F45-99B7-4E0F-B1B9-6D03A56FC68B}"/>
+              </a:ext>
+            </a:extLst>
+          </p:cNvPr>
+          <p:cNvSpPr>
+            <a:spLocks noGrp="1"/>
+          </p:cNvSpPr>
+          <p:nvPr>
+            <p:ph type="title"/>
+          </p:nvPr>
+        </p:nvSpPr>
+        <p:spPr>
+          <a:xfrm>
+            <a:off x="1024128" y="585216"/>
+            <a:ext cx="7935046" cy="377822"/>
+          </a:xfrm>
+        </p:spPr>
+        <p:txBody>
+          <a:bodyPr>
+            <a:normAutofit fontScale="90000"/>
+          </a:bodyPr>
+          <a:lstStyle/>
+          <a:p>
+            <a:r>
+              <a:rPr lang="it-IT" sz="2800" dirty="0"/>
+              <a:t>Tools - DOTMEMORY</a:t>
+            </a:r>
+          </a:p>
+        </p:txBody>
+      </p:sp>
+      <p:pic>
+        <p:nvPicPr>
+          <p:cNvPr id="3" name="Picture 2">
+            <a:extLst>
+              <a:ext uri="{FF2B5EF4-FFF2-40B4-BE49-F238E27FC236}">
+                <a16:creationId xmlns:a16="http://schemas.microsoft.com/office/drawing/2014/main" id="{6C4C0593-59AB-49E0-8566-F64498BB09D8}"/>
+              </a:ext>
+            </a:extLst>
+          </p:cNvPr>
+          <p:cNvPicPr>
+            <a:picLocks noChangeAspect="1"/>
+          </p:cNvPicPr>
+          <p:nvPr/>
+        </p:nvPicPr>
+        <p:blipFill>
+          <a:blip r:embed="rId2"/>
+          <a:stretch>
+            <a:fillRect/>
+          </a:stretch>
+        </p:blipFill>
+        <p:spPr>
+          <a:xfrm>
+            <a:off x="1140860" y="977629"/>
+            <a:ext cx="10064884" cy="5661497"/>
+          </a:xfrm>
+          <a:prstGeom prst="rect">
+            <a:avLst/>
+          </a:prstGeom>
+        </p:spPr>
+      </p:pic>
+    </p:spTree>
+    <p:extLst>
+      <p:ext uri="{BB962C8B-B14F-4D97-AF65-F5344CB8AC3E}">
+        <p14:creationId xmlns:p14="http://schemas.microsoft.com/office/powerpoint/2010/main" val="48740897"/>
+      </p:ext>
+    </p:extLst>
+  </p:cSld>
+  <p:clrMapOvr>
+    <a:masterClrMapping/>
+  </p:clrMapOvr>
+</p:sld>
+</file>
+
+<file path=ppt/slides/slide33.xml><?xml version="1.0" encoding="utf-8"?>
+<p:sld xmlns:a="http://schemas.openxmlformats.org/drawingml/2006/main" xmlns:r="http://schemas.openxmlformats.org/officeDocument/2006/relationships" xmlns:p="http://schemas.openxmlformats.org/presentationml/2006/main">
+  <p:cSld>
+    <p:spTree>
+      <p:nvGrpSpPr>
+        <p:cNvPr id="1" name=""/>
+        <p:cNvGrpSpPr/>
+        <p:nvPr/>
+      </p:nvGrpSpPr>
+      <p:grpSpPr>
+        <a:xfrm>
+          <a:off x="0" y="0"/>
+          <a:ext cx="0" cy="0"/>
+          <a:chOff x="0" y="0"/>
+          <a:chExt cx="0" cy="0"/>
+        </a:xfrm>
+      </p:grpSpPr>
+      <p:sp>
+        <p:nvSpPr>
+          <p:cNvPr id="2" name="Title 1">
+            <a:extLst>
+              <a:ext uri="{FF2B5EF4-FFF2-40B4-BE49-F238E27FC236}">
+                <a16:creationId xmlns:a16="http://schemas.microsoft.com/office/drawing/2014/main" id="{80300F45-99B7-4E0F-B1B9-6D03A56FC68B}"/>
+              </a:ext>
+            </a:extLst>
+          </p:cNvPr>
+          <p:cNvSpPr>
+            <a:spLocks noGrp="1"/>
+          </p:cNvSpPr>
+          <p:nvPr>
+            <p:ph type="title"/>
+          </p:nvPr>
+        </p:nvSpPr>
+        <p:spPr>
+          <a:xfrm>
+            <a:off x="1024128" y="585216"/>
+            <a:ext cx="7935046" cy="377822"/>
+          </a:xfrm>
+        </p:spPr>
+        <p:txBody>
+          <a:bodyPr>
+            <a:normAutofit fontScale="90000"/>
+          </a:bodyPr>
+          <a:lstStyle/>
+          <a:p>
+            <a:r>
+              <a:rPr lang="it-IT" sz="2800" dirty="0"/>
+              <a:t>Tools - VMMAP</a:t>
+            </a:r>
+          </a:p>
+        </p:txBody>
+      </p:sp>
+      <p:pic>
+        <p:nvPicPr>
+          <p:cNvPr id="4" name="Picture 3">
+            <a:extLst>
+              <a:ext uri="{FF2B5EF4-FFF2-40B4-BE49-F238E27FC236}">
+                <a16:creationId xmlns:a16="http://schemas.microsoft.com/office/drawing/2014/main" id="{06CD6C7F-3F4D-41AA-BF34-891239E7A45C}"/>
+              </a:ext>
+            </a:extLst>
+          </p:cNvPr>
+          <p:cNvPicPr>
+            <a:picLocks noChangeAspect="1"/>
+          </p:cNvPicPr>
+          <p:nvPr/>
+        </p:nvPicPr>
+        <p:blipFill>
+          <a:blip r:embed="rId2"/>
+          <a:stretch>
+            <a:fillRect/>
+          </a:stretch>
+        </p:blipFill>
+        <p:spPr>
+          <a:xfrm>
+            <a:off x="1128408" y="963038"/>
+            <a:ext cx="10126495" cy="5696154"/>
+          </a:xfrm>
+          <a:prstGeom prst="rect">
+            <a:avLst/>
+          </a:prstGeom>
+        </p:spPr>
+      </p:pic>
+    </p:spTree>
+    <p:extLst>
+      <p:ext uri="{BB962C8B-B14F-4D97-AF65-F5344CB8AC3E}">
+        <p14:creationId xmlns:p14="http://schemas.microsoft.com/office/powerpoint/2010/main" val="3767908977"/>
       </p:ext>
     </p:extLst>
   </p:cSld>

--- a/intro.pptx
+++ b/intro.pptx
@@ -28,16 +28,17 @@
     <p:sldId id="269" r:id="rId22"/>
     <p:sldId id="288" r:id="rId23"/>
     <p:sldId id="270" r:id="rId24"/>
-    <p:sldId id="271" r:id="rId25"/>
-    <p:sldId id="272" r:id="rId26"/>
-    <p:sldId id="273" r:id="rId27"/>
-    <p:sldId id="274" r:id="rId28"/>
-    <p:sldId id="275" r:id="rId29"/>
-    <p:sldId id="276" r:id="rId30"/>
-    <p:sldId id="277" r:id="rId31"/>
-    <p:sldId id="278" r:id="rId32"/>
-    <p:sldId id="279" r:id="rId33"/>
-    <p:sldId id="280" r:id="rId34"/>
+    <p:sldId id="289" r:id="rId25"/>
+    <p:sldId id="271" r:id="rId26"/>
+    <p:sldId id="272" r:id="rId27"/>
+    <p:sldId id="273" r:id="rId28"/>
+    <p:sldId id="274" r:id="rId29"/>
+    <p:sldId id="275" r:id="rId30"/>
+    <p:sldId id="276" r:id="rId31"/>
+    <p:sldId id="277" r:id="rId32"/>
+    <p:sldId id="278" r:id="rId33"/>
+    <p:sldId id="279" r:id="rId34"/>
+    <p:sldId id="280" r:id="rId35"/>
   </p:sldIdLst>
   <p:sldSz cx="12192000" cy="6858000"/>
   <p:notesSz cx="6858000" cy="9144000"/>
@@ -142,6 +143,18 @@
     </p:ext>
   </p:extLst>
 </p:presentation>
+</file>
+
+<file path=ppt/commentAuthors.xml><?xml version="1.0" encoding="utf-8"?>
+<p:cmAuthorLst xmlns:a="http://schemas.openxmlformats.org/drawingml/2006/main" xmlns:r="http://schemas.openxmlformats.org/officeDocument/2006/relationships" xmlns:p="http://schemas.openxmlformats.org/presentationml/2006/main">
+  <p:cmAuthor id="1" name="Massimiliano Balestrieri" initials="MB" lastIdx="2" clrIdx="0">
+    <p:extLst>
+      <p:ext uri="{19B8F6BF-5375-455C-9EA6-DF929625EA0E}">
+        <p15:presenceInfo xmlns:p15="http://schemas.microsoft.com/office/powerpoint/2012/main" userId="Massimiliano Balestrieri" providerId="None"/>
+      </p:ext>
+    </p:extLst>
+  </p:cmAuthor>
+</p:cmAuthorLst>
 </file>
 
 <file path=ppt/slideLayouts/slideLayout1.xml><?xml version="1.0" encoding="utf-8"?>
@@ -8937,7 +8950,7 @@
           <a:p>
             <a:fld id="{6DC1D2EA-4059-4DC5-AD48-8F08A7F9F094}" type="datetimeFigureOut">
               <a:rPr lang="it-IT" smtClean="0"/>
-              <a:t>23/09/2019</a:t>
+              <a:t>15/10/2019</a:t>
             </a:fld>
             <a:endParaRPr lang="it-IT"/>
           </a:p>
@@ -9144,7 +9157,7 @@
           <a:p>
             <a:fld id="{6DC1D2EA-4059-4DC5-AD48-8F08A7F9F094}" type="datetimeFigureOut">
               <a:rPr lang="it-IT" smtClean="0"/>
-              <a:t>23/09/2019</a:t>
+              <a:t>15/10/2019</a:t>
             </a:fld>
             <a:endParaRPr lang="it-IT"/>
           </a:p>
@@ -9324,7 +9337,7 @@
           <a:p>
             <a:fld id="{6DC1D2EA-4059-4DC5-AD48-8F08A7F9F094}" type="datetimeFigureOut">
               <a:rPr lang="it-IT" smtClean="0"/>
-              <a:t>23/09/2019</a:t>
+              <a:t>15/10/2019</a:t>
             </a:fld>
             <a:endParaRPr lang="it-IT"/>
           </a:p>
@@ -9529,7 +9542,7 @@
           <a:p>
             <a:fld id="{6DC1D2EA-4059-4DC5-AD48-8F08A7F9F094}" type="datetimeFigureOut">
               <a:rPr lang="it-IT" smtClean="0"/>
-              <a:t>23/09/2019</a:t>
+              <a:t>15/10/2019</a:t>
             </a:fld>
             <a:endParaRPr lang="it-IT"/>
           </a:p>
@@ -18427,7 +18440,7 @@
           <a:p>
             <a:fld id="{6DC1D2EA-4059-4DC5-AD48-8F08A7F9F094}" type="datetimeFigureOut">
               <a:rPr lang="it-IT" smtClean="0"/>
-              <a:t>23/09/2019</a:t>
+              <a:t>15/10/2019</a:t>
             </a:fld>
             <a:endParaRPr lang="it-IT"/>
           </a:p>
@@ -18701,7 +18714,7 @@
           <a:p>
             <a:fld id="{6DC1D2EA-4059-4DC5-AD48-8F08A7F9F094}" type="datetimeFigureOut">
               <a:rPr lang="it-IT" smtClean="0"/>
-              <a:t>23/09/2019</a:t>
+              <a:t>15/10/2019</a:t>
             </a:fld>
             <a:endParaRPr lang="it-IT"/>
           </a:p>
@@ -19099,7 +19112,7 @@
           <a:p>
             <a:fld id="{6DC1D2EA-4059-4DC5-AD48-8F08A7F9F094}" type="datetimeFigureOut">
               <a:rPr lang="it-IT" smtClean="0"/>
-              <a:t>23/09/2019</a:t>
+              <a:t>15/10/2019</a:t>
             </a:fld>
             <a:endParaRPr lang="it-IT"/>
           </a:p>
@@ -19217,7 +19230,7 @@
           <a:p>
             <a:fld id="{6DC1D2EA-4059-4DC5-AD48-8F08A7F9F094}" type="datetimeFigureOut">
               <a:rPr lang="it-IT" smtClean="0"/>
-              <a:t>23/09/2019</a:t>
+              <a:t>15/10/2019</a:t>
             </a:fld>
             <a:endParaRPr lang="it-IT"/>
           </a:p>
@@ -19312,7 +19325,7 @@
           <a:p>
             <a:fld id="{6DC1D2EA-4059-4DC5-AD48-8F08A7F9F094}" type="datetimeFigureOut">
               <a:rPr lang="it-IT" smtClean="0"/>
-              <a:t>23/09/2019</a:t>
+              <a:t>15/10/2019</a:t>
             </a:fld>
             <a:endParaRPr lang="it-IT"/>
           </a:p>
@@ -19602,7 +19615,7 @@
           <a:p>
             <a:fld id="{6DC1D2EA-4059-4DC5-AD48-8F08A7F9F094}" type="datetimeFigureOut">
               <a:rPr lang="it-IT" smtClean="0"/>
-              <a:t>23/09/2019</a:t>
+              <a:t>15/10/2019</a:t>
             </a:fld>
             <a:endParaRPr lang="it-IT"/>
           </a:p>
@@ -19882,7 +19895,7 @@
           <a:p>
             <a:fld id="{6DC1D2EA-4059-4DC5-AD48-8F08A7F9F094}" type="datetimeFigureOut">
               <a:rPr lang="it-IT" smtClean="0"/>
-              <a:t>23/09/2019</a:t>
+              <a:t>15/10/2019</a:t>
             </a:fld>
             <a:endParaRPr lang="it-IT"/>
           </a:p>
@@ -20132,7 +20145,7 @@
           <a:p>
             <a:fld id="{6DC1D2EA-4059-4DC5-AD48-8F08A7F9F094}" type="datetimeFigureOut">
               <a:rPr lang="it-IT" smtClean="0"/>
-              <a:t>23/09/2019</a:t>
+              <a:t>15/10/2019</a:t>
             </a:fld>
             <a:endParaRPr lang="it-IT"/>
           </a:p>
@@ -23008,6 +23021,137 @@
       </p:grpSpPr>
       <p:sp>
         <p:nvSpPr>
+          <p:cNvPr id="2" name="Titolo 1">
+            <a:extLst>
+              <a:ext uri="{FF2B5EF4-FFF2-40B4-BE49-F238E27FC236}">
+                <a16:creationId xmlns:a16="http://schemas.microsoft.com/office/drawing/2014/main" id="{8906D0D7-808A-498C-87A2-B7654951ACCE}"/>
+              </a:ext>
+            </a:extLst>
+          </p:cNvPr>
+          <p:cNvSpPr>
+            <a:spLocks noGrp="1"/>
+          </p:cNvSpPr>
+          <p:nvPr>
+            <p:ph type="title"/>
+          </p:nvPr>
+        </p:nvSpPr>
+        <p:spPr/>
+        <p:txBody>
+          <a:bodyPr/>
+          <a:lstStyle/>
+          <a:p>
+            <a:r>
+              <a:rPr lang="it-IT" dirty="0"/>
+              <a:t>Time </a:t>
+            </a:r>
+            <a:r>
+              <a:rPr lang="it-IT" dirty="0" err="1"/>
+              <a:t>units</a:t>
+            </a:r>
+            <a:endParaRPr lang="it-IT" dirty="0"/>
+          </a:p>
+        </p:txBody>
+      </p:sp>
+      <p:pic>
+        <p:nvPicPr>
+          <p:cNvPr id="4" name="Segnaposto contenuto 3">
+            <a:extLst>
+              <a:ext uri="{FF2B5EF4-FFF2-40B4-BE49-F238E27FC236}">
+                <a16:creationId xmlns:a16="http://schemas.microsoft.com/office/drawing/2014/main" id="{45913B68-A87F-49E0-9B7B-8DC24518E1C7}"/>
+              </a:ext>
+            </a:extLst>
+          </p:cNvPr>
+          <p:cNvPicPr>
+            <a:picLocks noGrp="1" noChangeAspect="1"/>
+          </p:cNvPicPr>
+          <p:nvPr>
+            <p:ph idx="1"/>
+          </p:nvPr>
+        </p:nvPicPr>
+        <p:blipFill>
+          <a:blip r:embed="rId2"/>
+          <a:stretch>
+            <a:fillRect/>
+          </a:stretch>
+        </p:blipFill>
+        <p:spPr>
+          <a:xfrm>
+            <a:off x="603550" y="1852392"/>
+            <a:ext cx="4286848" cy="3153215"/>
+          </a:xfrm>
+          <a:prstGeom prst="rect">
+            <a:avLst/>
+          </a:prstGeom>
+        </p:spPr>
+      </p:pic>
+      <p:sp>
+        <p:nvSpPr>
+          <p:cNvPr id="5" name="CasellaDiTesto 4">
+            <a:extLst>
+              <a:ext uri="{FF2B5EF4-FFF2-40B4-BE49-F238E27FC236}">
+                <a16:creationId xmlns:a16="http://schemas.microsoft.com/office/drawing/2014/main" id="{2DB77E2E-3AE8-4F27-8407-1110DB2019D2}"/>
+              </a:ext>
+            </a:extLst>
+          </p:cNvPr>
+          <p:cNvSpPr txBox="1"/>
+          <p:nvPr/>
+        </p:nvSpPr>
+        <p:spPr>
+          <a:xfrm>
+            <a:off x="5100010" y="4359276"/>
+            <a:ext cx="4403188" cy="646331"/>
+          </a:xfrm>
+          <a:prstGeom prst="rect">
+            <a:avLst/>
+          </a:prstGeom>
+          <a:noFill/>
+        </p:spPr>
+        <p:txBody>
+          <a:bodyPr wrap="square" rtlCol="0">
+            <a:spAutoFit/>
+          </a:bodyPr>
+          <a:lstStyle/>
+          <a:p>
+            <a:r>
+              <a:rPr lang="en-US" dirty="0"/>
+              <a:t>A picosecond relates to a second as a second relates to 31710 years!</a:t>
+            </a:r>
+            <a:endParaRPr lang="it-IT" dirty="0"/>
+          </a:p>
+        </p:txBody>
+      </p:sp>
+    </p:spTree>
+    <p:extLst>
+      <p:ext uri="{BB962C8B-B14F-4D97-AF65-F5344CB8AC3E}">
+        <p14:creationId xmlns:p14="http://schemas.microsoft.com/office/powerpoint/2010/main" val="3431913092"/>
+      </p:ext>
+    </p:extLst>
+  </p:cSld>
+  <p:clrMapOvr>
+    <a:masterClrMapping/>
+  </p:clrMapOvr>
+</p:sld>
+</file>
+
+<file path=ppt/slides/slide25.xml><?xml version="1.0" encoding="utf-8"?>
+<p:sld xmlns:a="http://schemas.openxmlformats.org/drawingml/2006/main" xmlns:r="http://schemas.openxmlformats.org/officeDocument/2006/relationships" xmlns:p="http://schemas.openxmlformats.org/presentationml/2006/main">
+  <p:cSld>
+    <p:spTree>
+      <p:nvGrpSpPr>
+        <p:cNvPr id="1" name=""/>
+        <p:cNvGrpSpPr/>
+        <p:nvPr/>
+      </p:nvGrpSpPr>
+      <p:grpSpPr>
+        <a:xfrm>
+          <a:off x="0" y="0"/>
+          <a:ext cx="0" cy="0"/>
+          <a:chOff x="0" y="0"/>
+          <a:chExt cx="0" cy="0"/>
+        </a:xfrm>
+      </p:grpSpPr>
+      <p:sp>
+        <p:nvSpPr>
           <p:cNvPr id="2" name="Title 1">
             <a:extLst>
               <a:ext uri="{FF2B5EF4-FFF2-40B4-BE49-F238E27FC236}">
@@ -23094,7 +23238,7 @@
 </p:sld>
 </file>
 
-<file path=ppt/slides/slide25.xml><?xml version="1.0" encoding="utf-8"?>
+<file path=ppt/slides/slide26.xml><?xml version="1.0" encoding="utf-8"?>
 <p:sld xmlns:a="http://schemas.openxmlformats.org/drawingml/2006/main" xmlns:r="http://schemas.openxmlformats.org/officeDocument/2006/relationships" xmlns:p="http://schemas.openxmlformats.org/presentationml/2006/main">
   <p:cSld>
     <p:spTree>
@@ -23222,7 +23366,7 @@
 </p:sld>
 </file>
 
-<file path=ppt/slides/slide26.xml><?xml version="1.0" encoding="utf-8"?>
+<file path=ppt/slides/slide27.xml><?xml version="1.0" encoding="utf-8"?>
 <p:sld xmlns:a="http://schemas.openxmlformats.org/drawingml/2006/main" xmlns:r="http://schemas.openxmlformats.org/officeDocument/2006/relationships" xmlns:p="http://schemas.openxmlformats.org/presentationml/2006/main">
   <p:cSld>
     <p:spTree>
@@ -23327,7 +23471,7 @@
 </p:sld>
 </file>
 
-<file path=ppt/slides/slide27.xml><?xml version="1.0" encoding="utf-8"?>
+<file path=ppt/slides/slide28.xml><?xml version="1.0" encoding="utf-8"?>
 <p:sld xmlns:a="http://schemas.openxmlformats.org/drawingml/2006/main" xmlns:r="http://schemas.openxmlformats.org/officeDocument/2006/relationships" xmlns:p="http://schemas.openxmlformats.org/presentationml/2006/main">
   <p:cSld>
     <p:spTree>
@@ -23432,7 +23576,7 @@
 </p:sld>
 </file>
 
-<file path=ppt/slides/slide28.xml><?xml version="1.0" encoding="utf-8"?>
+<file path=ppt/slides/slide29.xml><?xml version="1.0" encoding="utf-8"?>
 <p:sld xmlns:a="http://schemas.openxmlformats.org/drawingml/2006/main" xmlns:r="http://schemas.openxmlformats.org/officeDocument/2006/relationships" xmlns:p="http://schemas.openxmlformats.org/presentationml/2006/main">
   <p:cSld>
     <p:spTree>
@@ -23518,101 +23662,6 @@
     <p:extLst>
       <p:ext uri="{BB962C8B-B14F-4D97-AF65-F5344CB8AC3E}">
         <p14:creationId xmlns:p14="http://schemas.microsoft.com/office/powerpoint/2010/main" val="3242822636"/>
-      </p:ext>
-    </p:extLst>
-  </p:cSld>
-  <p:clrMapOvr>
-    <a:masterClrMapping/>
-  </p:clrMapOvr>
-</p:sld>
-</file>
-
-<file path=ppt/slides/slide29.xml><?xml version="1.0" encoding="utf-8"?>
-<p:sld xmlns:a="http://schemas.openxmlformats.org/drawingml/2006/main" xmlns:r="http://schemas.openxmlformats.org/officeDocument/2006/relationships" xmlns:p="http://schemas.openxmlformats.org/presentationml/2006/main">
-  <p:cSld>
-    <p:spTree>
-      <p:nvGrpSpPr>
-        <p:cNvPr id="1" name=""/>
-        <p:cNvGrpSpPr/>
-        <p:nvPr/>
-      </p:nvGrpSpPr>
-      <p:grpSpPr>
-        <a:xfrm>
-          <a:off x="0" y="0"/>
-          <a:ext cx="0" cy="0"/>
-          <a:chOff x="0" y="0"/>
-          <a:chExt cx="0" cy="0"/>
-        </a:xfrm>
-      </p:grpSpPr>
-      <p:sp>
-        <p:nvSpPr>
-          <p:cNvPr id="2" name="Title 1">
-            <a:extLst>
-              <a:ext uri="{FF2B5EF4-FFF2-40B4-BE49-F238E27FC236}">
-                <a16:creationId xmlns:a16="http://schemas.microsoft.com/office/drawing/2014/main" id="{80300F45-99B7-4E0F-B1B9-6D03A56FC68B}"/>
-              </a:ext>
-            </a:extLst>
-          </p:cNvPr>
-          <p:cNvSpPr>
-            <a:spLocks noGrp="1"/>
-          </p:cNvSpPr>
-          <p:nvPr>
-            <p:ph type="title"/>
-          </p:nvPr>
-        </p:nvSpPr>
-        <p:spPr>
-          <a:xfrm>
-            <a:off x="1024128" y="585216"/>
-            <a:ext cx="7935046" cy="377822"/>
-          </a:xfrm>
-        </p:spPr>
-        <p:txBody>
-          <a:bodyPr>
-            <a:normAutofit fontScale="90000"/>
-          </a:bodyPr>
-          <a:lstStyle/>
-          <a:p>
-            <a:r>
-              <a:rPr lang="it-IT" sz="2800" dirty="0"/>
-              <a:t>Tools - DOTMEMORY</a:t>
-            </a:r>
-          </a:p>
-        </p:txBody>
-      </p:sp>
-      <p:pic>
-        <p:nvPicPr>
-          <p:cNvPr id="3" name="Picture 2">
-            <a:extLst>
-              <a:ext uri="{FF2B5EF4-FFF2-40B4-BE49-F238E27FC236}">
-                <a16:creationId xmlns:a16="http://schemas.microsoft.com/office/drawing/2014/main" id="{66CC8A97-1B2F-40BC-8A13-AD4C6EA4F44D}"/>
-              </a:ext>
-            </a:extLst>
-          </p:cNvPr>
-          <p:cNvPicPr>
-            <a:picLocks noChangeAspect="1"/>
-          </p:cNvPicPr>
-          <p:nvPr/>
-        </p:nvPicPr>
-        <p:blipFill>
-          <a:blip r:embed="rId2"/>
-          <a:stretch>
-            <a:fillRect/>
-          </a:stretch>
-        </p:blipFill>
-        <p:spPr>
-          <a:xfrm>
-            <a:off x="1118680" y="963038"/>
-            <a:ext cx="10289704" cy="5787958"/>
-          </a:xfrm>
-          <a:prstGeom prst="rect">
-            <a:avLst/>
-          </a:prstGeom>
-        </p:spPr>
-      </p:pic>
-    </p:spTree>
-    <p:extLst>
-      <p:ext uri="{BB962C8B-B14F-4D97-AF65-F5344CB8AC3E}">
-        <p14:creationId xmlns:p14="http://schemas.microsoft.com/office/powerpoint/2010/main" val="1545807827"/>
       </p:ext>
     </p:extLst>
   </p:cSld>
@@ -23848,6 +23897,101 @@
       </p:sp>
       <p:pic>
         <p:nvPicPr>
+          <p:cNvPr id="3" name="Picture 2">
+            <a:extLst>
+              <a:ext uri="{FF2B5EF4-FFF2-40B4-BE49-F238E27FC236}">
+                <a16:creationId xmlns:a16="http://schemas.microsoft.com/office/drawing/2014/main" id="{66CC8A97-1B2F-40BC-8A13-AD4C6EA4F44D}"/>
+              </a:ext>
+            </a:extLst>
+          </p:cNvPr>
+          <p:cNvPicPr>
+            <a:picLocks noChangeAspect="1"/>
+          </p:cNvPicPr>
+          <p:nvPr/>
+        </p:nvPicPr>
+        <p:blipFill>
+          <a:blip r:embed="rId2"/>
+          <a:stretch>
+            <a:fillRect/>
+          </a:stretch>
+        </p:blipFill>
+        <p:spPr>
+          <a:xfrm>
+            <a:off x="1118680" y="963038"/>
+            <a:ext cx="10289704" cy="5787958"/>
+          </a:xfrm>
+          <a:prstGeom prst="rect">
+            <a:avLst/>
+          </a:prstGeom>
+        </p:spPr>
+      </p:pic>
+    </p:spTree>
+    <p:extLst>
+      <p:ext uri="{BB962C8B-B14F-4D97-AF65-F5344CB8AC3E}">
+        <p14:creationId xmlns:p14="http://schemas.microsoft.com/office/powerpoint/2010/main" val="1545807827"/>
+      </p:ext>
+    </p:extLst>
+  </p:cSld>
+  <p:clrMapOvr>
+    <a:masterClrMapping/>
+  </p:clrMapOvr>
+</p:sld>
+</file>
+
+<file path=ppt/slides/slide31.xml><?xml version="1.0" encoding="utf-8"?>
+<p:sld xmlns:a="http://schemas.openxmlformats.org/drawingml/2006/main" xmlns:r="http://schemas.openxmlformats.org/officeDocument/2006/relationships" xmlns:p="http://schemas.openxmlformats.org/presentationml/2006/main">
+  <p:cSld>
+    <p:spTree>
+      <p:nvGrpSpPr>
+        <p:cNvPr id="1" name=""/>
+        <p:cNvGrpSpPr/>
+        <p:nvPr/>
+      </p:nvGrpSpPr>
+      <p:grpSpPr>
+        <a:xfrm>
+          <a:off x="0" y="0"/>
+          <a:ext cx="0" cy="0"/>
+          <a:chOff x="0" y="0"/>
+          <a:chExt cx="0" cy="0"/>
+        </a:xfrm>
+      </p:grpSpPr>
+      <p:sp>
+        <p:nvSpPr>
+          <p:cNvPr id="2" name="Title 1">
+            <a:extLst>
+              <a:ext uri="{FF2B5EF4-FFF2-40B4-BE49-F238E27FC236}">
+                <a16:creationId xmlns:a16="http://schemas.microsoft.com/office/drawing/2014/main" id="{80300F45-99B7-4E0F-B1B9-6D03A56FC68B}"/>
+              </a:ext>
+            </a:extLst>
+          </p:cNvPr>
+          <p:cNvSpPr>
+            <a:spLocks noGrp="1"/>
+          </p:cNvSpPr>
+          <p:nvPr>
+            <p:ph type="title"/>
+          </p:nvPr>
+        </p:nvSpPr>
+        <p:spPr>
+          <a:xfrm>
+            <a:off x="1024128" y="585216"/>
+            <a:ext cx="7935046" cy="377822"/>
+          </a:xfrm>
+        </p:spPr>
+        <p:txBody>
+          <a:bodyPr>
+            <a:normAutofit fontScale="90000"/>
+          </a:bodyPr>
+          <a:lstStyle/>
+          <a:p>
+            <a:r>
+              <a:rPr lang="it-IT" sz="2800" dirty="0"/>
+              <a:t>Tools - DOTMEMORY</a:t>
+            </a:r>
+          </a:p>
+        </p:txBody>
+      </p:sp>
+      <p:pic>
+        <p:nvPicPr>
           <p:cNvPr id="4" name="Picture 3">
             <a:extLst>
               <a:ext uri="{FF2B5EF4-FFF2-40B4-BE49-F238E27FC236}">
@@ -23889,7 +24033,7 @@
 </p:sld>
 </file>
 
-<file path=ppt/slides/slide31.xml><?xml version="1.0" encoding="utf-8"?>
+<file path=ppt/slides/slide32.xml><?xml version="1.0" encoding="utf-8"?>
 <p:sld xmlns:a="http://schemas.openxmlformats.org/drawingml/2006/main" xmlns:r="http://schemas.openxmlformats.org/officeDocument/2006/relationships" xmlns:p="http://schemas.openxmlformats.org/presentationml/2006/main">
   <p:cSld>
     <p:spTree>
@@ -23984,7 +24128,7 @@
 </p:sld>
 </file>
 
-<file path=ppt/slides/slide32.xml><?xml version="1.0" encoding="utf-8"?>
+<file path=ppt/slides/slide33.xml><?xml version="1.0" encoding="utf-8"?>
 <p:sld xmlns:a="http://schemas.openxmlformats.org/drawingml/2006/main" xmlns:r="http://schemas.openxmlformats.org/officeDocument/2006/relationships" xmlns:p="http://schemas.openxmlformats.org/presentationml/2006/main">
   <p:cSld>
     <p:spTree>
@@ -24079,7 +24223,7 @@
 </p:sld>
 </file>
 
-<file path=ppt/slides/slide33.xml><?xml version="1.0" encoding="utf-8"?>
+<file path=ppt/slides/slide34.xml><?xml version="1.0" encoding="utf-8"?>
 <p:sld xmlns:a="http://schemas.openxmlformats.org/drawingml/2006/main" xmlns:r="http://schemas.openxmlformats.org/officeDocument/2006/relationships" xmlns:p="http://schemas.openxmlformats.org/presentationml/2006/main">
   <p:cSld>
     <p:spTree>
